--- a/docs/Möte 04-26.pptx
+++ b/docs/Möte 04-26.pptx
@@ -11,7 +11,8 @@
     <p:sldId id="259" r:id="rId5"/>
     <p:sldId id="260" r:id="rId6"/>
     <p:sldId id="261" r:id="rId7"/>
-    <p:sldId id="262" r:id="rId8"/>
+    <p:sldId id="263" r:id="rId8"/>
+    <p:sldId id="262" r:id="rId9"/>
   </p:sldIdLst>
   <p:sldSz cx="12192000" cy="6858000"/>
   <p:notesSz cx="6858000" cy="9144000"/>
@@ -110,6 +111,11 @@
       </a:defRPr>
     </a:lvl9pPr>
   </p:defaultTextStyle>
+  <p:extLst>
+    <p:ext uri="{EFAFB233-063F-42B5-8137-9DF3F51BA10A}">
+      <p15:sldGuideLst xmlns:p15="http://schemas.microsoft.com/office/powerpoint/2012/main"/>
+    </p:ext>
+  </p:extLst>
 </p:presentation>
 </file>
 
@@ -262,7 +268,7 @@
           <a:p>
             <a:fld id="{88A078B7-E3D4-4B9E-B10F-1AE19D52734E}" type="datetimeFigureOut">
               <a:rPr lang="sv-SE" smtClean="0"/>
-              <a:t>2023-04-24</a:t>
+              <a:t>2023-04-25</a:t>
             </a:fld>
             <a:endParaRPr lang="sv-SE"/>
           </a:p>
@@ -462,7 +468,7 @@
           <a:p>
             <a:fld id="{88A078B7-E3D4-4B9E-B10F-1AE19D52734E}" type="datetimeFigureOut">
               <a:rPr lang="sv-SE" smtClean="0"/>
-              <a:t>2023-04-24</a:t>
+              <a:t>2023-04-25</a:t>
             </a:fld>
             <a:endParaRPr lang="sv-SE"/>
           </a:p>
@@ -672,7 +678,7 @@
           <a:p>
             <a:fld id="{88A078B7-E3D4-4B9E-B10F-1AE19D52734E}" type="datetimeFigureOut">
               <a:rPr lang="sv-SE" smtClean="0"/>
-              <a:t>2023-04-24</a:t>
+              <a:t>2023-04-25</a:t>
             </a:fld>
             <a:endParaRPr lang="sv-SE"/>
           </a:p>
@@ -872,7 +878,7 @@
           <a:p>
             <a:fld id="{88A078B7-E3D4-4B9E-B10F-1AE19D52734E}" type="datetimeFigureOut">
               <a:rPr lang="sv-SE" smtClean="0"/>
-              <a:t>2023-04-24</a:t>
+              <a:t>2023-04-25</a:t>
             </a:fld>
             <a:endParaRPr lang="sv-SE"/>
           </a:p>
@@ -1148,7 +1154,7 @@
           <a:p>
             <a:fld id="{88A078B7-E3D4-4B9E-B10F-1AE19D52734E}" type="datetimeFigureOut">
               <a:rPr lang="sv-SE" smtClean="0"/>
-              <a:t>2023-04-24</a:t>
+              <a:t>2023-04-25</a:t>
             </a:fld>
             <a:endParaRPr lang="sv-SE"/>
           </a:p>
@@ -1416,7 +1422,7 @@
           <a:p>
             <a:fld id="{88A078B7-E3D4-4B9E-B10F-1AE19D52734E}" type="datetimeFigureOut">
               <a:rPr lang="sv-SE" smtClean="0"/>
-              <a:t>2023-04-24</a:t>
+              <a:t>2023-04-25</a:t>
             </a:fld>
             <a:endParaRPr lang="sv-SE"/>
           </a:p>
@@ -1831,7 +1837,7 @@
           <a:p>
             <a:fld id="{88A078B7-E3D4-4B9E-B10F-1AE19D52734E}" type="datetimeFigureOut">
               <a:rPr lang="sv-SE" smtClean="0"/>
-              <a:t>2023-04-24</a:t>
+              <a:t>2023-04-25</a:t>
             </a:fld>
             <a:endParaRPr lang="sv-SE"/>
           </a:p>
@@ -1973,7 +1979,7 @@
           <a:p>
             <a:fld id="{88A078B7-E3D4-4B9E-B10F-1AE19D52734E}" type="datetimeFigureOut">
               <a:rPr lang="sv-SE" smtClean="0"/>
-              <a:t>2023-04-24</a:t>
+              <a:t>2023-04-25</a:t>
             </a:fld>
             <a:endParaRPr lang="sv-SE"/>
           </a:p>
@@ -2086,7 +2092,7 @@
           <a:p>
             <a:fld id="{88A078B7-E3D4-4B9E-B10F-1AE19D52734E}" type="datetimeFigureOut">
               <a:rPr lang="sv-SE" smtClean="0"/>
-              <a:t>2023-04-24</a:t>
+              <a:t>2023-04-25</a:t>
             </a:fld>
             <a:endParaRPr lang="sv-SE"/>
           </a:p>
@@ -2399,7 +2405,7 @@
           <a:p>
             <a:fld id="{88A078B7-E3D4-4B9E-B10F-1AE19D52734E}" type="datetimeFigureOut">
               <a:rPr lang="sv-SE" smtClean="0"/>
-              <a:t>2023-04-24</a:t>
+              <a:t>2023-04-25</a:t>
             </a:fld>
             <a:endParaRPr lang="sv-SE"/>
           </a:p>
@@ -2688,7 +2694,7 @@
           <a:p>
             <a:fld id="{88A078B7-E3D4-4B9E-B10F-1AE19D52734E}" type="datetimeFigureOut">
               <a:rPr lang="sv-SE" smtClean="0"/>
-              <a:t>2023-04-24</a:t>
+              <a:t>2023-04-25</a:t>
             </a:fld>
             <a:endParaRPr lang="sv-SE"/>
           </a:p>
@@ -2931,7 +2937,7 @@
           <a:p>
             <a:fld id="{88A078B7-E3D4-4B9E-B10F-1AE19D52734E}" type="datetimeFigureOut">
               <a:rPr lang="sv-SE" smtClean="0"/>
-              <a:t>2023-04-24</a:t>
+              <a:t>2023-04-25</a:t>
             </a:fld>
             <a:endParaRPr lang="sv-SE"/>
           </a:p>
@@ -3489,6 +3495,16 @@
             </a:pPr>
             <a:r>
               <a:rPr lang="sv-SE" dirty="0"/>
+              <a:t>Beräkna D matris</a:t>
+            </a:r>
+          </a:p>
+          <a:p>
+            <a:pPr marL="800100" lvl="1" indent="-342900" algn="l">
+              <a:buFont typeface="Arial" panose="020B0604020202020204" pitchFamily="34" charset="0"/>
+              <a:buChar char="•"/>
+            </a:pPr>
+            <a:r>
+              <a:rPr lang="sv-SE" dirty="0"/>
               <a:t>Data setet</a:t>
             </a:r>
           </a:p>
@@ -3557,7 +3573,12 @@
             <p:ph type="title"/>
           </p:nvPr>
         </p:nvSpPr>
-        <p:spPr/>
+        <p:spPr>
+          <a:xfrm>
+            <a:off x="0" y="-8021"/>
+            <a:ext cx="10515600" cy="1325563"/>
+          </a:xfrm>
+        </p:spPr>
         <p:txBody>
           <a:bodyPr/>
           <a:lstStyle/>
@@ -3587,8 +3608,8 @@
         </p:nvSpPr>
         <p:spPr>
           <a:xfrm>
-            <a:off x="1" y="1443789"/>
-            <a:ext cx="6376736" cy="1970924"/>
+            <a:off x="0" y="1155031"/>
+            <a:ext cx="6497054" cy="2259682"/>
           </a:xfrm>
         </p:spPr>
         <p:txBody>
@@ -3603,7 +3624,7 @@
           <a:p>
             <a:r>
               <a:rPr lang="sv-SE" dirty="0"/>
-              <a:t>Maximal förskjutning 10.2. längd på domän är 255. Töjning är 0.04</a:t>
+              <a:t>Maximal förskjutning 10.2. längd på domänen är 255. Töjning är 0.04</a:t>
             </a:r>
           </a:p>
           <a:p>
@@ -3759,8 +3780,8 @@
           </a:p>
         </p:txBody>
       </p:sp>
-      <mc:AlternateContent xmlns:mc="http://schemas.openxmlformats.org/markup-compatibility/2006">
-        <mc:Choice xmlns:a14="http://schemas.microsoft.com/office/drawing/2010/main" Requires="a14">
+      <mc:AlternateContent xmlns:mc="http://schemas.openxmlformats.org/markup-compatibility/2006" xmlns:a14="http://schemas.microsoft.com/office/drawing/2010/main">
+        <mc:Choice Requires="a14">
           <p:sp>
             <p:nvSpPr>
               <p:cNvPr id="3" name="Content Placeholder 2">
@@ -4005,35 +4026,47 @@
                     <m:sSub>
                       <m:sSubPr>
                         <m:ctrlPr>
-                          <a:rPr lang="sv-SE" sz="2000" i="1"/>
+                          <a:rPr lang="sv-SE" sz="2000" i="1">
+                            <a:latin typeface="Cambria Math" panose="02040503050406030204" pitchFamily="18" charset="0"/>
+                          </a:rPr>
                         </m:ctrlPr>
                       </m:sSubPr>
                       <m:e>
                         <m:r>
-                          <a:rPr lang="sv-SE" sz="2000" i="1"/>
+                          <a:rPr lang="sv-SE" sz="2000" i="1">
+                            <a:latin typeface="Cambria Math" panose="02040503050406030204" pitchFamily="18" charset="0"/>
+                          </a:rPr>
                           <m:t>𝑆</m:t>
                         </m:r>
                       </m:e>
                       <m:sub>
                         <m:r>
-                          <a:rPr lang="sv-SE" sz="2000" i="1"/>
+                          <a:rPr lang="sv-SE" sz="2000" i="1">
+                            <a:latin typeface="Cambria Math" panose="02040503050406030204" pitchFamily="18" charset="0"/>
+                          </a:rPr>
                           <m:t>11</m:t>
                         </m:r>
                       </m:sub>
                     </m:sSub>
                     <m:r>
-                      <a:rPr lang="sv-SE" sz="2000" i="1"/>
+                      <a:rPr lang="sv-SE" sz="2000" i="1">
+                        <a:latin typeface="Cambria Math" panose="02040503050406030204" pitchFamily="18" charset="0"/>
+                      </a:rPr>
                       <m:t>=</m:t>
                     </m:r>
                     <m:f>
                       <m:fPr>
                         <m:ctrlPr>
-                          <a:rPr lang="sv-SE" sz="2000" i="1"/>
+                          <a:rPr lang="sv-SE" sz="2000" i="1">
+                            <a:latin typeface="Cambria Math" panose="02040503050406030204" pitchFamily="18" charset="0"/>
+                          </a:rPr>
                         </m:ctrlPr>
                       </m:fPr>
                       <m:num>
                         <m:r>
-                          <a:rPr lang="sv-SE" sz="2000" i="1"/>
+                          <a:rPr lang="sv-SE" sz="2000" i="1">
+                            <a:latin typeface="Cambria Math" panose="02040503050406030204" pitchFamily="18" charset="0"/>
+                          </a:rPr>
                           <m:t>1</m:t>
                         </m:r>
                       </m:num>
@@ -4041,18 +4074,24 @@
                         <m:sSub>
                           <m:sSubPr>
                             <m:ctrlPr>
-                              <a:rPr lang="sv-SE" sz="2000" i="1"/>
+                              <a:rPr lang="sv-SE" sz="2000" i="1">
+                                <a:latin typeface="Cambria Math" panose="02040503050406030204" pitchFamily="18" charset="0"/>
+                              </a:rPr>
                             </m:ctrlPr>
                           </m:sSubPr>
                           <m:e>
                             <m:r>
-                              <a:rPr lang="sv-SE" sz="2000" i="1"/>
+                              <a:rPr lang="sv-SE" sz="2000" i="1">
+                                <a:latin typeface="Cambria Math" panose="02040503050406030204" pitchFamily="18" charset="0"/>
+                              </a:rPr>
                               <m:t>𝐸</m:t>
                             </m:r>
                           </m:e>
                           <m:sub>
                             <m:r>
-                              <a:rPr lang="sv-SE" sz="2000" i="1"/>
+                              <a:rPr lang="sv-SE" sz="2000" i="1">
+                                <a:latin typeface="Cambria Math" panose="02040503050406030204" pitchFamily="18" charset="0"/>
+                              </a:rPr>
                               <m:t>1</m:t>
                             </m:r>
                           </m:sub>
@@ -4070,35 +4109,47 @@
                     <m:sSub>
                       <m:sSubPr>
                         <m:ctrlPr>
-                          <a:rPr lang="sv-SE" sz="2000" i="1"/>
+                          <a:rPr lang="sv-SE" sz="2000" i="1">
+                            <a:latin typeface="Cambria Math" panose="02040503050406030204" pitchFamily="18" charset="0"/>
+                          </a:rPr>
                         </m:ctrlPr>
                       </m:sSubPr>
                       <m:e>
                         <m:r>
-                          <a:rPr lang="sv-SE" sz="2000" i="1"/>
+                          <a:rPr lang="sv-SE" sz="2000" i="1">
+                            <a:latin typeface="Cambria Math" panose="02040503050406030204" pitchFamily="18" charset="0"/>
+                          </a:rPr>
                           <m:t>𝑆</m:t>
                         </m:r>
                       </m:e>
                       <m:sub>
                         <m:r>
-                          <a:rPr lang="sv-SE" sz="2000" i="1"/>
+                          <a:rPr lang="sv-SE" sz="2000" i="1">
+                            <a:latin typeface="Cambria Math" panose="02040503050406030204" pitchFamily="18" charset="0"/>
+                          </a:rPr>
                           <m:t>22</m:t>
                         </m:r>
                       </m:sub>
                     </m:sSub>
                     <m:r>
-                      <a:rPr lang="sv-SE" sz="2000" i="1"/>
+                      <a:rPr lang="sv-SE" sz="2000" i="1">
+                        <a:latin typeface="Cambria Math" panose="02040503050406030204" pitchFamily="18" charset="0"/>
+                      </a:rPr>
                       <m:t>=</m:t>
                     </m:r>
                     <m:f>
                       <m:fPr>
                         <m:ctrlPr>
-                          <a:rPr lang="sv-SE" sz="2000" i="1"/>
+                          <a:rPr lang="sv-SE" sz="2000" i="1">
+                            <a:latin typeface="Cambria Math" panose="02040503050406030204" pitchFamily="18" charset="0"/>
+                          </a:rPr>
                         </m:ctrlPr>
                       </m:fPr>
                       <m:num>
                         <m:r>
-                          <a:rPr lang="sv-SE" sz="2000" i="1"/>
+                          <a:rPr lang="sv-SE" sz="2000" i="1">
+                            <a:latin typeface="Cambria Math" panose="02040503050406030204" pitchFamily="18" charset="0"/>
+                          </a:rPr>
                           <m:t>1</m:t>
                         </m:r>
                       </m:num>
@@ -4106,18 +4157,24 @@
                         <m:sSub>
                           <m:sSubPr>
                             <m:ctrlPr>
-                              <a:rPr lang="sv-SE" sz="2000" i="1"/>
+                              <a:rPr lang="sv-SE" sz="2000" i="1">
+                                <a:latin typeface="Cambria Math" panose="02040503050406030204" pitchFamily="18" charset="0"/>
+                              </a:rPr>
                             </m:ctrlPr>
                           </m:sSubPr>
                           <m:e>
                             <m:r>
-                              <a:rPr lang="sv-SE" sz="2000" i="1"/>
+                              <a:rPr lang="sv-SE" sz="2000" i="1">
+                                <a:latin typeface="Cambria Math" panose="02040503050406030204" pitchFamily="18" charset="0"/>
+                              </a:rPr>
                               <m:t>𝐸</m:t>
                             </m:r>
                           </m:e>
                           <m:sub>
                             <m:r>
-                              <a:rPr lang="sv-SE" sz="2000" i="1"/>
+                              <a:rPr lang="sv-SE" sz="2000" i="1">
+                                <a:latin typeface="Cambria Math" panose="02040503050406030204" pitchFamily="18" charset="0"/>
+                              </a:rPr>
                               <m:t>2</m:t>
                             </m:r>
                           </m:sub>
@@ -4135,48 +4192,64 @@
                     <m:sSub>
                       <m:sSubPr>
                         <m:ctrlPr>
-                          <a:rPr lang="sv-SE" sz="2000" i="1"/>
+                          <a:rPr lang="sv-SE" sz="2000" i="1">
+                            <a:latin typeface="Cambria Math" panose="02040503050406030204" pitchFamily="18" charset="0"/>
+                          </a:rPr>
                         </m:ctrlPr>
                       </m:sSubPr>
                       <m:e>
                         <m:r>
-                          <a:rPr lang="sv-SE" sz="2000" i="1"/>
+                          <a:rPr lang="sv-SE" sz="2000" i="1">
+                            <a:latin typeface="Cambria Math" panose="02040503050406030204" pitchFamily="18" charset="0"/>
+                          </a:rPr>
                           <m:t>𝑆</m:t>
                         </m:r>
                       </m:e>
                       <m:sub>
                         <m:r>
-                          <a:rPr lang="sv-SE" sz="2000" i="1"/>
+                          <a:rPr lang="sv-SE" sz="2000" i="1">
+                            <a:latin typeface="Cambria Math" panose="02040503050406030204" pitchFamily="18" charset="0"/>
+                          </a:rPr>
                           <m:t>12</m:t>
                         </m:r>
                       </m:sub>
                     </m:sSub>
                     <m:r>
-                      <a:rPr lang="sv-SE" sz="2000" i="1"/>
+                      <a:rPr lang="sv-SE" sz="2000" i="1">
+                        <a:latin typeface="Cambria Math" panose="02040503050406030204" pitchFamily="18" charset="0"/>
+                      </a:rPr>
                       <m:t>= −</m:t>
                     </m:r>
                     <m:f>
                       <m:fPr>
                         <m:ctrlPr>
-                          <a:rPr lang="sv-SE" sz="2000" i="1"/>
+                          <a:rPr lang="sv-SE" sz="2000" i="1">
+                            <a:latin typeface="Cambria Math" panose="02040503050406030204" pitchFamily="18" charset="0"/>
+                          </a:rPr>
                         </m:ctrlPr>
                       </m:fPr>
                       <m:num>
                         <m:sSub>
                           <m:sSubPr>
                             <m:ctrlPr>
-                              <a:rPr lang="sv-SE" sz="2000" i="1"/>
+                              <a:rPr lang="sv-SE" sz="2000" i="1">
+                                <a:latin typeface="Cambria Math" panose="02040503050406030204" pitchFamily="18" charset="0"/>
+                              </a:rPr>
                             </m:ctrlPr>
                           </m:sSubPr>
                           <m:e>
                             <m:r>
-                              <a:rPr lang="sv-SE" sz="2000" i="1"/>
+                              <a:rPr lang="sv-SE" sz="2000" i="1">
+                                <a:latin typeface="Cambria Math" panose="02040503050406030204" pitchFamily="18" charset="0"/>
+                              </a:rPr>
                               <m:t>𝜈</m:t>
                             </m:r>
                           </m:e>
                           <m:sub>
                             <m:r>
-                              <a:rPr lang="sv-SE" sz="2000" i="1"/>
+                              <a:rPr lang="sv-SE" sz="2000" i="1">
+                                <a:latin typeface="Cambria Math" panose="02040503050406030204" pitchFamily="18" charset="0"/>
+                              </a:rPr>
                               <m:t>21</m:t>
                             </m:r>
                           </m:sub>
@@ -4186,18 +4259,24 @@
                         <m:sSub>
                           <m:sSubPr>
                             <m:ctrlPr>
-                              <a:rPr lang="sv-SE" sz="2000" i="1"/>
+                              <a:rPr lang="sv-SE" sz="2000" i="1">
+                                <a:latin typeface="Cambria Math" panose="02040503050406030204" pitchFamily="18" charset="0"/>
+                              </a:rPr>
                             </m:ctrlPr>
                           </m:sSubPr>
                           <m:e>
                             <m:r>
-                              <a:rPr lang="sv-SE" sz="2000" i="1"/>
+                              <a:rPr lang="sv-SE" sz="2000" i="1">
+                                <a:latin typeface="Cambria Math" panose="02040503050406030204" pitchFamily="18" charset="0"/>
+                              </a:rPr>
                               <m:t>𝐸</m:t>
                             </m:r>
                           </m:e>
                           <m:sub>
                             <m:r>
-                              <a:rPr lang="sv-SE" sz="2000" i="1"/>
+                              <a:rPr lang="sv-SE" sz="2000" i="1">
+                                <a:latin typeface="Cambria Math" panose="02040503050406030204" pitchFamily="18" charset="0"/>
+                              </a:rPr>
                               <m:t>2</m:t>
                             </m:r>
                           </m:sub>
@@ -4205,31 +4284,41 @@
                       </m:den>
                     </m:f>
                     <m:r>
-                      <a:rPr lang="sv-SE" sz="2000" i="1"/>
+                      <a:rPr lang="sv-SE" sz="2000" i="1">
+                        <a:latin typeface="Cambria Math" panose="02040503050406030204" pitchFamily="18" charset="0"/>
+                      </a:rPr>
                       <m:t>=−</m:t>
                     </m:r>
                     <m:f>
                       <m:fPr>
                         <m:ctrlPr>
-                          <a:rPr lang="sv-SE" sz="2000" i="1"/>
+                          <a:rPr lang="sv-SE" sz="2000" i="1">
+                            <a:latin typeface="Cambria Math" panose="02040503050406030204" pitchFamily="18" charset="0"/>
+                          </a:rPr>
                         </m:ctrlPr>
                       </m:fPr>
                       <m:num>
                         <m:sSub>
                           <m:sSubPr>
                             <m:ctrlPr>
-                              <a:rPr lang="sv-SE" sz="2000" i="1"/>
+                              <a:rPr lang="sv-SE" sz="2000" i="1">
+                                <a:latin typeface="Cambria Math" panose="02040503050406030204" pitchFamily="18" charset="0"/>
+                              </a:rPr>
                             </m:ctrlPr>
                           </m:sSubPr>
                           <m:e>
                             <m:r>
-                              <a:rPr lang="sv-SE" sz="2000" i="1"/>
+                              <a:rPr lang="sv-SE" sz="2000" i="1">
+                                <a:latin typeface="Cambria Math" panose="02040503050406030204" pitchFamily="18" charset="0"/>
+                              </a:rPr>
                               <m:t>𝜈</m:t>
                             </m:r>
                           </m:e>
                           <m:sub>
                             <m:r>
-                              <a:rPr lang="sv-SE" sz="2000" i="1"/>
+                              <a:rPr lang="sv-SE" sz="2000" i="1">
+                                <a:latin typeface="Cambria Math" panose="02040503050406030204" pitchFamily="18" charset="0"/>
+                              </a:rPr>
                               <m:t>12</m:t>
                             </m:r>
                           </m:sub>
@@ -4239,18 +4328,24 @@
                         <m:sSub>
                           <m:sSubPr>
                             <m:ctrlPr>
-                              <a:rPr lang="sv-SE" sz="2000" i="1"/>
+                              <a:rPr lang="sv-SE" sz="2000" i="1">
+                                <a:latin typeface="Cambria Math" panose="02040503050406030204" pitchFamily="18" charset="0"/>
+                              </a:rPr>
                             </m:ctrlPr>
                           </m:sSubPr>
                           <m:e>
                             <m:r>
-                              <a:rPr lang="sv-SE" sz="2000" i="1"/>
+                              <a:rPr lang="sv-SE" sz="2000" i="1">
+                                <a:latin typeface="Cambria Math" panose="02040503050406030204" pitchFamily="18" charset="0"/>
+                              </a:rPr>
                               <m:t>𝐸</m:t>
                             </m:r>
                           </m:e>
                           <m:sub>
                             <m:r>
-                              <a:rPr lang="sv-SE" sz="2000" i="1"/>
+                              <a:rPr lang="sv-SE" sz="2000" i="1">
+                                <a:latin typeface="Cambria Math" panose="02040503050406030204" pitchFamily="18" charset="0"/>
+                              </a:rPr>
                               <m:t>1</m:t>
                             </m:r>
                           </m:sub>
@@ -4265,7 +4360,9 @@
                 <a14:m>
                   <m:oMath xmlns:m="http://schemas.openxmlformats.org/officeDocument/2006/math">
                     <m:r>
-                      <a:rPr lang="sv-SE" sz="2000" i="1"/>
+                      <a:rPr lang="sv-SE" sz="2000" i="1">
+                        <a:latin typeface="Cambria Math" panose="02040503050406030204" pitchFamily="18" charset="0"/>
+                      </a:rPr>
                       <m:t>→ </m:t>
                     </m:r>
                     <m:rad>
@@ -4445,7 +4542,7 @@
             </p:txBody>
           </p:sp>
         </mc:Choice>
-        <mc:Fallback>
+        <mc:Fallback xmlns="">
           <p:sp>
             <p:nvSpPr>
               <p:cNvPr id="3" name="Content Placeholder 2">
@@ -4559,8 +4656,8 @@
           </a:p>
         </p:txBody>
       </p:sp>
-      <mc:AlternateContent xmlns:mc="http://schemas.openxmlformats.org/markup-compatibility/2006">
-        <mc:Choice xmlns:a14="http://schemas.microsoft.com/office/drawing/2010/main" Requires="a14">
+      <mc:AlternateContent xmlns:mc="http://schemas.openxmlformats.org/markup-compatibility/2006" xmlns:a14="http://schemas.microsoft.com/office/drawing/2010/main">
+        <mc:Choice Requires="a14">
           <p:sp>
             <p:nvSpPr>
               <p:cNvPr id="3" name="Content Placeholder 2">
@@ -4577,7 +4674,12 @@
                 <p:ph idx="1"/>
               </p:nvPr>
             </p:nvSpPr>
-            <p:spPr/>
+            <p:spPr>
+              <a:xfrm>
+                <a:off x="0" y="1360404"/>
+                <a:ext cx="8634663" cy="3604628"/>
+              </a:xfrm>
+            </p:spPr>
             <p:txBody>
               <a:bodyPr>
                 <a:normAutofit/>
@@ -4585,12 +4687,8 @@
               <a:lstStyle/>
               <a:p>
                 <a:r>
-                  <a:rPr lang="sv-SE" sz="2000" dirty="0" err="1"/>
-                  <a:t>Reuss</a:t>
-                </a:r>
-                <a:r>
                   <a:rPr lang="sv-SE" sz="2000" dirty="0"/>
-                  <a:t>: </a:t>
+                  <a:t>Voigt: </a:t>
                 </a:r>
                 <a14:m>
                   <m:oMath xmlns:m="http://schemas.openxmlformats.org/officeDocument/2006/math">
@@ -4611,9 +4709,854 @@
                 </a:r>
               </a:p>
               <a:p>
+                <a14:m>
+                  <m:oMath xmlns:m="http://schemas.openxmlformats.org/officeDocument/2006/math">
+                    <m:acc>
+                      <m:accPr>
+                        <m:chr m:val="̅"/>
+                        <m:ctrlPr>
+                          <a:rPr lang="sv-SE" sz="2000" b="0" i="1" smtClean="0">
+                            <a:latin typeface="Cambria Math" panose="02040503050406030204" pitchFamily="18" charset="0"/>
+                          </a:rPr>
+                        </m:ctrlPr>
+                      </m:accPr>
+                      <m:e>
+                        <m:r>
+                          <a:rPr lang="sv-SE" sz="2000" b="0" i="1" smtClean="0">
+                            <a:latin typeface="Cambria Math" panose="02040503050406030204" pitchFamily="18" charset="0"/>
+                          </a:rPr>
+                          <m:t>𝜖</m:t>
+                        </m:r>
+                      </m:e>
+                    </m:acc>
+                    <m:r>
+                      <a:rPr lang="sv-SE" sz="2000" b="0" i="1" dirty="0" smtClean="0">
+                        <a:latin typeface="Cambria Math" panose="02040503050406030204" pitchFamily="18" charset="0"/>
+                      </a:rPr>
+                      <m:t> =</m:t>
+                    </m:r>
+                    <m:acc>
+                      <m:accPr>
+                        <m:chr m:val="̅"/>
+                        <m:ctrlPr>
+                          <a:rPr lang="sv-SE" sz="2000" b="0" i="1" dirty="0" smtClean="0">
+                            <a:latin typeface="Cambria Math" panose="02040503050406030204" pitchFamily="18" charset="0"/>
+                          </a:rPr>
+                        </m:ctrlPr>
+                      </m:accPr>
+                      <m:e>
+                        <m:r>
+                          <a:rPr lang="sv-SE" sz="2000" b="0" i="1" dirty="0" smtClean="0">
+                            <a:latin typeface="Cambria Math" panose="02040503050406030204" pitchFamily="18" charset="0"/>
+                          </a:rPr>
+                          <m:t>𝐷</m:t>
+                        </m:r>
+                      </m:e>
+                    </m:acc>
+                    <m:acc>
+                      <m:accPr>
+                        <m:chr m:val="̅"/>
+                        <m:ctrlPr>
+                          <a:rPr lang="sv-SE" sz="2000" b="0" i="1" dirty="0" smtClean="0">
+                            <a:latin typeface="Cambria Math" panose="02040503050406030204" pitchFamily="18" charset="0"/>
+                          </a:rPr>
+                        </m:ctrlPr>
+                      </m:accPr>
+                      <m:e>
+                        <m:r>
+                          <a:rPr lang="sv-SE" sz="2000" b="0" i="1" dirty="0" smtClean="0">
+                            <a:latin typeface="Cambria Math" panose="02040503050406030204" pitchFamily="18" charset="0"/>
+                          </a:rPr>
+                          <m:t>𝜎</m:t>
+                        </m:r>
+                      </m:e>
+                    </m:acc>
+                  </m:oMath>
+                </a14:m>
+                <a:r>
+                  <a:rPr lang="sv-SE" sz="2000" dirty="0"/>
+                  <a:t>.  </a:t>
+                </a:r>
+                <a14:m>
+                  <m:oMath xmlns:m="http://schemas.openxmlformats.org/officeDocument/2006/math">
+                    <m:acc>
+                      <m:accPr>
+                        <m:chr m:val="̅"/>
+                        <m:ctrlPr>
+                          <a:rPr lang="sv-SE" sz="2000" b="0" i="1" smtClean="0">
+                            <a:latin typeface="Cambria Math" panose="02040503050406030204" pitchFamily="18" charset="0"/>
+                          </a:rPr>
+                        </m:ctrlPr>
+                      </m:accPr>
+                      <m:e>
+                        <m:r>
+                          <a:rPr lang="sv-SE" sz="2000" b="0" i="1" smtClean="0">
+                            <a:latin typeface="Cambria Math" panose="02040503050406030204" pitchFamily="18" charset="0"/>
+                          </a:rPr>
+                          <m:t>𝜖</m:t>
+                        </m:r>
+                      </m:e>
+                    </m:acc>
+                    <m:r>
+                      <a:rPr lang="sv-SE" sz="2000" b="0" i="1" dirty="0" smtClean="0">
+                        <a:latin typeface="Cambria Math" panose="02040503050406030204" pitchFamily="18" charset="0"/>
+                      </a:rPr>
+                      <m:t> </m:t>
+                    </m:r>
+                    <m:r>
+                      <a:rPr lang="sv-SE" sz="2000" b="0" i="1" dirty="0" smtClean="0">
+                        <a:latin typeface="Cambria Math" panose="02040503050406030204" pitchFamily="18" charset="0"/>
+                      </a:rPr>
+                      <m:t>𝑢𝑛𝑖𝑓𝑜𝑟𝑚</m:t>
+                    </m:r>
+                    <m:r>
+                      <a:rPr lang="sv-SE" sz="2000" b="0" i="1" dirty="0" smtClean="0">
+                        <a:latin typeface="Cambria Math" panose="02040503050406030204" pitchFamily="18" charset="0"/>
+                      </a:rPr>
+                      <m:t>→</m:t>
+                    </m:r>
+                  </m:oMath>
+                </a14:m>
+                <a:r>
+                  <a:rPr lang="sv-SE" sz="2000" dirty="0"/>
+                  <a:t> </a:t>
+                </a:r>
+                <a14:m>
+                  <m:oMath xmlns:m="http://schemas.openxmlformats.org/officeDocument/2006/math">
+                    <m:acc>
+                      <m:accPr>
+                        <m:chr m:val="̅"/>
+                        <m:ctrlPr>
+                          <a:rPr lang="sv-SE" sz="2000" b="0" i="1" dirty="0" smtClean="0">
+                            <a:latin typeface="Cambria Math" panose="02040503050406030204" pitchFamily="18" charset="0"/>
+                          </a:rPr>
+                        </m:ctrlPr>
+                      </m:accPr>
+                      <m:e>
+                        <m:r>
+                          <a:rPr lang="sv-SE" sz="2000" b="0" i="1" dirty="0" smtClean="0">
+                            <a:latin typeface="Cambria Math" panose="02040503050406030204" pitchFamily="18" charset="0"/>
+                          </a:rPr>
+                          <m:t>𝜎</m:t>
+                        </m:r>
+                      </m:e>
+                    </m:acc>
+                    <m:r>
+                      <a:rPr lang="sv-SE" sz="2000" b="0" i="1" dirty="0" smtClean="0">
+                        <a:latin typeface="Cambria Math" panose="02040503050406030204" pitchFamily="18" charset="0"/>
+                      </a:rPr>
+                      <m:t>=</m:t>
+                    </m:r>
+                    <m:sSub>
+                      <m:sSubPr>
+                        <m:ctrlPr>
+                          <a:rPr lang="sv-SE" sz="2000" i="1" dirty="0">
+                            <a:latin typeface="Cambria Math" panose="02040503050406030204" pitchFamily="18" charset="0"/>
+                          </a:rPr>
+                        </m:ctrlPr>
+                      </m:sSubPr>
+                      <m:e>
+                        <m:r>
+                          <a:rPr lang="sv-SE" sz="2000" i="1" dirty="0">
+                            <a:latin typeface="Cambria Math" panose="02040503050406030204" pitchFamily="18" charset="0"/>
+                          </a:rPr>
+                          <m:t>𝐶</m:t>
+                        </m:r>
+                      </m:e>
+                      <m:sub>
+                        <m:r>
+                          <a:rPr lang="sv-SE" sz="2000" i="1" dirty="0">
+                            <a:latin typeface="Cambria Math" panose="02040503050406030204" pitchFamily="18" charset="0"/>
+                          </a:rPr>
+                          <m:t>1</m:t>
+                        </m:r>
+                      </m:sub>
+                    </m:sSub>
+                    <m:r>
+                      <a:rPr lang="sv-SE" sz="2000" i="1" dirty="0">
+                        <a:latin typeface="Cambria Math" panose="02040503050406030204" pitchFamily="18" charset="0"/>
+                      </a:rPr>
+                      <m:t>∗</m:t>
+                    </m:r>
+                    <m:r>
+                      <a:rPr lang="sv-SE" sz="2000" i="1" dirty="0">
+                        <a:latin typeface="Cambria Math" panose="02040503050406030204" pitchFamily="18" charset="0"/>
+                      </a:rPr>
+                      <m:t>𝑓</m:t>
+                    </m:r>
+                    <m:acc>
+                      <m:accPr>
+                        <m:chr m:val="̅"/>
+                        <m:ctrlPr>
+                          <a:rPr lang="sv-SE" sz="2000" b="0" i="1" dirty="0" smtClean="0">
+                            <a:latin typeface="Cambria Math" panose="02040503050406030204" pitchFamily="18" charset="0"/>
+                          </a:rPr>
+                        </m:ctrlPr>
+                      </m:accPr>
+                      <m:e>
+                        <m:r>
+                          <a:rPr lang="sv-SE" sz="2000" b="0" i="1" dirty="0" smtClean="0">
+                            <a:latin typeface="Cambria Math" panose="02040503050406030204" pitchFamily="18" charset="0"/>
+                          </a:rPr>
+                          <m:t>𝜖</m:t>
+                        </m:r>
+                      </m:e>
+                    </m:acc>
+                    <m:r>
+                      <a:rPr lang="sv-SE" sz="2000" b="0" i="1" dirty="0" smtClean="0">
+                        <a:latin typeface="Cambria Math" panose="02040503050406030204" pitchFamily="18" charset="0"/>
+                      </a:rPr>
+                      <m:t>+</m:t>
+                    </m:r>
+                    <m:sSub>
+                      <m:sSubPr>
+                        <m:ctrlPr>
+                          <a:rPr lang="sv-SE" sz="2000" i="1" dirty="0">
+                            <a:latin typeface="Cambria Math" panose="02040503050406030204" pitchFamily="18" charset="0"/>
+                          </a:rPr>
+                        </m:ctrlPr>
+                      </m:sSubPr>
+                      <m:e>
+                        <m:r>
+                          <a:rPr lang="sv-SE" sz="2000" i="1" dirty="0">
+                            <a:latin typeface="Cambria Math" panose="02040503050406030204" pitchFamily="18" charset="0"/>
+                          </a:rPr>
+                          <m:t>𝐶</m:t>
+                        </m:r>
+                      </m:e>
+                      <m:sub>
+                        <m:r>
+                          <a:rPr lang="sv-SE" sz="2000" i="1" dirty="0">
+                            <a:latin typeface="Cambria Math" panose="02040503050406030204" pitchFamily="18" charset="0"/>
+                          </a:rPr>
+                          <m:t>1</m:t>
+                        </m:r>
+                      </m:sub>
+                    </m:sSub>
+                    <m:r>
+                      <a:rPr lang="sv-SE" sz="2000" i="1" dirty="0">
+                        <a:latin typeface="Cambria Math" panose="02040503050406030204" pitchFamily="18" charset="0"/>
+                      </a:rPr>
+                      <m:t>∗</m:t>
+                    </m:r>
+                    <m:r>
+                      <a:rPr lang="sv-SE" sz="2000" b="0" i="1" dirty="0" smtClean="0">
+                        <a:latin typeface="Cambria Math" panose="02040503050406030204" pitchFamily="18" charset="0"/>
+                      </a:rPr>
+                      <m:t>(</m:t>
+                    </m:r>
+                    <m:r>
+                      <a:rPr lang="sv-SE" sz="2000" i="1" dirty="0">
+                        <a:latin typeface="Cambria Math" panose="02040503050406030204" pitchFamily="18" charset="0"/>
+                      </a:rPr>
+                      <m:t>𝑓</m:t>
+                    </m:r>
+                    <m:r>
+                      <a:rPr lang="sv-SE" sz="2000" b="0" i="1" dirty="0" smtClean="0">
+                        <a:latin typeface="Cambria Math" panose="02040503050406030204" pitchFamily="18" charset="0"/>
+                      </a:rPr>
+                      <m:t>−1)</m:t>
+                    </m:r>
+                    <m:acc>
+                      <m:accPr>
+                        <m:chr m:val="̅"/>
+                        <m:ctrlPr>
+                          <a:rPr lang="sv-SE" sz="2000" b="0" i="1" dirty="0" smtClean="0">
+                            <a:latin typeface="Cambria Math" panose="02040503050406030204" pitchFamily="18" charset="0"/>
+                          </a:rPr>
+                        </m:ctrlPr>
+                      </m:accPr>
+                      <m:e>
+                        <m:r>
+                          <a:rPr lang="sv-SE" sz="2000" b="0" i="1" dirty="0" smtClean="0">
+                            <a:latin typeface="Cambria Math" panose="02040503050406030204" pitchFamily="18" charset="0"/>
+                          </a:rPr>
+                          <m:t>𝜖</m:t>
+                        </m:r>
+                        <m:r>
+                          <a:rPr lang="sv-SE" sz="2000" b="0" i="1" dirty="0" smtClean="0">
+                            <a:latin typeface="Cambria Math" panose="02040503050406030204" pitchFamily="18" charset="0"/>
+                          </a:rPr>
+                          <m:t> </m:t>
+                        </m:r>
+                      </m:e>
+                    </m:acc>
+                  </m:oMath>
+                </a14:m>
+                <a:endParaRPr lang="sv-SE" sz="2000" b="0" dirty="0"/>
+              </a:p>
+              <a:p>
+                <a14:m>
+                  <m:oMath xmlns:m="http://schemas.openxmlformats.org/officeDocument/2006/math">
+                    <m:acc>
+                      <m:accPr>
+                        <m:chr m:val="̅"/>
+                        <m:ctrlPr>
+                          <a:rPr lang="sv-SE" sz="2000" b="0" i="1" smtClean="0">
+                            <a:latin typeface="Cambria Math" panose="02040503050406030204" pitchFamily="18" charset="0"/>
+                          </a:rPr>
+                        </m:ctrlPr>
+                      </m:accPr>
+                      <m:e>
+                        <m:r>
+                          <a:rPr lang="sv-SE" sz="2000" b="0" i="1" smtClean="0">
+                            <a:latin typeface="Cambria Math" panose="02040503050406030204" pitchFamily="18" charset="0"/>
+                          </a:rPr>
+                          <m:t>𝜖</m:t>
+                        </m:r>
+                      </m:e>
+                    </m:acc>
+                    <m:r>
+                      <a:rPr lang="sv-SE" sz="2000" b="0" i="1" dirty="0" smtClean="0">
+                        <a:latin typeface="Cambria Math" panose="02040503050406030204" pitchFamily="18" charset="0"/>
+                      </a:rPr>
+                      <m:t> =</m:t>
+                    </m:r>
+                    <m:acc>
+                      <m:accPr>
+                        <m:chr m:val="̅"/>
+                        <m:ctrlPr>
+                          <a:rPr lang="sv-SE" sz="2000" b="0" i="1" dirty="0" smtClean="0">
+                            <a:latin typeface="Cambria Math" panose="02040503050406030204" pitchFamily="18" charset="0"/>
+                          </a:rPr>
+                        </m:ctrlPr>
+                      </m:accPr>
+                      <m:e>
+                        <m:r>
+                          <a:rPr lang="sv-SE" sz="2000" b="0" i="1" dirty="0" smtClean="0">
+                            <a:latin typeface="Cambria Math" panose="02040503050406030204" pitchFamily="18" charset="0"/>
+                          </a:rPr>
+                          <m:t>𝐷</m:t>
+                        </m:r>
+                      </m:e>
+                    </m:acc>
+                    <m:acc>
+                      <m:accPr>
+                        <m:chr m:val="̅"/>
+                        <m:ctrlPr>
+                          <a:rPr lang="sv-SE" sz="2000" b="0" i="1" dirty="0" smtClean="0">
+                            <a:latin typeface="Cambria Math" panose="02040503050406030204" pitchFamily="18" charset="0"/>
+                          </a:rPr>
+                        </m:ctrlPr>
+                      </m:accPr>
+                      <m:e>
+                        <m:r>
+                          <a:rPr lang="sv-SE" sz="2000" b="0" i="1" dirty="0" smtClean="0">
+                            <a:latin typeface="Cambria Math" panose="02040503050406030204" pitchFamily="18" charset="0"/>
+                          </a:rPr>
+                          <m:t>𝜎</m:t>
+                        </m:r>
+                      </m:e>
+                    </m:acc>
+                    <m:r>
+                      <a:rPr lang="sv-SE" sz="2000" b="0" i="1" dirty="0" smtClean="0">
+                        <a:latin typeface="Cambria Math" panose="02040503050406030204" pitchFamily="18" charset="0"/>
+                      </a:rPr>
+                      <m:t>→</m:t>
+                    </m:r>
+                    <m:acc>
+                      <m:accPr>
+                        <m:chr m:val="̅"/>
+                        <m:ctrlPr>
+                          <a:rPr lang="sv-SE" sz="2000" i="1">
+                            <a:latin typeface="Cambria Math" panose="02040503050406030204" pitchFamily="18" charset="0"/>
+                          </a:rPr>
+                        </m:ctrlPr>
+                      </m:accPr>
+                      <m:e>
+                        <m:r>
+                          <a:rPr lang="sv-SE" sz="2000" i="1">
+                            <a:latin typeface="Cambria Math" panose="02040503050406030204" pitchFamily="18" charset="0"/>
+                          </a:rPr>
+                          <m:t>𝜖</m:t>
+                        </m:r>
+                      </m:e>
+                    </m:acc>
+                    <m:r>
+                      <a:rPr lang="sv-SE" sz="2000" i="1" dirty="0">
+                        <a:latin typeface="Cambria Math" panose="02040503050406030204" pitchFamily="18" charset="0"/>
+                      </a:rPr>
+                      <m:t> =</m:t>
+                    </m:r>
+                    <m:acc>
+                      <m:accPr>
+                        <m:chr m:val="̅"/>
+                        <m:ctrlPr>
+                          <a:rPr lang="sv-SE" sz="2000" i="1" dirty="0">
+                            <a:latin typeface="Cambria Math" panose="02040503050406030204" pitchFamily="18" charset="0"/>
+                          </a:rPr>
+                        </m:ctrlPr>
+                      </m:accPr>
+                      <m:e>
+                        <m:r>
+                          <a:rPr lang="sv-SE" sz="2000" i="1" dirty="0">
+                            <a:latin typeface="Cambria Math" panose="02040503050406030204" pitchFamily="18" charset="0"/>
+                          </a:rPr>
+                          <m:t>𝐷</m:t>
+                        </m:r>
+                      </m:e>
+                    </m:acc>
+                    <m:d>
+                      <m:dPr>
+                        <m:ctrlPr>
+                          <a:rPr lang="sv-SE" sz="2000" b="0" i="1" dirty="0" smtClean="0">
+                            <a:latin typeface="Cambria Math" panose="02040503050406030204" pitchFamily="18" charset="0"/>
+                          </a:rPr>
+                        </m:ctrlPr>
+                      </m:dPr>
+                      <m:e>
+                        <m:sSub>
+                          <m:sSubPr>
+                            <m:ctrlPr>
+                              <a:rPr lang="sv-SE" sz="2000" i="1" dirty="0">
+                                <a:latin typeface="Cambria Math" panose="02040503050406030204" pitchFamily="18" charset="0"/>
+                              </a:rPr>
+                            </m:ctrlPr>
+                          </m:sSubPr>
+                          <m:e>
+                            <m:r>
+                              <a:rPr lang="sv-SE" sz="2000" i="1" dirty="0">
+                                <a:latin typeface="Cambria Math" panose="02040503050406030204" pitchFamily="18" charset="0"/>
+                              </a:rPr>
+                              <m:t>𝐶</m:t>
+                            </m:r>
+                          </m:e>
+                          <m:sub>
+                            <m:r>
+                              <a:rPr lang="sv-SE" sz="2000" i="1" dirty="0">
+                                <a:latin typeface="Cambria Math" panose="02040503050406030204" pitchFamily="18" charset="0"/>
+                              </a:rPr>
+                              <m:t>1</m:t>
+                            </m:r>
+                          </m:sub>
+                        </m:sSub>
+                        <m:r>
+                          <a:rPr lang="sv-SE" sz="2000" i="1" dirty="0">
+                            <a:latin typeface="Cambria Math" panose="02040503050406030204" pitchFamily="18" charset="0"/>
+                          </a:rPr>
+                          <m:t>∗</m:t>
+                        </m:r>
+                        <m:r>
+                          <a:rPr lang="sv-SE" sz="2000" i="1" dirty="0">
+                            <a:latin typeface="Cambria Math" panose="02040503050406030204" pitchFamily="18" charset="0"/>
+                          </a:rPr>
+                          <m:t>𝑓</m:t>
+                        </m:r>
+                        <m:acc>
+                          <m:accPr>
+                            <m:chr m:val="̅"/>
+                            <m:ctrlPr>
+                              <a:rPr lang="sv-SE" sz="2000" i="1" dirty="0">
+                                <a:latin typeface="Cambria Math" panose="02040503050406030204" pitchFamily="18" charset="0"/>
+                              </a:rPr>
+                            </m:ctrlPr>
+                          </m:accPr>
+                          <m:e>
+                            <m:r>
+                              <a:rPr lang="sv-SE" sz="2000" i="1" dirty="0">
+                                <a:latin typeface="Cambria Math" panose="02040503050406030204" pitchFamily="18" charset="0"/>
+                              </a:rPr>
+                              <m:t>𝜖</m:t>
+                            </m:r>
+                          </m:e>
+                        </m:acc>
+                        <m:r>
+                          <a:rPr lang="sv-SE" sz="2000" i="1" dirty="0">
+                            <a:latin typeface="Cambria Math" panose="02040503050406030204" pitchFamily="18" charset="0"/>
+                          </a:rPr>
+                          <m:t>+</m:t>
+                        </m:r>
+                        <m:sSub>
+                          <m:sSubPr>
+                            <m:ctrlPr>
+                              <a:rPr lang="sv-SE" sz="2000" i="1" dirty="0">
+                                <a:latin typeface="Cambria Math" panose="02040503050406030204" pitchFamily="18" charset="0"/>
+                              </a:rPr>
+                            </m:ctrlPr>
+                          </m:sSubPr>
+                          <m:e>
+                            <m:r>
+                              <a:rPr lang="sv-SE" sz="2000" i="1" dirty="0">
+                                <a:latin typeface="Cambria Math" panose="02040503050406030204" pitchFamily="18" charset="0"/>
+                              </a:rPr>
+                              <m:t>𝐶</m:t>
+                            </m:r>
+                          </m:e>
+                          <m:sub>
+                            <m:r>
+                              <a:rPr lang="sv-SE" sz="2000" b="0" i="1" dirty="0" smtClean="0">
+                                <a:latin typeface="Cambria Math" panose="02040503050406030204" pitchFamily="18" charset="0"/>
+                              </a:rPr>
+                              <m:t>2</m:t>
+                            </m:r>
+                          </m:sub>
+                        </m:sSub>
+                        <m:r>
+                          <a:rPr lang="sv-SE" sz="2000" i="1" dirty="0">
+                            <a:latin typeface="Cambria Math" panose="02040503050406030204" pitchFamily="18" charset="0"/>
+                          </a:rPr>
+                          <m:t>∗(</m:t>
+                        </m:r>
+                        <m:r>
+                          <a:rPr lang="sv-SE" sz="2000" i="1" dirty="0">
+                            <a:latin typeface="Cambria Math" panose="02040503050406030204" pitchFamily="18" charset="0"/>
+                          </a:rPr>
+                          <m:t>𝑓</m:t>
+                        </m:r>
+                        <m:r>
+                          <a:rPr lang="sv-SE" sz="2000" i="1" dirty="0">
+                            <a:latin typeface="Cambria Math" panose="02040503050406030204" pitchFamily="18" charset="0"/>
+                          </a:rPr>
+                          <m:t>−1)</m:t>
+                        </m:r>
+                        <m:acc>
+                          <m:accPr>
+                            <m:chr m:val="̅"/>
+                            <m:ctrlPr>
+                              <a:rPr lang="sv-SE" sz="2000" i="1" dirty="0">
+                                <a:latin typeface="Cambria Math" panose="02040503050406030204" pitchFamily="18" charset="0"/>
+                              </a:rPr>
+                            </m:ctrlPr>
+                          </m:accPr>
+                          <m:e>
+                            <m:r>
+                              <a:rPr lang="sv-SE" sz="2000" i="1" dirty="0">
+                                <a:latin typeface="Cambria Math" panose="02040503050406030204" pitchFamily="18" charset="0"/>
+                              </a:rPr>
+                              <m:t>𝜖</m:t>
+                            </m:r>
+                            <m:r>
+                              <a:rPr lang="sv-SE" sz="2000" i="1" dirty="0">
+                                <a:latin typeface="Cambria Math" panose="02040503050406030204" pitchFamily="18" charset="0"/>
+                              </a:rPr>
+                              <m:t> </m:t>
+                            </m:r>
+                          </m:e>
+                        </m:acc>
+                      </m:e>
+                    </m:d>
+                    <m:r>
+                      <a:rPr lang="sv-SE" sz="2000" b="0" i="1" dirty="0" smtClean="0">
+                        <a:latin typeface="Cambria Math" panose="02040503050406030204" pitchFamily="18" charset="0"/>
+                      </a:rPr>
+                      <m:t>= </m:t>
+                    </m:r>
+                    <m:acc>
+                      <m:accPr>
+                        <m:chr m:val="̅"/>
+                        <m:ctrlPr>
+                          <a:rPr lang="sv-SE" sz="2000" i="1" dirty="0">
+                            <a:latin typeface="Cambria Math" panose="02040503050406030204" pitchFamily="18" charset="0"/>
+                          </a:rPr>
+                        </m:ctrlPr>
+                      </m:accPr>
+                      <m:e>
+                        <m:r>
+                          <a:rPr lang="sv-SE" sz="2000" i="1" dirty="0">
+                            <a:latin typeface="Cambria Math" panose="02040503050406030204" pitchFamily="18" charset="0"/>
+                          </a:rPr>
+                          <m:t>𝐷</m:t>
+                        </m:r>
+                      </m:e>
+                    </m:acc>
+                    <m:d>
+                      <m:dPr>
+                        <m:ctrlPr>
+                          <a:rPr lang="sv-SE" sz="2000" i="1" dirty="0">
+                            <a:latin typeface="Cambria Math" panose="02040503050406030204" pitchFamily="18" charset="0"/>
+                          </a:rPr>
+                        </m:ctrlPr>
+                      </m:dPr>
+                      <m:e>
+                        <m:sSub>
+                          <m:sSubPr>
+                            <m:ctrlPr>
+                              <a:rPr lang="sv-SE" sz="2000" i="1" dirty="0">
+                                <a:latin typeface="Cambria Math" panose="02040503050406030204" pitchFamily="18" charset="0"/>
+                              </a:rPr>
+                            </m:ctrlPr>
+                          </m:sSubPr>
+                          <m:e>
+                            <m:r>
+                              <a:rPr lang="sv-SE" sz="2000" i="1" dirty="0">
+                                <a:latin typeface="Cambria Math" panose="02040503050406030204" pitchFamily="18" charset="0"/>
+                              </a:rPr>
+                              <m:t>𝐶</m:t>
+                            </m:r>
+                          </m:e>
+                          <m:sub>
+                            <m:r>
+                              <a:rPr lang="sv-SE" sz="2000" i="1" dirty="0">
+                                <a:latin typeface="Cambria Math" panose="02040503050406030204" pitchFamily="18" charset="0"/>
+                              </a:rPr>
+                              <m:t>1</m:t>
+                            </m:r>
+                          </m:sub>
+                        </m:sSub>
+                        <m:r>
+                          <a:rPr lang="sv-SE" sz="2000" i="1" dirty="0">
+                            <a:latin typeface="Cambria Math" panose="02040503050406030204" pitchFamily="18" charset="0"/>
+                          </a:rPr>
+                          <m:t>∗</m:t>
+                        </m:r>
+                        <m:r>
+                          <a:rPr lang="sv-SE" sz="2000" i="1" dirty="0">
+                            <a:latin typeface="Cambria Math" panose="02040503050406030204" pitchFamily="18" charset="0"/>
+                          </a:rPr>
+                          <m:t>𝑓</m:t>
+                        </m:r>
+                        <m:r>
+                          <a:rPr lang="sv-SE" sz="2000" i="1" dirty="0">
+                            <a:latin typeface="Cambria Math" panose="02040503050406030204" pitchFamily="18" charset="0"/>
+                          </a:rPr>
+                          <m:t>+</m:t>
+                        </m:r>
+                        <m:sSub>
+                          <m:sSubPr>
+                            <m:ctrlPr>
+                              <a:rPr lang="sv-SE" sz="2000" i="1" dirty="0">
+                                <a:latin typeface="Cambria Math" panose="02040503050406030204" pitchFamily="18" charset="0"/>
+                              </a:rPr>
+                            </m:ctrlPr>
+                          </m:sSubPr>
+                          <m:e>
+                            <m:r>
+                              <a:rPr lang="sv-SE" sz="2000" i="1" dirty="0">
+                                <a:latin typeface="Cambria Math" panose="02040503050406030204" pitchFamily="18" charset="0"/>
+                              </a:rPr>
+                              <m:t>𝐶</m:t>
+                            </m:r>
+                          </m:e>
+                          <m:sub>
+                            <m:r>
+                              <a:rPr lang="sv-SE" sz="2000" i="1" dirty="0">
+                                <a:latin typeface="Cambria Math" panose="02040503050406030204" pitchFamily="18" charset="0"/>
+                              </a:rPr>
+                              <m:t>2</m:t>
+                            </m:r>
+                          </m:sub>
+                        </m:sSub>
+                        <m:r>
+                          <a:rPr lang="sv-SE" sz="2000" i="1" dirty="0">
+                            <a:latin typeface="Cambria Math" panose="02040503050406030204" pitchFamily="18" charset="0"/>
+                          </a:rPr>
+                          <m:t>∗</m:t>
+                        </m:r>
+                        <m:d>
+                          <m:dPr>
+                            <m:ctrlPr>
+                              <a:rPr lang="sv-SE" sz="2000" i="1" dirty="0">
+                                <a:latin typeface="Cambria Math" panose="02040503050406030204" pitchFamily="18" charset="0"/>
+                              </a:rPr>
+                            </m:ctrlPr>
+                          </m:dPr>
+                          <m:e>
+                            <m:r>
+                              <a:rPr lang="sv-SE" sz="2000" i="1" dirty="0">
+                                <a:latin typeface="Cambria Math" panose="02040503050406030204" pitchFamily="18" charset="0"/>
+                              </a:rPr>
+                              <m:t>𝑓</m:t>
+                            </m:r>
+                            <m:r>
+                              <a:rPr lang="sv-SE" sz="2000" i="1" dirty="0">
+                                <a:latin typeface="Cambria Math" panose="02040503050406030204" pitchFamily="18" charset="0"/>
+                              </a:rPr>
+                              <m:t>−1</m:t>
+                            </m:r>
+                          </m:e>
+                        </m:d>
+                      </m:e>
+                    </m:d>
+                    <m:acc>
+                      <m:accPr>
+                        <m:chr m:val="̅"/>
+                        <m:ctrlPr>
+                          <a:rPr lang="sv-SE" sz="2000" i="1" dirty="0">
+                            <a:latin typeface="Cambria Math" panose="02040503050406030204" pitchFamily="18" charset="0"/>
+                          </a:rPr>
+                        </m:ctrlPr>
+                      </m:accPr>
+                      <m:e>
+                        <m:r>
+                          <a:rPr lang="sv-SE" sz="2000" i="1" dirty="0">
+                            <a:latin typeface="Cambria Math" panose="02040503050406030204" pitchFamily="18" charset="0"/>
+                          </a:rPr>
+                          <m:t>𝜖</m:t>
+                        </m:r>
+                      </m:e>
+                    </m:acc>
+                    <m:r>
+                      <a:rPr lang="sv-SE" sz="2000" b="0" i="1" dirty="0" smtClean="0">
+                        <a:latin typeface="Cambria Math" panose="02040503050406030204" pitchFamily="18" charset="0"/>
+                      </a:rPr>
+                      <m:t>→</m:t>
+                    </m:r>
+                  </m:oMath>
+                </a14:m>
+                <a:endParaRPr lang="sv-SE" sz="2000" b="0" dirty="0"/>
+              </a:p>
+              <a:p>
+                <a14:m>
+                  <m:oMath xmlns:m="http://schemas.openxmlformats.org/officeDocument/2006/math">
+                    <m:acc>
+                      <m:accPr>
+                        <m:chr m:val="̅"/>
+                        <m:ctrlPr>
+                          <a:rPr lang="sv-SE" sz="2000" b="0" i="1" smtClean="0">
+                            <a:latin typeface="Cambria Math" panose="02040503050406030204" pitchFamily="18" charset="0"/>
+                          </a:rPr>
+                        </m:ctrlPr>
+                      </m:accPr>
+                      <m:e>
+                        <m:r>
+                          <a:rPr lang="sv-SE" sz="2000" b="0" i="1" smtClean="0">
+                            <a:latin typeface="Cambria Math" panose="02040503050406030204" pitchFamily="18" charset="0"/>
+                          </a:rPr>
+                          <m:t>𝐷</m:t>
+                        </m:r>
+                      </m:e>
+                    </m:acc>
+                    <m:r>
+                      <a:rPr lang="sv-SE" sz="2000" b="0" i="1" dirty="0" smtClean="0">
+                        <a:latin typeface="Cambria Math" panose="02040503050406030204" pitchFamily="18" charset="0"/>
+                      </a:rPr>
+                      <m:t>=</m:t>
+                    </m:r>
+                    <m:sSup>
+                      <m:sSupPr>
+                        <m:ctrlPr>
+                          <a:rPr lang="sv-SE" sz="2000" b="0" i="1" dirty="0" smtClean="0">
+                            <a:latin typeface="Cambria Math" panose="02040503050406030204" pitchFamily="18" charset="0"/>
+                          </a:rPr>
+                        </m:ctrlPr>
+                      </m:sSupPr>
+                      <m:e>
+                        <m:d>
+                          <m:dPr>
+                            <m:ctrlPr>
+                              <a:rPr lang="sv-SE" sz="2000" i="1" dirty="0">
+                                <a:latin typeface="Cambria Math" panose="02040503050406030204" pitchFamily="18" charset="0"/>
+                              </a:rPr>
+                            </m:ctrlPr>
+                          </m:dPr>
+                          <m:e>
+                            <m:sSub>
+                              <m:sSubPr>
+                                <m:ctrlPr>
+                                  <a:rPr lang="sv-SE" sz="2000" i="1" dirty="0">
+                                    <a:latin typeface="Cambria Math" panose="02040503050406030204" pitchFamily="18" charset="0"/>
+                                  </a:rPr>
+                                </m:ctrlPr>
+                              </m:sSubPr>
+                              <m:e>
+                                <m:r>
+                                  <a:rPr lang="sv-SE" sz="2000" i="1" dirty="0">
+                                    <a:latin typeface="Cambria Math" panose="02040503050406030204" pitchFamily="18" charset="0"/>
+                                  </a:rPr>
+                                  <m:t>𝐶</m:t>
+                                </m:r>
+                              </m:e>
+                              <m:sub>
+                                <m:r>
+                                  <a:rPr lang="sv-SE" sz="2000" i="1" dirty="0">
+                                    <a:latin typeface="Cambria Math" panose="02040503050406030204" pitchFamily="18" charset="0"/>
+                                  </a:rPr>
+                                  <m:t>1</m:t>
+                                </m:r>
+                              </m:sub>
+                            </m:sSub>
+                            <m:r>
+                              <a:rPr lang="sv-SE" sz="2000" i="1" dirty="0">
+                                <a:latin typeface="Cambria Math" panose="02040503050406030204" pitchFamily="18" charset="0"/>
+                              </a:rPr>
+                              <m:t>∗</m:t>
+                            </m:r>
+                            <m:r>
+                              <a:rPr lang="sv-SE" sz="2000" i="1" dirty="0">
+                                <a:latin typeface="Cambria Math" panose="02040503050406030204" pitchFamily="18" charset="0"/>
+                              </a:rPr>
+                              <m:t>𝑓</m:t>
+                            </m:r>
+                            <m:r>
+                              <a:rPr lang="sv-SE" sz="2000" i="1" dirty="0">
+                                <a:latin typeface="Cambria Math" panose="02040503050406030204" pitchFamily="18" charset="0"/>
+                              </a:rPr>
+                              <m:t>+</m:t>
+                            </m:r>
+                            <m:sSub>
+                              <m:sSubPr>
+                                <m:ctrlPr>
+                                  <a:rPr lang="sv-SE" sz="2000" i="1" dirty="0">
+                                    <a:latin typeface="Cambria Math" panose="02040503050406030204" pitchFamily="18" charset="0"/>
+                                  </a:rPr>
+                                </m:ctrlPr>
+                              </m:sSubPr>
+                              <m:e>
+                                <m:r>
+                                  <a:rPr lang="sv-SE" sz="2000" i="1" dirty="0">
+                                    <a:latin typeface="Cambria Math" panose="02040503050406030204" pitchFamily="18" charset="0"/>
+                                  </a:rPr>
+                                  <m:t>𝐶</m:t>
+                                </m:r>
+                              </m:e>
+                              <m:sub>
+                                <m:r>
+                                  <a:rPr lang="sv-SE" sz="2000" i="1" dirty="0">
+                                    <a:latin typeface="Cambria Math" panose="02040503050406030204" pitchFamily="18" charset="0"/>
+                                  </a:rPr>
+                                  <m:t>2</m:t>
+                                </m:r>
+                              </m:sub>
+                            </m:sSub>
+                            <m:r>
+                              <a:rPr lang="sv-SE" sz="2000" i="1" dirty="0">
+                                <a:latin typeface="Cambria Math" panose="02040503050406030204" pitchFamily="18" charset="0"/>
+                              </a:rPr>
+                              <m:t>∗</m:t>
+                            </m:r>
+                            <m:d>
+                              <m:dPr>
+                                <m:ctrlPr>
+                                  <a:rPr lang="sv-SE" sz="2000" i="1" dirty="0">
+                                    <a:latin typeface="Cambria Math" panose="02040503050406030204" pitchFamily="18" charset="0"/>
+                                  </a:rPr>
+                                </m:ctrlPr>
+                              </m:dPr>
+                              <m:e>
+                                <m:r>
+                                  <a:rPr lang="sv-SE" sz="2000" i="1" dirty="0">
+                                    <a:latin typeface="Cambria Math" panose="02040503050406030204" pitchFamily="18" charset="0"/>
+                                  </a:rPr>
+                                  <m:t>𝑓</m:t>
+                                </m:r>
+                                <m:r>
+                                  <a:rPr lang="sv-SE" sz="2000" i="1" dirty="0">
+                                    <a:latin typeface="Cambria Math" panose="02040503050406030204" pitchFamily="18" charset="0"/>
+                                  </a:rPr>
+                                  <m:t>−1</m:t>
+                                </m:r>
+                              </m:e>
+                            </m:d>
+                          </m:e>
+                        </m:d>
+                      </m:e>
+                      <m:sup>
+                        <m:r>
+                          <a:rPr lang="sv-SE" sz="2000" b="0" i="1" dirty="0" smtClean="0">
+                            <a:latin typeface="Cambria Math" panose="02040503050406030204" pitchFamily="18" charset="0"/>
+                          </a:rPr>
+                          <m:t>−1</m:t>
+                        </m:r>
+                      </m:sup>
+                    </m:sSup>
+                  </m:oMath>
+                </a14:m>
+                <a:endParaRPr lang="sv-SE" sz="2000" dirty="0"/>
+              </a:p>
+              <a:p>
                 <a:r>
                   <a:rPr lang="sv-SE" sz="2000" dirty="0" err="1"/>
-                  <a:t>Voigt</a:t>
+                  <a:t>Reuss</a:t>
                 </a:r>
                 <a:r>
                   <a:rPr lang="sv-SE" sz="2000" dirty="0"/>
@@ -4651,10 +5594,442 @@
                   <a:t> uniform</a:t>
                 </a:r>
               </a:p>
+              <a:p>
+                <a14:m>
+                  <m:oMath xmlns:m="http://schemas.openxmlformats.org/officeDocument/2006/math">
+                    <m:acc>
+                      <m:accPr>
+                        <m:chr m:val="̅"/>
+                        <m:ctrlPr>
+                          <a:rPr lang="sv-SE" sz="2000" b="0" i="1" smtClean="0">
+                            <a:latin typeface="Cambria Math" panose="02040503050406030204" pitchFamily="18" charset="0"/>
+                          </a:rPr>
+                        </m:ctrlPr>
+                      </m:accPr>
+                      <m:e>
+                        <m:r>
+                          <a:rPr lang="sv-SE" sz="2000" b="0" i="1" smtClean="0">
+                            <a:latin typeface="Cambria Math" panose="02040503050406030204" pitchFamily="18" charset="0"/>
+                          </a:rPr>
+                          <m:t>𝜖</m:t>
+                        </m:r>
+                      </m:e>
+                    </m:acc>
+                    <m:r>
+                      <a:rPr lang="sv-SE" sz="2000" b="0" i="1" dirty="0" smtClean="0">
+                        <a:latin typeface="Cambria Math" panose="02040503050406030204" pitchFamily="18" charset="0"/>
+                      </a:rPr>
+                      <m:t> =</m:t>
+                    </m:r>
+                    <m:acc>
+                      <m:accPr>
+                        <m:chr m:val="̅"/>
+                        <m:ctrlPr>
+                          <a:rPr lang="sv-SE" sz="2000" b="0" i="1" dirty="0" smtClean="0">
+                            <a:latin typeface="Cambria Math" panose="02040503050406030204" pitchFamily="18" charset="0"/>
+                          </a:rPr>
+                        </m:ctrlPr>
+                      </m:accPr>
+                      <m:e>
+                        <m:r>
+                          <a:rPr lang="sv-SE" sz="2000" b="0" i="1" dirty="0" smtClean="0">
+                            <a:latin typeface="Cambria Math" panose="02040503050406030204" pitchFamily="18" charset="0"/>
+                          </a:rPr>
+                          <m:t>𝐷</m:t>
+                        </m:r>
+                      </m:e>
+                    </m:acc>
+                    <m:acc>
+                      <m:accPr>
+                        <m:chr m:val="̅"/>
+                        <m:ctrlPr>
+                          <a:rPr lang="sv-SE" sz="2000" b="0" i="1" dirty="0" smtClean="0">
+                            <a:latin typeface="Cambria Math" panose="02040503050406030204" pitchFamily="18" charset="0"/>
+                          </a:rPr>
+                        </m:ctrlPr>
+                      </m:accPr>
+                      <m:e>
+                        <m:r>
+                          <a:rPr lang="sv-SE" sz="2000" b="0" i="1" dirty="0" smtClean="0">
+                            <a:latin typeface="Cambria Math" panose="02040503050406030204" pitchFamily="18" charset="0"/>
+                          </a:rPr>
+                          <m:t>𝜎</m:t>
+                        </m:r>
+                      </m:e>
+                    </m:acc>
+                  </m:oMath>
+                </a14:m>
+                <a:endParaRPr lang="sv-SE" sz="2000" dirty="0">
+                  <a:effectLst/>
+                  <a:latin typeface="Calibri" panose="020F0502020204030204" pitchFamily="34" charset="0"/>
+                  <a:ea typeface="Calibri" panose="020F0502020204030204" pitchFamily="34" charset="0"/>
+                  <a:cs typeface="Times New Roman" panose="02020603050405020304" pitchFamily="18" charset="0"/>
+                </a:endParaRPr>
+              </a:p>
+              <a:p>
+                <a14:m>
+                  <m:oMath xmlns:m="http://schemas.openxmlformats.org/officeDocument/2006/math">
+                    <m:acc>
+                      <m:accPr>
+                        <m:chr m:val="̅"/>
+                        <m:ctrlPr>
+                          <a:rPr lang="sv-SE" sz="2000" b="0" i="1" smtClean="0">
+                            <a:effectLst/>
+                            <a:latin typeface="Cambria Math" panose="02040503050406030204" pitchFamily="18" charset="0"/>
+                            <a:cs typeface="Times New Roman" panose="02020603050405020304" pitchFamily="18" charset="0"/>
+                          </a:rPr>
+                        </m:ctrlPr>
+                      </m:accPr>
+                      <m:e>
+                        <m:r>
+                          <a:rPr lang="sv-SE" sz="2000" b="0" i="1" smtClean="0">
+                            <a:effectLst/>
+                            <a:latin typeface="Cambria Math" panose="02040503050406030204" pitchFamily="18" charset="0"/>
+                            <a:cs typeface="Times New Roman" panose="02020603050405020304" pitchFamily="18" charset="0"/>
+                          </a:rPr>
+                          <m:t>𝜎</m:t>
+                        </m:r>
+                      </m:e>
+                    </m:acc>
+                    <m:r>
+                      <a:rPr lang="sv-SE" sz="2000" b="0" i="1" dirty="0" smtClean="0">
+                        <a:latin typeface="Cambria Math" panose="02040503050406030204" pitchFamily="18" charset="0"/>
+                      </a:rPr>
+                      <m:t> </m:t>
+                    </m:r>
+                    <m:r>
+                      <a:rPr lang="sv-SE" sz="2000" b="0" i="1" dirty="0" smtClean="0">
+                        <a:latin typeface="Cambria Math" panose="02040503050406030204" pitchFamily="18" charset="0"/>
+                      </a:rPr>
+                      <m:t>𝑢𝑛𝑖𝑓𝑜𝑟𝑚</m:t>
+                    </m:r>
+                    <m:r>
+                      <a:rPr lang="sv-SE" sz="2000" b="0" i="1" dirty="0" smtClean="0">
+                        <a:latin typeface="Cambria Math" panose="02040503050406030204" pitchFamily="18" charset="0"/>
+                      </a:rPr>
+                      <m:t>→</m:t>
+                    </m:r>
+                    <m:acc>
+                      <m:accPr>
+                        <m:chr m:val="̅"/>
+                        <m:ctrlPr>
+                          <a:rPr lang="sv-SE" sz="2000" i="1">
+                            <a:latin typeface="Cambria Math" panose="02040503050406030204" pitchFamily="18" charset="0"/>
+                          </a:rPr>
+                        </m:ctrlPr>
+                      </m:accPr>
+                      <m:e>
+                        <m:r>
+                          <a:rPr lang="sv-SE" sz="2000" i="1">
+                            <a:latin typeface="Cambria Math" panose="02040503050406030204" pitchFamily="18" charset="0"/>
+                          </a:rPr>
+                          <m:t>𝜖</m:t>
+                        </m:r>
+                      </m:e>
+                    </m:acc>
+                    <m:r>
+                      <a:rPr lang="sv-SE" sz="2000" i="1" dirty="0">
+                        <a:latin typeface="Cambria Math" panose="02040503050406030204" pitchFamily="18" charset="0"/>
+                      </a:rPr>
+                      <m:t> =</m:t>
+                    </m:r>
+                    <m:sSub>
+                      <m:sSubPr>
+                        <m:ctrlPr>
+                          <a:rPr lang="sv-SE" sz="2000" b="0" i="1" dirty="0" smtClean="0">
+                            <a:latin typeface="Cambria Math" panose="02040503050406030204" pitchFamily="18" charset="0"/>
+                          </a:rPr>
+                        </m:ctrlPr>
+                      </m:sSubPr>
+                      <m:e>
+                        <m:r>
+                          <a:rPr lang="sv-SE" sz="2000" b="0" i="1" dirty="0" smtClean="0">
+                            <a:latin typeface="Cambria Math" panose="02040503050406030204" pitchFamily="18" charset="0"/>
+                          </a:rPr>
+                          <m:t>𝐷</m:t>
+                        </m:r>
+                      </m:e>
+                      <m:sub>
+                        <m:r>
+                          <a:rPr lang="sv-SE" sz="2000" b="0" i="1" dirty="0" smtClean="0">
+                            <a:latin typeface="Cambria Math" panose="02040503050406030204" pitchFamily="18" charset="0"/>
+                          </a:rPr>
+                          <m:t>1</m:t>
+                        </m:r>
+                      </m:sub>
+                    </m:sSub>
+                    <m:r>
+                      <a:rPr lang="sv-SE" sz="2000" b="0" i="1" dirty="0" smtClean="0">
+                        <a:latin typeface="Cambria Math" panose="02040503050406030204" pitchFamily="18" charset="0"/>
+                      </a:rPr>
+                      <m:t>∗</m:t>
+                    </m:r>
+                    <m:r>
+                      <a:rPr lang="sv-SE" sz="2000" b="0" i="1" dirty="0" smtClean="0">
+                        <a:latin typeface="Cambria Math" panose="02040503050406030204" pitchFamily="18" charset="0"/>
+                      </a:rPr>
+                      <m:t>𝑓</m:t>
+                    </m:r>
+                    <m:acc>
+                      <m:accPr>
+                        <m:chr m:val="̅"/>
+                        <m:ctrlPr>
+                          <a:rPr lang="sv-SE" sz="2000" i="1" dirty="0">
+                            <a:latin typeface="Cambria Math" panose="02040503050406030204" pitchFamily="18" charset="0"/>
+                          </a:rPr>
+                        </m:ctrlPr>
+                      </m:accPr>
+                      <m:e>
+                        <m:r>
+                          <a:rPr lang="sv-SE" sz="2000" i="1" dirty="0">
+                            <a:latin typeface="Cambria Math" panose="02040503050406030204" pitchFamily="18" charset="0"/>
+                          </a:rPr>
+                          <m:t>𝜎</m:t>
+                        </m:r>
+                      </m:e>
+                    </m:acc>
+                    <m:r>
+                      <a:rPr lang="sv-SE" sz="2000" b="0" i="1" dirty="0" smtClean="0">
+                        <a:latin typeface="Cambria Math" panose="02040503050406030204" pitchFamily="18" charset="0"/>
+                      </a:rPr>
+                      <m:t>+</m:t>
+                    </m:r>
+                    <m:sSub>
+                      <m:sSubPr>
+                        <m:ctrlPr>
+                          <a:rPr lang="sv-SE" sz="2000" b="0" i="1" dirty="0" smtClean="0">
+                            <a:latin typeface="Cambria Math" panose="02040503050406030204" pitchFamily="18" charset="0"/>
+                          </a:rPr>
+                        </m:ctrlPr>
+                      </m:sSubPr>
+                      <m:e>
+                        <m:r>
+                          <a:rPr lang="sv-SE" sz="2000" b="0" i="1" dirty="0" smtClean="0">
+                            <a:latin typeface="Cambria Math" panose="02040503050406030204" pitchFamily="18" charset="0"/>
+                          </a:rPr>
+                          <m:t>𝐷</m:t>
+                        </m:r>
+                      </m:e>
+                      <m:sub>
+                        <m:r>
+                          <a:rPr lang="sv-SE" sz="2000" b="0" i="1" dirty="0" smtClean="0">
+                            <a:latin typeface="Cambria Math" panose="02040503050406030204" pitchFamily="18" charset="0"/>
+                          </a:rPr>
+                          <m:t>2</m:t>
+                        </m:r>
+                      </m:sub>
+                    </m:sSub>
+                    <m:r>
+                      <a:rPr lang="sv-SE" sz="2000" b="0" i="1" dirty="0" smtClean="0">
+                        <a:latin typeface="Cambria Math" panose="02040503050406030204" pitchFamily="18" charset="0"/>
+                      </a:rPr>
+                      <m:t>∗</m:t>
+                    </m:r>
+                    <m:d>
+                      <m:dPr>
+                        <m:ctrlPr>
+                          <a:rPr lang="sv-SE" sz="2000" b="0" i="1" dirty="0" smtClean="0">
+                            <a:latin typeface="Cambria Math" panose="02040503050406030204" pitchFamily="18" charset="0"/>
+                          </a:rPr>
+                        </m:ctrlPr>
+                      </m:dPr>
+                      <m:e>
+                        <m:r>
+                          <a:rPr lang="sv-SE" sz="2000" b="0" i="1" dirty="0" smtClean="0">
+                            <a:latin typeface="Cambria Math" panose="02040503050406030204" pitchFamily="18" charset="0"/>
+                          </a:rPr>
+                          <m:t>𝑓</m:t>
+                        </m:r>
+                        <m:r>
+                          <a:rPr lang="sv-SE" sz="2000" b="0" i="1" dirty="0" smtClean="0">
+                            <a:latin typeface="Cambria Math" panose="02040503050406030204" pitchFamily="18" charset="0"/>
+                          </a:rPr>
+                          <m:t>−1</m:t>
+                        </m:r>
+                      </m:e>
+                    </m:d>
+                    <m:acc>
+                      <m:accPr>
+                        <m:chr m:val="̅"/>
+                        <m:ctrlPr>
+                          <a:rPr lang="sv-SE" sz="2000" b="0" i="1" dirty="0" smtClean="0">
+                            <a:latin typeface="Cambria Math" panose="02040503050406030204" pitchFamily="18" charset="0"/>
+                          </a:rPr>
+                        </m:ctrlPr>
+                      </m:accPr>
+                      <m:e>
+                        <m:r>
+                          <a:rPr lang="sv-SE" sz="2000" b="0" i="1" dirty="0" smtClean="0">
+                            <a:latin typeface="Cambria Math" panose="02040503050406030204" pitchFamily="18" charset="0"/>
+                          </a:rPr>
+                          <m:t>𝜎</m:t>
+                        </m:r>
+                      </m:e>
+                    </m:acc>
+                    <m:r>
+                      <a:rPr lang="sv-SE" sz="2000" b="0" i="1" dirty="0" smtClean="0">
+                        <a:latin typeface="Cambria Math" panose="02040503050406030204" pitchFamily="18" charset="0"/>
+                      </a:rPr>
+                      <m:t>→</m:t>
+                    </m:r>
+                  </m:oMath>
+                </a14:m>
+                <a:endParaRPr lang="sv-SE" sz="2000" b="0" dirty="0">
+                  <a:latin typeface="Calibri" panose="020F0502020204030204" pitchFamily="34" charset="0"/>
+                </a:endParaRPr>
+              </a:p>
+              <a:p>
+                <a14:m>
+                  <m:oMath xmlns:m="http://schemas.openxmlformats.org/officeDocument/2006/math">
+                    <m:acc>
+                      <m:accPr>
+                        <m:chr m:val="̅"/>
+                        <m:ctrlPr>
+                          <a:rPr lang="sv-SE" sz="2000" b="0" i="1" dirty="0" smtClean="0">
+                            <a:latin typeface="Cambria Math" panose="02040503050406030204" pitchFamily="18" charset="0"/>
+                          </a:rPr>
+                        </m:ctrlPr>
+                      </m:accPr>
+                      <m:e>
+                        <m:r>
+                          <a:rPr lang="sv-SE" sz="2000" b="0" i="1" dirty="0" smtClean="0">
+                            <a:latin typeface="Cambria Math" panose="02040503050406030204" pitchFamily="18" charset="0"/>
+                          </a:rPr>
+                          <m:t>𝐷</m:t>
+                        </m:r>
+                      </m:e>
+                    </m:acc>
+                    <m:r>
+                      <a:rPr lang="sv-SE" sz="2000" b="0" i="1" dirty="0" smtClean="0">
+                        <a:latin typeface="Cambria Math" panose="02040503050406030204" pitchFamily="18" charset="0"/>
+                      </a:rPr>
+                      <m:t>= </m:t>
+                    </m:r>
+                    <m:sSub>
+                      <m:sSubPr>
+                        <m:ctrlPr>
+                          <a:rPr lang="sv-SE" sz="2000" i="1" dirty="0">
+                            <a:latin typeface="Cambria Math" panose="02040503050406030204" pitchFamily="18" charset="0"/>
+                          </a:rPr>
+                        </m:ctrlPr>
+                      </m:sSubPr>
+                      <m:e>
+                        <m:r>
+                          <a:rPr lang="sv-SE" sz="2000" i="1" dirty="0">
+                            <a:latin typeface="Cambria Math" panose="02040503050406030204" pitchFamily="18" charset="0"/>
+                          </a:rPr>
+                          <m:t>𝐷</m:t>
+                        </m:r>
+                      </m:e>
+                      <m:sub>
+                        <m:r>
+                          <a:rPr lang="sv-SE" sz="2000" i="1" dirty="0">
+                            <a:latin typeface="Cambria Math" panose="02040503050406030204" pitchFamily="18" charset="0"/>
+                          </a:rPr>
+                          <m:t>1</m:t>
+                        </m:r>
+                      </m:sub>
+                    </m:sSub>
+                    <m:r>
+                      <a:rPr lang="sv-SE" sz="2000" i="1" dirty="0">
+                        <a:latin typeface="Cambria Math" panose="02040503050406030204" pitchFamily="18" charset="0"/>
+                      </a:rPr>
+                      <m:t>∗</m:t>
+                    </m:r>
+                    <m:r>
+                      <a:rPr lang="sv-SE" sz="2000" i="1" dirty="0">
+                        <a:latin typeface="Cambria Math" panose="02040503050406030204" pitchFamily="18" charset="0"/>
+                      </a:rPr>
+                      <m:t>𝑓</m:t>
+                    </m:r>
+                  </m:oMath>
+                </a14:m>
+                <a:r>
+                  <a:rPr lang="sv-SE" sz="2000" dirty="0">
+                    <a:effectLst/>
+                    <a:latin typeface="Calibri" panose="020F0502020204030204" pitchFamily="34" charset="0"/>
+                    <a:ea typeface="Calibri" panose="020F0502020204030204" pitchFamily="34" charset="0"/>
+                    <a:cs typeface="Times New Roman" panose="02020603050405020304" pitchFamily="18" charset="0"/>
+                  </a:rPr>
+                  <a:t> + </a:t>
+                </a:r>
+                <a14:m>
+                  <m:oMath xmlns:m="http://schemas.openxmlformats.org/officeDocument/2006/math">
+                    <m:sSub>
+                      <m:sSubPr>
+                        <m:ctrlPr>
+                          <a:rPr lang="sv-SE" sz="2000" i="1" dirty="0">
+                            <a:latin typeface="Cambria Math" panose="02040503050406030204" pitchFamily="18" charset="0"/>
+                          </a:rPr>
+                        </m:ctrlPr>
+                      </m:sSubPr>
+                      <m:e>
+                        <m:r>
+                          <a:rPr lang="sv-SE" sz="2000" i="1" dirty="0">
+                            <a:latin typeface="Cambria Math" panose="02040503050406030204" pitchFamily="18" charset="0"/>
+                          </a:rPr>
+                          <m:t>𝐷</m:t>
+                        </m:r>
+                      </m:e>
+                      <m:sub>
+                        <m:r>
+                          <a:rPr lang="sv-SE" sz="2000" i="1" dirty="0">
+                            <a:latin typeface="Cambria Math" panose="02040503050406030204" pitchFamily="18" charset="0"/>
+                          </a:rPr>
+                          <m:t>2</m:t>
+                        </m:r>
+                      </m:sub>
+                    </m:sSub>
+                    <m:r>
+                      <a:rPr lang="sv-SE" sz="2000" i="1" dirty="0">
+                        <a:latin typeface="Cambria Math" panose="02040503050406030204" pitchFamily="18" charset="0"/>
+                      </a:rPr>
+                      <m:t>∗</m:t>
+                    </m:r>
+                    <m:d>
+                      <m:dPr>
+                        <m:ctrlPr>
+                          <a:rPr lang="sv-SE" sz="2000" i="1" dirty="0">
+                            <a:latin typeface="Cambria Math" panose="02040503050406030204" pitchFamily="18" charset="0"/>
+                          </a:rPr>
+                        </m:ctrlPr>
+                      </m:dPr>
+                      <m:e>
+                        <m:r>
+                          <a:rPr lang="sv-SE" sz="2000" i="1" dirty="0">
+                            <a:latin typeface="Cambria Math" panose="02040503050406030204" pitchFamily="18" charset="0"/>
+                          </a:rPr>
+                          <m:t>𝑓</m:t>
+                        </m:r>
+                        <m:r>
+                          <a:rPr lang="sv-SE" sz="2000" i="1" dirty="0">
+                            <a:latin typeface="Cambria Math" panose="02040503050406030204" pitchFamily="18" charset="0"/>
+                          </a:rPr>
+                          <m:t>−1</m:t>
+                        </m:r>
+                      </m:e>
+                    </m:d>
+                  </m:oMath>
+                </a14:m>
+                <a:endParaRPr lang="sv-SE" sz="2000" dirty="0">
+                  <a:effectLst/>
+                  <a:latin typeface="Calibri" panose="020F0502020204030204" pitchFamily="34" charset="0"/>
+                  <a:ea typeface="Calibri" panose="020F0502020204030204" pitchFamily="34" charset="0"/>
+                  <a:cs typeface="Times New Roman" panose="02020603050405020304" pitchFamily="18" charset="0"/>
+                </a:endParaRPr>
+              </a:p>
+              <a:p>
+                <a:endParaRPr lang="sv-SE" sz="2000" dirty="0">
+                  <a:effectLst/>
+                  <a:latin typeface="Calibri" panose="020F0502020204030204" pitchFamily="34" charset="0"/>
+                  <a:ea typeface="Calibri" panose="020F0502020204030204" pitchFamily="34" charset="0"/>
+                  <a:cs typeface="Times New Roman" panose="02020603050405020304" pitchFamily="18" charset="0"/>
+                </a:endParaRPr>
+              </a:p>
             </p:txBody>
           </p:sp>
         </mc:Choice>
-        <mc:Fallback>
+        <mc:Fallback xmlns="">
           <p:sp>
             <p:nvSpPr>
               <p:cNvPr id="3" name="Content Placeholder 2">
@@ -4672,10 +6047,14 @@
               </p:nvPr>
             </p:nvSpPr>
             <p:spPr>
+              <a:xfrm>
+                <a:off x="0" y="1360404"/>
+                <a:ext cx="8634663" cy="3604628"/>
+              </a:xfrm>
               <a:blipFill>
                 <a:blip r:embed="rId2"/>
                 <a:stretch>
-                  <a:fillRect l="-522" t="-1401"/>
+                  <a:fillRect l="-636" t="-1692"/>
                 </a:stretch>
               </a:blipFill>
             </p:spPr>
@@ -4757,8 +6136,8 @@
           </a:p>
         </p:txBody>
       </p:sp>
-      <mc:AlternateContent xmlns:mc="http://schemas.openxmlformats.org/markup-compatibility/2006">
-        <mc:Choice xmlns:a14="http://schemas.microsoft.com/office/drawing/2010/main" Requires="a14">
+      <mc:AlternateContent xmlns:mc="http://schemas.openxmlformats.org/markup-compatibility/2006" xmlns:a14="http://schemas.microsoft.com/office/drawing/2010/main">
+        <mc:Choice Requires="a14">
           <p:sp>
             <p:nvSpPr>
               <p:cNvPr id="3" name="Content Placeholder 2">
@@ -4873,7 +6252,7 @@
                         <m:sSub>
                           <m:sSubPr>
                             <m:ctrlPr>
-                              <a:rPr lang="sv-SE" sz="1800" b="0" i="0" smtClean="0">
+                              <a:rPr lang="sv-SE" sz="1800" b="0" i="1" smtClean="0">
                                 <a:effectLst/>
                                 <a:latin typeface="Cambria Math" panose="02040503050406030204" pitchFamily="18" charset="0"/>
                                 <a:ea typeface="Times New Roman" panose="02020603050405020304" pitchFamily="18" charset="0"/>
@@ -4981,7 +6360,7 @@
             </p:txBody>
           </p:sp>
         </mc:Choice>
-        <mc:Fallback>
+        <mc:Fallback xmlns="">
           <p:sp>
             <p:nvSpPr>
               <p:cNvPr id="3" name="Content Placeholder 2">
@@ -5089,8 +6468,8 @@
           </a:p>
         </p:txBody>
       </p:sp>
-      <mc:AlternateContent xmlns:mc="http://schemas.openxmlformats.org/markup-compatibility/2006">
-        <mc:Choice xmlns:a14="http://schemas.microsoft.com/office/drawing/2010/main" Requires="a14">
+      <mc:AlternateContent xmlns:mc="http://schemas.openxmlformats.org/markup-compatibility/2006" xmlns:a14="http://schemas.microsoft.com/office/drawing/2010/main">
+        <mc:Choice Requires="a14">
           <p:sp>
             <p:nvSpPr>
               <p:cNvPr id="3" name="Content Placeholder 2">
@@ -5115,7 +6494,7 @@
             </p:spPr>
             <p:txBody>
               <a:bodyPr>
-                <a:normAutofit lnSpcReduction="10000"/>
+                <a:normAutofit fontScale="92500" lnSpcReduction="10000"/>
               </a:bodyPr>
               <a:lstStyle/>
               <a:p>
@@ -5382,13 +6761,7 @@
                                     <a:rPr lang="sv-SE" sz="1800" b="0" i="1" dirty="0" smtClean="0">
                                       <a:latin typeface="Cambria Math" panose="02040503050406030204" pitchFamily="18" charset="0"/>
                                     </a:rPr>
-                                    <m:t>3</m:t>
-                                  </m:r>
-                                  <m:r>
-                                    <a:rPr lang="sv-SE" sz="1800" b="0" i="1" dirty="0" smtClean="0">
-                                      <a:latin typeface="Cambria Math" panose="02040503050406030204" pitchFamily="18" charset="0"/>
-                                    </a:rPr>
-                                    <m:t>1</m:t>
+                                    <m:t>31</m:t>
                                   </m:r>
                                 </m:sub>
                               </m:sSub>
@@ -5537,15 +6910,40 @@
                               </m:sSub>
                             </m:e>
                             <m:e>
-                              <m:r>
-                                <a:rPr lang="sv-SE" sz="1800" i="1">
-                                  <a:effectLst/>
-                                  <a:latin typeface="Cambria Math" panose="02040503050406030204" pitchFamily="18" charset="0"/>
-                                  <a:ea typeface="Times New Roman" panose="02020603050405020304" pitchFamily="18" charset="0"/>
-                                  <a:cs typeface="Times New Roman" panose="02020603050405020304" pitchFamily="18" charset="0"/>
-                                </a:rPr>
-                                <m:t>0</m:t>
-                              </m:r>
+                              <m:sSub>
+                                <m:sSubPr>
+                                  <m:ctrlPr>
+                                    <a:rPr lang="sv-SE" sz="1800" b="0" i="1" smtClean="0">
+                                      <a:effectLst/>
+                                      <a:latin typeface="Cambria Math" panose="02040503050406030204" pitchFamily="18" charset="0"/>
+                                      <a:ea typeface="Times New Roman" panose="02020603050405020304" pitchFamily="18" charset="0"/>
+                                      <a:cs typeface="Times New Roman" panose="02020603050405020304" pitchFamily="18" charset="0"/>
+                                    </a:rPr>
+                                  </m:ctrlPr>
+                                </m:sSubPr>
+                                <m:e>
+                                  <m:r>
+                                    <a:rPr lang="sv-SE" sz="1800" b="0" i="1" smtClean="0">
+                                      <a:effectLst/>
+                                      <a:latin typeface="Cambria Math" panose="02040503050406030204" pitchFamily="18" charset="0"/>
+                                      <a:ea typeface="Times New Roman" panose="02020603050405020304" pitchFamily="18" charset="0"/>
+                                      <a:cs typeface="Times New Roman" panose="02020603050405020304" pitchFamily="18" charset="0"/>
+                                    </a:rPr>
+                                    <m:t>𝐷</m:t>
+                                  </m:r>
+                                </m:e>
+                                <m:sub>
+                                  <m:r>
+                                    <a:rPr lang="sv-SE" sz="1800" b="0" i="1" smtClean="0">
+                                      <a:effectLst/>
+                                      <a:latin typeface="Cambria Math" panose="02040503050406030204" pitchFamily="18" charset="0"/>
+                                      <a:ea typeface="Times New Roman" panose="02020603050405020304" pitchFamily="18" charset="0"/>
+                                      <a:cs typeface="Times New Roman" panose="02020603050405020304" pitchFamily="18" charset="0"/>
+                                    </a:rPr>
+                                    <m:t>13</m:t>
+                                  </m:r>
+                                </m:sub>
+                              </m:sSub>
                             </m:e>
                           </m:mr>
                           <m:mr>
@@ -5580,7 +6978,7 @@
                                       <a:ea typeface="Times New Roman" panose="02020603050405020304" pitchFamily="18" charset="0"/>
                                       <a:cs typeface="Times New Roman" panose="02020603050405020304" pitchFamily="18" charset="0"/>
                                     </a:rPr>
-                                    <m:t>12</m:t>
+                                    <m:t>21</m:t>
                                   </m:r>
                                 </m:sub>
                               </m:sSub>
@@ -5622,39 +7020,114 @@
                               </m:sSub>
                             </m:e>
                             <m:e>
-                              <m:r>
-                                <a:rPr lang="sv-SE" sz="1800" i="1">
-                                  <a:effectLst/>
-                                  <a:latin typeface="Cambria Math" panose="02040503050406030204" pitchFamily="18" charset="0"/>
-                                  <a:ea typeface="Times New Roman" panose="02020603050405020304" pitchFamily="18" charset="0"/>
-                                  <a:cs typeface="Times New Roman" panose="02020603050405020304" pitchFamily="18" charset="0"/>
-                                </a:rPr>
-                                <m:t>0</m:t>
-                              </m:r>
+                              <m:sSub>
+                                <m:sSubPr>
+                                  <m:ctrlPr>
+                                    <a:rPr lang="sv-SE" sz="1800" b="0" i="1" smtClean="0">
+                                      <a:effectLst/>
+                                      <a:latin typeface="Cambria Math" panose="02040503050406030204" pitchFamily="18" charset="0"/>
+                                      <a:ea typeface="Times New Roman" panose="02020603050405020304" pitchFamily="18" charset="0"/>
+                                      <a:cs typeface="Times New Roman" panose="02020603050405020304" pitchFamily="18" charset="0"/>
+                                    </a:rPr>
+                                  </m:ctrlPr>
+                                </m:sSubPr>
+                                <m:e>
+                                  <m:r>
+                                    <a:rPr lang="sv-SE" sz="1800" b="0" i="1" smtClean="0">
+                                      <a:effectLst/>
+                                      <a:latin typeface="Cambria Math" panose="02040503050406030204" pitchFamily="18" charset="0"/>
+                                      <a:ea typeface="Times New Roman" panose="02020603050405020304" pitchFamily="18" charset="0"/>
+                                      <a:cs typeface="Times New Roman" panose="02020603050405020304" pitchFamily="18" charset="0"/>
+                                    </a:rPr>
+                                    <m:t>𝐷</m:t>
+                                  </m:r>
+                                </m:e>
+                                <m:sub>
+                                  <m:r>
+                                    <a:rPr lang="sv-SE" sz="1800" b="0" i="1" smtClean="0">
+                                      <a:effectLst/>
+                                      <a:latin typeface="Cambria Math" panose="02040503050406030204" pitchFamily="18" charset="0"/>
+                                      <a:ea typeface="Times New Roman" panose="02020603050405020304" pitchFamily="18" charset="0"/>
+                                      <a:cs typeface="Times New Roman" panose="02020603050405020304" pitchFamily="18" charset="0"/>
+                                    </a:rPr>
+                                    <m:t>23</m:t>
+                                  </m:r>
+                                </m:sub>
+                              </m:sSub>
                             </m:e>
                           </m:mr>
                           <m:mr>
                             <m:e>
-                              <m:r>
-                                <a:rPr lang="sv-SE" sz="1800" i="1">
-                                  <a:effectLst/>
-                                  <a:latin typeface="Cambria Math" panose="02040503050406030204" pitchFamily="18" charset="0"/>
-                                  <a:ea typeface="Times New Roman" panose="02020603050405020304" pitchFamily="18" charset="0"/>
-                                  <a:cs typeface="Times New Roman" panose="02020603050405020304" pitchFamily="18" charset="0"/>
-                                </a:rPr>
-                                <m:t>0</m:t>
-                              </m:r>
+                              <m:sSub>
+                                <m:sSubPr>
+                                  <m:ctrlPr>
+                                    <a:rPr lang="sv-SE" sz="1800" b="0" i="1" smtClean="0">
+                                      <a:effectLst/>
+                                      <a:latin typeface="Cambria Math" panose="02040503050406030204" pitchFamily="18" charset="0"/>
+                                      <a:ea typeface="Times New Roman" panose="02020603050405020304" pitchFamily="18" charset="0"/>
+                                      <a:cs typeface="Times New Roman" panose="02020603050405020304" pitchFamily="18" charset="0"/>
+                                    </a:rPr>
+                                  </m:ctrlPr>
+                                </m:sSubPr>
+                                <m:e>
+                                  <m:r>
+                                    <a:rPr lang="sv-SE" sz="1800" b="0" i="1" smtClean="0">
+                                      <a:effectLst/>
+                                      <a:latin typeface="Cambria Math" panose="02040503050406030204" pitchFamily="18" charset="0"/>
+                                      <a:ea typeface="Times New Roman" panose="02020603050405020304" pitchFamily="18" charset="0"/>
+                                      <a:cs typeface="Times New Roman" panose="02020603050405020304" pitchFamily="18" charset="0"/>
+                                    </a:rPr>
+                                    <m:t>𝐷</m:t>
+                                  </m:r>
+                                </m:e>
+                                <m:sub>
+                                  <m:r>
+                                    <a:rPr lang="sv-SE" sz="1800" b="0" i="1" smtClean="0">
+                                      <a:effectLst/>
+                                      <a:latin typeface="Cambria Math" panose="02040503050406030204" pitchFamily="18" charset="0"/>
+                                      <a:ea typeface="Times New Roman" panose="02020603050405020304" pitchFamily="18" charset="0"/>
+                                      <a:cs typeface="Times New Roman" panose="02020603050405020304" pitchFamily="18" charset="0"/>
+                                    </a:rPr>
+                                    <m:t>31</m:t>
+                                  </m:r>
+                                </m:sub>
+                              </m:sSub>
                             </m:e>
                             <m:e>
-                              <m:r>
-                                <a:rPr lang="sv-SE" sz="1800" i="1">
-                                  <a:effectLst/>
-                                  <a:latin typeface="Cambria Math" panose="02040503050406030204" pitchFamily="18" charset="0"/>
-                                  <a:ea typeface="Times New Roman" panose="02020603050405020304" pitchFamily="18" charset="0"/>
-                                  <a:cs typeface="Times New Roman" panose="02020603050405020304" pitchFamily="18" charset="0"/>
-                                </a:rPr>
-                                <m:t>0</m:t>
-                              </m:r>
+                              <m:sSub>
+                                <m:sSubPr>
+                                  <m:ctrlPr>
+                                    <a:rPr lang="sv-SE" sz="1800" b="0" i="1" smtClean="0">
+                                      <a:effectLst/>
+                                      <a:latin typeface="Cambria Math" panose="02040503050406030204" pitchFamily="18" charset="0"/>
+                                      <a:ea typeface="Times New Roman" panose="02020603050405020304" pitchFamily="18" charset="0"/>
+                                      <a:cs typeface="Times New Roman" panose="02020603050405020304" pitchFamily="18" charset="0"/>
+                                    </a:rPr>
+                                  </m:ctrlPr>
+                                </m:sSubPr>
+                                <m:e>
+                                  <m:r>
+                                    <a:rPr lang="sv-SE" sz="1800" b="0" i="1" smtClean="0">
+                                      <a:effectLst/>
+                                      <a:latin typeface="Cambria Math" panose="02040503050406030204" pitchFamily="18" charset="0"/>
+                                      <a:ea typeface="Times New Roman" panose="02020603050405020304" pitchFamily="18" charset="0"/>
+                                      <a:cs typeface="Times New Roman" panose="02020603050405020304" pitchFamily="18" charset="0"/>
+                                    </a:rPr>
+                                    <m:t>𝐷</m:t>
+                                  </m:r>
+                                </m:e>
+                                <m:sub>
+                                  <m:r>
+                                    <a:rPr lang="sv-SE" sz="1800" b="0" i="1" smtClean="0">
+                                      <a:effectLst/>
+                                      <a:latin typeface="Cambria Math" panose="02040503050406030204" pitchFamily="18" charset="0"/>
+                                      <a:ea typeface="Times New Roman" panose="02020603050405020304" pitchFamily="18" charset="0"/>
+                                      <a:cs typeface="Times New Roman" panose="02020603050405020304" pitchFamily="18" charset="0"/>
+                                    </a:rPr>
+                                    <m:t>32</m:t>
+                                  </m:r>
+                                </m:sub>
+                              </m:sSub>
                             </m:e>
                             <m:e>
                               <m:sSub>
@@ -5880,1049 +7353,6 @@
                         <m:begChr m:val="["/>
                         <m:endChr m:val="]"/>
                         <m:ctrlPr>
-                          <a:rPr lang="sv-SE" sz="1800" i="1"/>
-                        </m:ctrlPr>
-                      </m:dPr>
-                      <m:e>
-                        <m:m>
-                          <m:mPr>
-                            <m:mcs>
-                              <m:mc>
-                                <m:mcPr>
-                                  <m:count m:val="1"/>
-                                  <m:mcJc m:val="center"/>
-                                </m:mcPr>
-                              </m:mc>
-                            </m:mcs>
-                            <m:ctrlPr>
-                              <a:rPr lang="sv-SE" sz="1800" i="1"/>
-                            </m:ctrlPr>
-                          </m:mPr>
-                          <m:mr>
-                            <m:e>
-                              <m:sSub>
-                                <m:sSubPr>
-                                  <m:ctrlPr>
-                                    <a:rPr lang="sv-SE" sz="1800" i="1"/>
-                                  </m:ctrlPr>
-                                </m:sSubPr>
-                                <m:e>
-                                  <m:r>
-                                    <a:rPr lang="sv-SE" sz="1800" i="1"/>
-                                    <m:t>𝐷</m:t>
-                                  </m:r>
-                                </m:e>
-                                <m:sub>
-                                  <m:r>
-                                    <a:rPr lang="sv-SE" sz="1800" i="1"/>
-                                    <m:t>11</m:t>
-                                  </m:r>
-                                </m:sub>
-                              </m:sSub>
-                              <m:sSub>
-                                <m:sSubPr>
-                                  <m:ctrlPr>
-                                    <a:rPr lang="sv-SE" sz="1800" b="0" i="1" smtClean="0">
-                                      <a:latin typeface="Cambria Math" panose="02040503050406030204" pitchFamily="18" charset="0"/>
-                                    </a:rPr>
-                                  </m:ctrlPr>
-                                </m:sSubPr>
-                                <m:e>
-                                  <m:r>
-                                    <a:rPr lang="sv-SE" sz="1800" b="0" i="1" smtClean="0">
-                                      <a:latin typeface="Cambria Math" panose="02040503050406030204" pitchFamily="18" charset="0"/>
-                                    </a:rPr>
-                                    <m:t>𝜎</m:t>
-                                  </m:r>
-                                </m:e>
-                                <m:sub>
-                                  <m:r>
-                                    <a:rPr lang="sv-SE" sz="1800" b="0" i="1" smtClean="0">
-                                      <a:latin typeface="Cambria Math" panose="02040503050406030204" pitchFamily="18" charset="0"/>
-                                    </a:rPr>
-                                    <m:t>11</m:t>
-                                  </m:r>
-                                </m:sub>
-                              </m:sSub>
-                              <m:r>
-                                <a:rPr lang="sv-SE" sz="1800" b="0" i="1" smtClean="0">
-                                  <a:latin typeface="Cambria Math" panose="02040503050406030204" pitchFamily="18" charset="0"/>
-                                </a:rPr>
-                                <m:t> </m:t>
-                              </m:r>
-                              <m:r>
-                                <a:rPr lang="sv-SE" sz="1800" i="1"/>
-                                <m:t>+</m:t>
-                              </m:r>
-                              <m:sSub>
-                                <m:sSubPr>
-                                  <m:ctrlPr>
-                                    <a:rPr lang="sv-SE" sz="1800" i="1"/>
-                                  </m:ctrlPr>
-                                </m:sSubPr>
-                                <m:e>
-                                  <m:r>
-                                    <a:rPr lang="sv-SE" sz="1800" i="1"/>
-                                    <m:t>𝐷</m:t>
-                                  </m:r>
-                                </m:e>
-                                <m:sub>
-                                  <m:r>
-                                    <a:rPr lang="sv-SE" sz="1800" i="1"/>
-                                    <m:t>12</m:t>
-                                  </m:r>
-                                </m:sub>
-                              </m:sSub>
-                              <m:r>
-                                <a:rPr lang="sv-SE" sz="1800" i="1"/>
-                                <m:t> </m:t>
-                              </m:r>
-                              <m:sSub>
-                                <m:sSubPr>
-                                  <m:ctrlPr>
-                                    <a:rPr lang="sv-SE" sz="1800" b="0" i="1" smtClean="0">
-                                      <a:latin typeface="Cambria Math" panose="02040503050406030204" pitchFamily="18" charset="0"/>
-                                    </a:rPr>
-                                  </m:ctrlPr>
-                                </m:sSubPr>
-                                <m:e>
-                                  <m:r>
-                                    <a:rPr lang="sv-SE" sz="1800" b="0" i="1" smtClean="0">
-                                      <a:latin typeface="Cambria Math" panose="02040503050406030204" pitchFamily="18" charset="0"/>
-                                    </a:rPr>
-                                    <m:t>𝜎</m:t>
-                                  </m:r>
-                                </m:e>
-                                <m:sub>
-                                  <m:r>
-                                    <a:rPr lang="sv-SE" sz="1800" b="0" i="1" smtClean="0">
-                                      <a:latin typeface="Cambria Math" panose="02040503050406030204" pitchFamily="18" charset="0"/>
-                                    </a:rPr>
-                                    <m:t>21</m:t>
-                                  </m:r>
-                                </m:sub>
-                              </m:sSub>
-                            </m:e>
-                          </m:mr>
-                          <m:mr>
-                            <m:e>
-                              <m:sSub>
-                                <m:sSubPr>
-                                  <m:ctrlPr>
-                                    <a:rPr lang="sv-SE" sz="1800" b="0" i="1" smtClean="0">
-                                      <a:latin typeface="Cambria Math" panose="02040503050406030204" pitchFamily="18" charset="0"/>
-                                    </a:rPr>
-                                  </m:ctrlPr>
-                                </m:sSubPr>
-                                <m:e>
-                                  <m:r>
-                                    <a:rPr lang="sv-SE" sz="1800" b="0" i="1" smtClean="0">
-                                      <a:latin typeface="Cambria Math" panose="02040503050406030204" pitchFamily="18" charset="0"/>
-                                    </a:rPr>
-                                    <m:t>𝐷</m:t>
-                                  </m:r>
-                                </m:e>
-                                <m:sub>
-                                  <m:r>
-                                    <a:rPr lang="sv-SE" sz="1800" b="0" i="1" smtClean="0">
-                                      <a:latin typeface="Cambria Math" panose="02040503050406030204" pitchFamily="18" charset="0"/>
-                                    </a:rPr>
-                                    <m:t>12</m:t>
-                                  </m:r>
-                                </m:sub>
-                              </m:sSub>
-                              <m:r>
-                                <m:rPr>
-                                  <m:lit/>
-                                </m:rPr>
-                                <a:rPr lang="sv-SE" sz="1800" b="0" i="1" smtClean="0">
-                                  <a:latin typeface="Cambria Math" panose="02040503050406030204" pitchFamily="18" charset="0"/>
-                                </a:rPr>
-                                <m:t> </m:t>
-                              </m:r>
-                              <m:sSub>
-                                <m:sSubPr>
-                                  <m:ctrlPr>
-                                    <a:rPr lang="sv-SE" sz="1800" b="0" i="1" smtClean="0">
-                                      <a:latin typeface="Cambria Math" panose="02040503050406030204" pitchFamily="18" charset="0"/>
-                                    </a:rPr>
-                                  </m:ctrlPr>
-                                </m:sSubPr>
-                                <m:e>
-                                  <m:r>
-                                    <a:rPr lang="sv-SE" sz="1800" b="0" i="1" smtClean="0">
-                                      <a:latin typeface="Cambria Math" panose="02040503050406030204" pitchFamily="18" charset="0"/>
-                                    </a:rPr>
-                                    <m:t>𝜎</m:t>
-                                  </m:r>
-                                </m:e>
-                                <m:sub>
-                                  <m:r>
-                                    <a:rPr lang="sv-SE" sz="1800" b="0" i="1" smtClean="0">
-                                      <a:latin typeface="Cambria Math" panose="02040503050406030204" pitchFamily="18" charset="0"/>
-                                    </a:rPr>
-                                    <m:t>11</m:t>
-                                  </m:r>
-                                </m:sub>
-                              </m:sSub>
-                              <m:r>
-                                <a:rPr lang="sv-SE" sz="1800" b="0" i="1" smtClean="0">
-                                  <a:latin typeface="Cambria Math" panose="02040503050406030204" pitchFamily="18" charset="0"/>
-                                </a:rPr>
-                                <m:t>+</m:t>
-                              </m:r>
-                              <m:sSub>
-                                <m:sSubPr>
-                                  <m:ctrlPr>
-                                    <a:rPr lang="sv-SE" sz="1800" b="0" i="1" smtClean="0">
-                                      <a:latin typeface="Cambria Math" panose="02040503050406030204" pitchFamily="18" charset="0"/>
-                                    </a:rPr>
-                                  </m:ctrlPr>
-                                </m:sSubPr>
-                                <m:e>
-                                  <m:r>
-                                    <a:rPr lang="sv-SE" sz="1800" b="0" i="1" smtClean="0">
-                                      <a:latin typeface="Cambria Math" panose="02040503050406030204" pitchFamily="18" charset="0"/>
-                                    </a:rPr>
-                                    <m:t>𝐷</m:t>
-                                  </m:r>
-                                </m:e>
-                                <m:sub>
-                                  <m:r>
-                                    <a:rPr lang="sv-SE" sz="1800" b="0" i="1" smtClean="0">
-                                      <a:latin typeface="Cambria Math" panose="02040503050406030204" pitchFamily="18" charset="0"/>
-                                    </a:rPr>
-                                    <m:t>22</m:t>
-                                  </m:r>
-                                </m:sub>
-                              </m:sSub>
-                              <m:sSub>
-                                <m:sSubPr>
-                                  <m:ctrlPr>
-                                    <a:rPr lang="sv-SE" sz="1800" b="0" i="1" smtClean="0">
-                                      <a:latin typeface="Cambria Math" panose="02040503050406030204" pitchFamily="18" charset="0"/>
-                                    </a:rPr>
-                                  </m:ctrlPr>
-                                </m:sSubPr>
-                                <m:e>
-                                  <m:r>
-                                    <a:rPr lang="sv-SE" sz="1800" b="0" i="1" smtClean="0">
-                                      <a:latin typeface="Cambria Math" panose="02040503050406030204" pitchFamily="18" charset="0"/>
-                                    </a:rPr>
-                                    <m:t>𝜎</m:t>
-                                  </m:r>
-                                </m:e>
-                                <m:sub>
-                                  <m:r>
-                                    <a:rPr lang="sv-SE" sz="1800" b="0" i="1" smtClean="0">
-                                      <a:latin typeface="Cambria Math" panose="02040503050406030204" pitchFamily="18" charset="0"/>
-                                    </a:rPr>
-                                    <m:t>21</m:t>
-                                  </m:r>
-                                </m:sub>
-                              </m:sSub>
-                            </m:e>
-                          </m:mr>
-                          <m:mr>
-                            <m:e>
-                              <m:r>
-                                <a:rPr lang="sv-SE" sz="1800" b="0" i="1" smtClean="0">
-                                  <a:latin typeface="Cambria Math" panose="02040503050406030204" pitchFamily="18" charset="0"/>
-                                </a:rPr>
-                                <m:t>0</m:t>
-                              </m:r>
-                            </m:e>
-                          </m:mr>
-                        </m:m>
-                      </m:e>
-                    </m:d>
-                  </m:oMath>
-                </a14:m>
-                <a:endParaRPr lang="sv-SE" sz="1800" dirty="0"/>
-              </a:p>
-              <a:p>
-                <a:endParaRPr lang="sv-SE" sz="1800" dirty="0"/>
-              </a:p>
-              <a:p>
-                <a:r>
-                  <a:rPr lang="sv-SE" sz="1800" dirty="0"/>
-                  <a:t>Fall 2:: </a:t>
-                </a:r>
-                <a14:m>
-                  <m:oMath xmlns:m="http://schemas.openxmlformats.org/officeDocument/2006/math">
-                    <m:acc>
-                      <m:accPr>
-                        <m:chr m:val="̅"/>
-                        <m:ctrlPr>
-                          <a:rPr lang="sv-SE" sz="1800" i="1" smtClean="0">
-                            <a:effectLst/>
-                            <a:latin typeface="Cambria Math" panose="02040503050406030204" pitchFamily="18" charset="0"/>
-                            <a:ea typeface="Times New Roman" panose="02020603050405020304" pitchFamily="18" charset="0"/>
-                            <a:cs typeface="Times New Roman" panose="02020603050405020304" pitchFamily="18" charset="0"/>
-                          </a:rPr>
-                        </m:ctrlPr>
-                      </m:accPr>
-                      <m:e>
-                        <m:r>
-                          <a:rPr lang="sv-SE" sz="1800" i="1">
-                            <a:effectLst/>
-                            <a:latin typeface="Cambria Math" panose="02040503050406030204" pitchFamily="18" charset="0"/>
-                            <a:ea typeface="Times New Roman" panose="02020603050405020304" pitchFamily="18" charset="0"/>
-                            <a:cs typeface="Times New Roman" panose="02020603050405020304" pitchFamily="18" charset="0"/>
-                          </a:rPr>
-                          <m:t>𝜖</m:t>
-                        </m:r>
-                      </m:e>
-                    </m:acc>
-                    <m:r>
-                      <a:rPr lang="sv-SE" sz="1800" i="1">
-                        <a:effectLst/>
-                        <a:latin typeface="Cambria Math" panose="02040503050406030204" pitchFamily="18" charset="0"/>
-                        <a:ea typeface="Times New Roman" panose="02020603050405020304" pitchFamily="18" charset="0"/>
-                        <a:cs typeface="Times New Roman" panose="02020603050405020304" pitchFamily="18" charset="0"/>
-                      </a:rPr>
-                      <m:t>=</m:t>
-                    </m:r>
-                    <m:d>
-                      <m:dPr>
-                        <m:begChr m:val="["/>
-                        <m:endChr m:val="]"/>
-                        <m:ctrlPr>
-                          <a:rPr lang="sv-SE" sz="1800" i="1">
-                            <a:effectLst/>
-                            <a:latin typeface="Cambria Math" panose="02040503050406030204" pitchFamily="18" charset="0"/>
-                            <a:ea typeface="Times New Roman" panose="02020603050405020304" pitchFamily="18" charset="0"/>
-                            <a:cs typeface="Times New Roman" panose="02020603050405020304" pitchFamily="18" charset="0"/>
-                          </a:rPr>
-                        </m:ctrlPr>
-                      </m:dPr>
-                      <m:e>
-                        <m:m>
-                          <m:mPr>
-                            <m:mcs>
-                              <m:mc>
-                                <m:mcPr>
-                                  <m:count m:val="1"/>
-                                  <m:mcJc m:val="center"/>
-                                </m:mcPr>
-                              </m:mc>
-                            </m:mcs>
-                            <m:ctrlPr>
-                              <a:rPr lang="sv-SE" sz="1800" i="1">
-                                <a:effectLst/>
-                                <a:latin typeface="Cambria Math" panose="02040503050406030204" pitchFamily="18" charset="0"/>
-                                <a:ea typeface="Times New Roman" panose="02020603050405020304" pitchFamily="18" charset="0"/>
-                                <a:cs typeface="Times New Roman" panose="02020603050405020304" pitchFamily="18" charset="0"/>
-                              </a:rPr>
-                            </m:ctrlPr>
-                          </m:mPr>
-                          <m:mr>
-                            <m:e>
-                              <m:r>
-                                <a:rPr lang="sv-SE" sz="1800" b="0" i="1" smtClean="0">
-                                  <a:effectLst/>
-                                  <a:latin typeface="Cambria Math" panose="02040503050406030204" pitchFamily="18" charset="0"/>
-                                  <a:ea typeface="Times New Roman" panose="02020603050405020304" pitchFamily="18" charset="0"/>
-                                  <a:cs typeface="Times New Roman" panose="02020603050405020304" pitchFamily="18" charset="0"/>
-                                </a:rPr>
-                                <m:t>0</m:t>
-                              </m:r>
-                            </m:e>
-                          </m:mr>
-                          <m:mr>
-                            <m:e>
-                              <m:r>
-                                <a:rPr lang="sv-SE" sz="1800" i="1">
-                                  <a:effectLst/>
-                                  <a:latin typeface="Cambria Math" panose="02040503050406030204" pitchFamily="18" charset="0"/>
-                                  <a:ea typeface="Times New Roman" panose="02020603050405020304" pitchFamily="18" charset="0"/>
-                                  <a:cs typeface="Times New Roman" panose="02020603050405020304" pitchFamily="18" charset="0"/>
-                                </a:rPr>
-                                <m:t>0</m:t>
-                              </m:r>
-                            </m:e>
-                          </m:mr>
-                          <m:mr>
-                            <m:e>
-                              <m:r>
-                                <a:rPr lang="sv-SE" sz="1800" i="1">
-                                  <a:effectLst/>
-                                  <a:latin typeface="Cambria Math" panose="02040503050406030204" pitchFamily="18" charset="0"/>
-                                  <a:ea typeface="Times New Roman" panose="02020603050405020304" pitchFamily="18" charset="0"/>
-                                  <a:cs typeface="Times New Roman" panose="02020603050405020304" pitchFamily="18" charset="0"/>
-                                </a:rPr>
-                                <m:t>0</m:t>
-                              </m:r>
-                            </m:e>
-                          </m:mr>
-                        </m:m>
-                        <m:r>
-                          <a:rPr lang="sv-SE" sz="1800" b="0" i="1" smtClean="0">
-                            <a:effectLst/>
-                            <a:latin typeface="Cambria Math" panose="02040503050406030204" pitchFamily="18" charset="0"/>
-                            <a:ea typeface="Times New Roman" panose="02020603050405020304" pitchFamily="18" charset="0"/>
-                            <a:cs typeface="Times New Roman" panose="02020603050405020304" pitchFamily="18" charset="0"/>
-                          </a:rPr>
-                          <m:t>.04</m:t>
-                        </m:r>
-                      </m:e>
-                    </m:d>
-                  </m:oMath>
-                </a14:m>
-                <a:r>
-                  <a:rPr lang="sv-SE" sz="1800" dirty="0">
-                    <a:effectLst/>
-                    <a:latin typeface="Calibri" panose="020F0502020204030204" pitchFamily="34" charset="0"/>
-                    <a:ea typeface="Calibri" panose="020F0502020204030204" pitchFamily="34" charset="0"/>
-                    <a:cs typeface="Times New Roman" panose="02020603050405020304" pitchFamily="18" charset="0"/>
-                  </a:rPr>
-                  <a:t>, </a:t>
-                </a:r>
-                <a14:m>
-                  <m:oMath xmlns:m="http://schemas.openxmlformats.org/officeDocument/2006/math">
-                    <m:acc>
-                      <m:accPr>
-                        <m:chr m:val="̅"/>
-                        <m:ctrlPr>
-                          <a:rPr lang="sv-SE" sz="1800" b="0" i="1" smtClean="0">
-                            <a:effectLst/>
-                            <a:latin typeface="Cambria Math" panose="02040503050406030204" pitchFamily="18" charset="0"/>
-                            <a:cs typeface="Times New Roman" panose="02020603050405020304" pitchFamily="18" charset="0"/>
-                          </a:rPr>
-                        </m:ctrlPr>
-                      </m:accPr>
-                      <m:e>
-                        <m:r>
-                          <a:rPr lang="sv-SE" sz="1800" b="0" i="1" smtClean="0">
-                            <a:effectLst/>
-                            <a:latin typeface="Cambria Math" panose="02040503050406030204" pitchFamily="18" charset="0"/>
-                            <a:cs typeface="Times New Roman" panose="02020603050405020304" pitchFamily="18" charset="0"/>
-                          </a:rPr>
-                          <m:t>𝜎</m:t>
-                        </m:r>
-                      </m:e>
-                    </m:acc>
-                    <m:r>
-                      <a:rPr lang="sv-SE" sz="1800" b="0" i="1" dirty="0" smtClean="0">
-                        <a:latin typeface="Cambria Math" panose="02040503050406030204" pitchFamily="18" charset="0"/>
-                      </a:rPr>
-                      <m:t>=</m:t>
-                    </m:r>
-                    <m:d>
-                      <m:dPr>
-                        <m:begChr m:val="["/>
-                        <m:endChr m:val="]"/>
-                        <m:ctrlPr>
-                          <a:rPr lang="sv-SE" sz="1800" b="0" i="1" dirty="0" smtClean="0">
-                            <a:latin typeface="Cambria Math" panose="02040503050406030204" pitchFamily="18" charset="0"/>
-                          </a:rPr>
-                        </m:ctrlPr>
-                      </m:dPr>
-                      <m:e>
-                        <m:m>
-                          <m:mPr>
-                            <m:mcs>
-                              <m:mc>
-                                <m:mcPr>
-                                  <m:count m:val="1"/>
-                                  <m:mcJc m:val="center"/>
-                                </m:mcPr>
-                              </m:mc>
-                            </m:mcs>
-                            <m:ctrlPr>
-                              <a:rPr lang="sv-SE" sz="1800" b="0" i="1" dirty="0" smtClean="0">
-                                <a:latin typeface="Cambria Math" panose="02040503050406030204" pitchFamily="18" charset="0"/>
-                              </a:rPr>
-                            </m:ctrlPr>
-                          </m:mPr>
-                          <m:mr>
-                            <m:e>
-                              <m:sSub>
-                                <m:sSubPr>
-                                  <m:ctrlPr>
-                                    <a:rPr lang="sv-SE" sz="1800" b="0" i="1" dirty="0" smtClean="0">
-                                      <a:latin typeface="Cambria Math" panose="02040503050406030204" pitchFamily="18" charset="0"/>
-                                    </a:rPr>
-                                  </m:ctrlPr>
-                                </m:sSubPr>
-                                <m:e>
-                                  <m:r>
-                                    <a:rPr lang="sv-SE" sz="1800" b="0" i="1" dirty="0" smtClean="0">
-                                      <a:latin typeface="Cambria Math" panose="02040503050406030204" pitchFamily="18" charset="0"/>
-                                    </a:rPr>
-                                    <m:t>𝜎</m:t>
-                                  </m:r>
-                                </m:e>
-                                <m:sub>
-                                  <m:r>
-                                    <a:rPr lang="sv-SE" sz="1800" b="0" i="1" dirty="0" smtClean="0">
-                                      <a:latin typeface="Cambria Math" panose="02040503050406030204" pitchFamily="18" charset="0"/>
-                                    </a:rPr>
-                                    <m:t>1</m:t>
-                                  </m:r>
-                                  <m:r>
-                                    <a:rPr lang="sv-SE" sz="1800" b="0" i="1" dirty="0" smtClean="0">
-                                      <a:latin typeface="Cambria Math" panose="02040503050406030204" pitchFamily="18" charset="0"/>
-                                    </a:rPr>
-                                    <m:t>2</m:t>
-                                  </m:r>
-                                </m:sub>
-                              </m:sSub>
-                            </m:e>
-                          </m:mr>
-                          <m:mr>
-                            <m:e>
-                              <m:sSub>
-                                <m:sSubPr>
-                                  <m:ctrlPr>
-                                    <a:rPr lang="sv-SE" sz="1800" b="0" i="1" dirty="0" smtClean="0">
-                                      <a:latin typeface="Cambria Math" panose="02040503050406030204" pitchFamily="18" charset="0"/>
-                                    </a:rPr>
-                                  </m:ctrlPr>
-                                </m:sSubPr>
-                                <m:e>
-                                  <m:r>
-                                    <a:rPr lang="sv-SE" sz="1800" b="0" i="1" dirty="0" smtClean="0">
-                                      <a:latin typeface="Cambria Math" panose="02040503050406030204" pitchFamily="18" charset="0"/>
-                                    </a:rPr>
-                                    <m:t>𝜎</m:t>
-                                  </m:r>
-                                </m:e>
-                                <m:sub>
-                                  <m:r>
-                                    <a:rPr lang="sv-SE" sz="1800" b="0" i="1" dirty="0" smtClean="0">
-                                      <a:latin typeface="Cambria Math" panose="02040503050406030204" pitchFamily="18" charset="0"/>
-                                    </a:rPr>
-                                    <m:t>22</m:t>
-                                  </m:r>
-                                </m:sub>
-                              </m:sSub>
-                            </m:e>
-                          </m:mr>
-                          <m:mr>
-                            <m:e>
-                              <m:sSub>
-                                <m:sSubPr>
-                                  <m:ctrlPr>
-                                    <a:rPr lang="sv-SE" sz="1800" b="0" i="1" dirty="0" smtClean="0">
-                                      <a:latin typeface="Cambria Math" panose="02040503050406030204" pitchFamily="18" charset="0"/>
-                                    </a:rPr>
-                                  </m:ctrlPr>
-                                </m:sSubPr>
-                                <m:e>
-                                  <m:r>
-                                    <a:rPr lang="sv-SE" sz="1800" b="0" i="1" dirty="0" smtClean="0">
-                                      <a:latin typeface="Cambria Math" panose="02040503050406030204" pitchFamily="18" charset="0"/>
-                                    </a:rPr>
-                                    <m:t>𝜎</m:t>
-                                  </m:r>
-                                </m:e>
-                                <m:sub>
-                                  <m:r>
-                                    <a:rPr lang="sv-SE" sz="1800" b="0" i="1" dirty="0" smtClean="0">
-                                      <a:latin typeface="Cambria Math" panose="02040503050406030204" pitchFamily="18" charset="0"/>
-                                    </a:rPr>
-                                    <m:t>32</m:t>
-                                  </m:r>
-                                </m:sub>
-                              </m:sSub>
-                            </m:e>
-                          </m:mr>
-                        </m:m>
-                      </m:e>
-                    </m:d>
-                  </m:oMath>
-                </a14:m>
-                <a:r>
-                  <a:rPr lang="sv-SE" sz="1800" dirty="0">
-                    <a:effectLst/>
-                    <a:latin typeface="Calibri" panose="020F0502020204030204" pitchFamily="34" charset="0"/>
-                    <a:ea typeface="Calibri" panose="020F0502020204030204" pitchFamily="34" charset="0"/>
-                    <a:cs typeface="Times New Roman" panose="02020603050405020304" pitchFamily="18" charset="0"/>
-                  </a:rPr>
-                  <a:t> </a:t>
-                </a:r>
-              </a:p>
-              <a:p>
-                <a14:m>
-                  <m:oMath xmlns:m="http://schemas.openxmlformats.org/officeDocument/2006/math">
-                    <m:r>
-                      <a:rPr lang="sv-SE" sz="1800" i="1" smtClean="0">
-                        <a:effectLst/>
-                        <a:latin typeface="Cambria Math" panose="02040503050406030204" pitchFamily="18" charset="0"/>
-                        <a:ea typeface="Times New Roman" panose="02020603050405020304" pitchFamily="18" charset="0"/>
-                        <a:cs typeface="Times New Roman" panose="02020603050405020304" pitchFamily="18" charset="0"/>
-                      </a:rPr>
-                      <m:t>𝐷</m:t>
-                    </m:r>
-                    <m:r>
-                      <a:rPr lang="sv-SE" sz="1800" i="1" smtClean="0">
-                        <a:effectLst/>
-                        <a:latin typeface="Cambria Math" panose="02040503050406030204" pitchFamily="18" charset="0"/>
-                        <a:ea typeface="Times New Roman" panose="02020603050405020304" pitchFamily="18" charset="0"/>
-                        <a:cs typeface="Times New Roman" panose="02020603050405020304" pitchFamily="18" charset="0"/>
-                      </a:rPr>
-                      <m:t>=</m:t>
-                    </m:r>
-                    <m:d>
-                      <m:dPr>
-                        <m:begChr m:val="["/>
-                        <m:endChr m:val="]"/>
-                        <m:ctrlPr>
-                          <a:rPr lang="sv-SE" sz="1800" i="1">
-                            <a:effectLst/>
-                            <a:latin typeface="Cambria Math" panose="02040503050406030204" pitchFamily="18" charset="0"/>
-                            <a:ea typeface="Times New Roman" panose="02020603050405020304" pitchFamily="18" charset="0"/>
-                            <a:cs typeface="Times New Roman" panose="02020603050405020304" pitchFamily="18" charset="0"/>
-                          </a:rPr>
-                        </m:ctrlPr>
-                      </m:dPr>
-                      <m:e>
-                        <m:m>
-                          <m:mPr>
-                            <m:mcs>
-                              <m:mc>
-                                <m:mcPr>
-                                  <m:count m:val="3"/>
-                                  <m:mcJc m:val="center"/>
-                                </m:mcPr>
-                              </m:mc>
-                            </m:mcs>
-                            <m:ctrlPr>
-                              <a:rPr lang="sv-SE" sz="1800" i="1">
-                                <a:effectLst/>
-                                <a:latin typeface="Cambria Math" panose="02040503050406030204" pitchFamily="18" charset="0"/>
-                                <a:ea typeface="Times New Roman" panose="02020603050405020304" pitchFamily="18" charset="0"/>
-                                <a:cs typeface="Times New Roman" panose="02020603050405020304" pitchFamily="18" charset="0"/>
-                              </a:rPr>
-                            </m:ctrlPr>
-                          </m:mPr>
-                          <m:mr>
-                            <m:e>
-                              <m:sSub>
-                                <m:sSubPr>
-                                  <m:ctrlPr>
-                                    <a:rPr lang="sv-SE" sz="1800" i="1">
-                                      <a:effectLst/>
-                                      <a:latin typeface="Cambria Math" panose="02040503050406030204" pitchFamily="18" charset="0"/>
-                                      <a:ea typeface="Times New Roman" panose="02020603050405020304" pitchFamily="18" charset="0"/>
-                                      <a:cs typeface="Times New Roman" panose="02020603050405020304" pitchFamily="18" charset="0"/>
-                                    </a:rPr>
-                                  </m:ctrlPr>
-                                </m:sSubPr>
-                                <m:e>
-                                  <m:r>
-                                    <a:rPr lang="sv-SE" sz="1800" i="1">
-                                      <a:effectLst/>
-                                      <a:latin typeface="Cambria Math" panose="02040503050406030204" pitchFamily="18" charset="0"/>
-                                      <a:ea typeface="Times New Roman" panose="02020603050405020304" pitchFamily="18" charset="0"/>
-                                      <a:cs typeface="Times New Roman" panose="02020603050405020304" pitchFamily="18" charset="0"/>
-                                    </a:rPr>
-                                    <m:t>𝐷</m:t>
-                                  </m:r>
-                                </m:e>
-                                <m:sub>
-                                  <m:r>
-                                    <a:rPr lang="sv-SE" sz="1800" i="1">
-                                      <a:effectLst/>
-                                      <a:latin typeface="Cambria Math" panose="02040503050406030204" pitchFamily="18" charset="0"/>
-                                      <a:ea typeface="Times New Roman" panose="02020603050405020304" pitchFamily="18" charset="0"/>
-                                      <a:cs typeface="Times New Roman" panose="02020603050405020304" pitchFamily="18" charset="0"/>
-                                    </a:rPr>
-                                    <m:t>11</m:t>
-                                  </m:r>
-                                </m:sub>
-                              </m:sSub>
-                            </m:e>
-                            <m:e>
-                              <m:sSub>
-                                <m:sSubPr>
-                                  <m:ctrlPr>
-                                    <a:rPr lang="sv-SE" sz="1800" i="1">
-                                      <a:effectLst/>
-                                      <a:latin typeface="Cambria Math" panose="02040503050406030204" pitchFamily="18" charset="0"/>
-                                      <a:ea typeface="Times New Roman" panose="02020603050405020304" pitchFamily="18" charset="0"/>
-                                      <a:cs typeface="Times New Roman" panose="02020603050405020304" pitchFamily="18" charset="0"/>
-                                    </a:rPr>
-                                  </m:ctrlPr>
-                                </m:sSubPr>
-                                <m:e>
-                                  <m:r>
-                                    <a:rPr lang="sv-SE" sz="1800" i="1">
-                                      <a:effectLst/>
-                                      <a:latin typeface="Cambria Math" panose="02040503050406030204" pitchFamily="18" charset="0"/>
-                                      <a:ea typeface="Times New Roman" panose="02020603050405020304" pitchFamily="18" charset="0"/>
-                                      <a:cs typeface="Times New Roman" panose="02020603050405020304" pitchFamily="18" charset="0"/>
-                                    </a:rPr>
-                                    <m:t>𝐷</m:t>
-                                  </m:r>
-                                </m:e>
-                                <m:sub>
-                                  <m:r>
-                                    <a:rPr lang="sv-SE" sz="1800" i="1">
-                                      <a:effectLst/>
-                                      <a:latin typeface="Cambria Math" panose="02040503050406030204" pitchFamily="18" charset="0"/>
-                                      <a:ea typeface="Times New Roman" panose="02020603050405020304" pitchFamily="18" charset="0"/>
-                                      <a:cs typeface="Times New Roman" panose="02020603050405020304" pitchFamily="18" charset="0"/>
-                                    </a:rPr>
-                                    <m:t>12</m:t>
-                                  </m:r>
-                                </m:sub>
-                              </m:sSub>
-                            </m:e>
-                            <m:e>
-                              <m:r>
-                                <a:rPr lang="sv-SE" sz="1800" i="1">
-                                  <a:effectLst/>
-                                  <a:latin typeface="Cambria Math" panose="02040503050406030204" pitchFamily="18" charset="0"/>
-                                  <a:ea typeface="Times New Roman" panose="02020603050405020304" pitchFamily="18" charset="0"/>
-                                  <a:cs typeface="Times New Roman" panose="02020603050405020304" pitchFamily="18" charset="0"/>
-                                </a:rPr>
-                                <m:t>0</m:t>
-                              </m:r>
-                            </m:e>
-                          </m:mr>
-                          <m:mr>
-                            <m:e>
-                              <m:sSub>
-                                <m:sSubPr>
-                                  <m:ctrlPr>
-                                    <a:rPr lang="sv-SE" sz="1800" i="1">
-                                      <a:effectLst/>
-                                      <a:latin typeface="Cambria Math" panose="02040503050406030204" pitchFamily="18" charset="0"/>
-                                      <a:ea typeface="Times New Roman" panose="02020603050405020304" pitchFamily="18" charset="0"/>
-                                      <a:cs typeface="Times New Roman" panose="02020603050405020304" pitchFamily="18" charset="0"/>
-                                    </a:rPr>
-                                  </m:ctrlPr>
-                                </m:sSubPr>
-                                <m:e>
-                                  <m:r>
-                                    <a:rPr lang="sv-SE" sz="1800" i="1">
-                                      <a:effectLst/>
-                                      <a:latin typeface="Cambria Math" panose="02040503050406030204" pitchFamily="18" charset="0"/>
-                                      <a:ea typeface="Times New Roman" panose="02020603050405020304" pitchFamily="18" charset="0"/>
-                                      <a:cs typeface="Times New Roman" panose="02020603050405020304" pitchFamily="18" charset="0"/>
-                                    </a:rPr>
-                                    <m:t>𝐷</m:t>
-                                  </m:r>
-                                </m:e>
-                                <m:sub>
-                                  <m:r>
-                                    <a:rPr lang="sv-SE" sz="1800" b="0" i="1" smtClean="0">
-                                      <a:effectLst/>
-                                      <a:latin typeface="Cambria Math" panose="02040503050406030204" pitchFamily="18" charset="0"/>
-                                      <a:ea typeface="Times New Roman" panose="02020603050405020304" pitchFamily="18" charset="0"/>
-                                      <a:cs typeface="Times New Roman" panose="02020603050405020304" pitchFamily="18" charset="0"/>
-                                    </a:rPr>
-                                    <m:t>12</m:t>
-                                  </m:r>
-                                </m:sub>
-                              </m:sSub>
-                            </m:e>
-                            <m:e>
-                              <m:sSub>
-                                <m:sSubPr>
-                                  <m:ctrlPr>
-                                    <a:rPr lang="sv-SE" sz="1800" i="1">
-                                      <a:effectLst/>
-                                      <a:latin typeface="Cambria Math" panose="02040503050406030204" pitchFamily="18" charset="0"/>
-                                      <a:ea typeface="Times New Roman" panose="02020603050405020304" pitchFamily="18" charset="0"/>
-                                      <a:cs typeface="Times New Roman" panose="02020603050405020304" pitchFamily="18" charset="0"/>
-                                    </a:rPr>
-                                  </m:ctrlPr>
-                                </m:sSubPr>
-                                <m:e>
-                                  <m:r>
-                                    <a:rPr lang="sv-SE" sz="1800" i="1">
-                                      <a:effectLst/>
-                                      <a:latin typeface="Cambria Math" panose="02040503050406030204" pitchFamily="18" charset="0"/>
-                                      <a:ea typeface="Times New Roman" panose="02020603050405020304" pitchFamily="18" charset="0"/>
-                                      <a:cs typeface="Times New Roman" panose="02020603050405020304" pitchFamily="18" charset="0"/>
-                                    </a:rPr>
-                                    <m:t>𝐷</m:t>
-                                  </m:r>
-                                </m:e>
-                                <m:sub>
-                                  <m:r>
-                                    <a:rPr lang="sv-SE" sz="1800" i="1">
-                                      <a:effectLst/>
-                                      <a:latin typeface="Cambria Math" panose="02040503050406030204" pitchFamily="18" charset="0"/>
-                                      <a:ea typeface="Times New Roman" panose="02020603050405020304" pitchFamily="18" charset="0"/>
-                                      <a:cs typeface="Times New Roman" panose="02020603050405020304" pitchFamily="18" charset="0"/>
-                                    </a:rPr>
-                                    <m:t>22</m:t>
-                                  </m:r>
-                                </m:sub>
-                              </m:sSub>
-                            </m:e>
-                            <m:e>
-                              <m:r>
-                                <a:rPr lang="sv-SE" sz="1800" i="1">
-                                  <a:effectLst/>
-                                  <a:latin typeface="Cambria Math" panose="02040503050406030204" pitchFamily="18" charset="0"/>
-                                  <a:ea typeface="Times New Roman" panose="02020603050405020304" pitchFamily="18" charset="0"/>
-                                  <a:cs typeface="Times New Roman" panose="02020603050405020304" pitchFamily="18" charset="0"/>
-                                </a:rPr>
-                                <m:t>0</m:t>
-                              </m:r>
-                            </m:e>
-                          </m:mr>
-                          <m:mr>
-                            <m:e>
-                              <m:r>
-                                <a:rPr lang="sv-SE" sz="1800" i="1">
-                                  <a:effectLst/>
-                                  <a:latin typeface="Cambria Math" panose="02040503050406030204" pitchFamily="18" charset="0"/>
-                                  <a:ea typeface="Times New Roman" panose="02020603050405020304" pitchFamily="18" charset="0"/>
-                                  <a:cs typeface="Times New Roman" panose="02020603050405020304" pitchFamily="18" charset="0"/>
-                                </a:rPr>
-                                <m:t>0</m:t>
-                              </m:r>
-                            </m:e>
-                            <m:e>
-                              <m:r>
-                                <a:rPr lang="sv-SE" sz="1800" i="1">
-                                  <a:effectLst/>
-                                  <a:latin typeface="Cambria Math" panose="02040503050406030204" pitchFamily="18" charset="0"/>
-                                  <a:ea typeface="Times New Roman" panose="02020603050405020304" pitchFamily="18" charset="0"/>
-                                  <a:cs typeface="Times New Roman" panose="02020603050405020304" pitchFamily="18" charset="0"/>
-                                </a:rPr>
-                                <m:t>0</m:t>
-                              </m:r>
-                            </m:e>
-                            <m:e>
-                              <m:sSub>
-                                <m:sSubPr>
-                                  <m:ctrlPr>
-                                    <a:rPr lang="sv-SE" sz="1800" i="1">
-                                      <a:effectLst/>
-                                      <a:latin typeface="Cambria Math" panose="02040503050406030204" pitchFamily="18" charset="0"/>
-                                      <a:ea typeface="Times New Roman" panose="02020603050405020304" pitchFamily="18" charset="0"/>
-                                      <a:cs typeface="Times New Roman" panose="02020603050405020304" pitchFamily="18" charset="0"/>
-                                    </a:rPr>
-                                  </m:ctrlPr>
-                                </m:sSubPr>
-                                <m:e>
-                                  <m:r>
-                                    <a:rPr lang="sv-SE" sz="1800" i="1">
-                                      <a:effectLst/>
-                                      <a:latin typeface="Cambria Math" panose="02040503050406030204" pitchFamily="18" charset="0"/>
-                                      <a:ea typeface="Times New Roman" panose="02020603050405020304" pitchFamily="18" charset="0"/>
-                                      <a:cs typeface="Times New Roman" panose="02020603050405020304" pitchFamily="18" charset="0"/>
-                                    </a:rPr>
-                                    <m:t>𝐷</m:t>
-                                  </m:r>
-                                </m:e>
-                                <m:sub>
-                                  <m:r>
-                                    <a:rPr lang="sv-SE" sz="1800" i="1">
-                                      <a:effectLst/>
-                                      <a:latin typeface="Cambria Math" panose="02040503050406030204" pitchFamily="18" charset="0"/>
-                                      <a:ea typeface="Times New Roman" panose="02020603050405020304" pitchFamily="18" charset="0"/>
-                                      <a:cs typeface="Times New Roman" panose="02020603050405020304" pitchFamily="18" charset="0"/>
-                                    </a:rPr>
-                                    <m:t>33</m:t>
-                                  </m:r>
-                                </m:sub>
-                              </m:sSub>
-                            </m:e>
-                          </m:mr>
-                        </m:m>
-                      </m:e>
-                    </m:d>
-                  </m:oMath>
-                </a14:m>
-                <a:endParaRPr lang="sv-SE" sz="1800" dirty="0">
-                  <a:effectLst/>
-                  <a:latin typeface="Calibri" panose="020F0502020204030204" pitchFamily="34" charset="0"/>
-                  <a:ea typeface="Calibri" panose="020F0502020204030204" pitchFamily="34" charset="0"/>
-                  <a:cs typeface="Times New Roman" panose="02020603050405020304" pitchFamily="18" charset="0"/>
-                </a:endParaRPr>
-              </a:p>
-              <a:p>
-                <a14:m>
-                  <m:oMath xmlns:m="http://schemas.openxmlformats.org/officeDocument/2006/math">
-                    <m:acc>
-                      <m:accPr>
-                        <m:chr m:val="̅"/>
-                        <m:ctrlPr>
-                          <a:rPr lang="sv-SE" sz="1800" i="1" smtClean="0">
-                            <a:effectLst/>
-                            <a:latin typeface="Cambria Math" panose="02040503050406030204" pitchFamily="18" charset="0"/>
-                            <a:ea typeface="Times New Roman" panose="02020603050405020304" pitchFamily="18" charset="0"/>
-                            <a:cs typeface="Times New Roman" panose="02020603050405020304" pitchFamily="18" charset="0"/>
-                          </a:rPr>
-                        </m:ctrlPr>
-                      </m:accPr>
-                      <m:e>
-                        <m:r>
-                          <a:rPr lang="sv-SE" sz="1800" i="1">
-                            <a:effectLst/>
-                            <a:latin typeface="Cambria Math" panose="02040503050406030204" pitchFamily="18" charset="0"/>
-                            <a:ea typeface="Times New Roman" panose="02020603050405020304" pitchFamily="18" charset="0"/>
-                            <a:cs typeface="Times New Roman" panose="02020603050405020304" pitchFamily="18" charset="0"/>
-                          </a:rPr>
-                          <m:t>𝜖</m:t>
-                        </m:r>
-                      </m:e>
-                    </m:acc>
-                    <m:r>
-                      <a:rPr lang="sv-SE" sz="1800" i="1">
-                        <a:effectLst/>
-                        <a:latin typeface="Cambria Math" panose="02040503050406030204" pitchFamily="18" charset="0"/>
-                        <a:ea typeface="Times New Roman" panose="02020603050405020304" pitchFamily="18" charset="0"/>
-                        <a:cs typeface="Times New Roman" panose="02020603050405020304" pitchFamily="18" charset="0"/>
-                      </a:rPr>
-                      <m:t>=</m:t>
-                    </m:r>
-                    <m:r>
-                      <a:rPr lang="sv-SE" sz="1800" i="1">
-                        <a:effectLst/>
-                        <a:latin typeface="Cambria Math" panose="02040503050406030204" pitchFamily="18" charset="0"/>
-                        <a:ea typeface="Times New Roman" panose="02020603050405020304" pitchFamily="18" charset="0"/>
-                        <a:cs typeface="Times New Roman" panose="02020603050405020304" pitchFamily="18" charset="0"/>
-                      </a:rPr>
-                      <m:t>𝐷</m:t>
-                    </m:r>
-                    <m:acc>
-                      <m:accPr>
-                        <m:chr m:val="̅"/>
-                        <m:ctrlPr>
-                          <a:rPr lang="sv-SE" sz="1800" i="1">
-                            <a:effectLst/>
-                            <a:latin typeface="Cambria Math" panose="02040503050406030204" pitchFamily="18" charset="0"/>
-                            <a:ea typeface="Times New Roman" panose="02020603050405020304" pitchFamily="18" charset="0"/>
-                            <a:cs typeface="Times New Roman" panose="02020603050405020304" pitchFamily="18" charset="0"/>
-                          </a:rPr>
-                        </m:ctrlPr>
-                      </m:accPr>
-                      <m:e>
-                        <m:r>
-                          <a:rPr lang="sv-SE" sz="1800" i="1">
-                            <a:effectLst/>
-                            <a:latin typeface="Cambria Math" panose="02040503050406030204" pitchFamily="18" charset="0"/>
-                            <a:ea typeface="Times New Roman" panose="02020603050405020304" pitchFamily="18" charset="0"/>
-                            <a:cs typeface="Times New Roman" panose="02020603050405020304" pitchFamily="18" charset="0"/>
-                          </a:rPr>
-                          <m:t>𝜎</m:t>
-                        </m:r>
-                      </m:e>
-                    </m:acc>
-                  </m:oMath>
-                </a14:m>
-                <a:r>
-                  <a:rPr lang="sv-SE" sz="1800" dirty="0">
-                    <a:effectLst/>
-                    <a:latin typeface="Calibri" panose="020F0502020204030204" pitchFamily="34" charset="0"/>
-                    <a:ea typeface="Calibri" panose="020F0502020204030204" pitchFamily="34" charset="0"/>
-                    <a:cs typeface="Times New Roman" panose="02020603050405020304" pitchFamily="18" charset="0"/>
-                  </a:rPr>
-                  <a:t> = </a:t>
-                </a:r>
-                <a14:m>
-                  <m:oMath xmlns:m="http://schemas.openxmlformats.org/officeDocument/2006/math">
-                    <m:d>
-                      <m:dPr>
-                        <m:begChr m:val="["/>
-                        <m:endChr m:val="]"/>
-                        <m:ctrlPr>
-                          <a:rPr lang="sv-SE" sz="1800" i="1" smtClean="0">
-                            <a:effectLst/>
-                            <a:latin typeface="Cambria Math" panose="02040503050406030204" pitchFamily="18" charset="0"/>
-                            <a:ea typeface="Times New Roman" panose="02020603050405020304" pitchFamily="18" charset="0"/>
-                            <a:cs typeface="Times New Roman" panose="02020603050405020304" pitchFamily="18" charset="0"/>
-                          </a:rPr>
-                        </m:ctrlPr>
-                      </m:dPr>
-                      <m:e>
-                        <m:m>
-                          <m:mPr>
-                            <m:mcs>
-                              <m:mc>
-                                <m:mcPr>
-                                  <m:count m:val="1"/>
-                                  <m:mcJc m:val="center"/>
-                                </m:mcPr>
-                              </m:mc>
-                            </m:mcs>
-                            <m:ctrlPr>
-                              <a:rPr lang="sv-SE" sz="1800" i="1" smtClean="0">
-                                <a:effectLst/>
-                                <a:latin typeface="Cambria Math" panose="02040503050406030204" pitchFamily="18" charset="0"/>
-                                <a:ea typeface="Times New Roman" panose="02020603050405020304" pitchFamily="18" charset="0"/>
-                                <a:cs typeface="Times New Roman" panose="02020603050405020304" pitchFamily="18" charset="0"/>
-                              </a:rPr>
-                            </m:ctrlPr>
-                          </m:mPr>
-                          <m:mr>
-                            <m:e>
-                              <m:r>
-                                <a:rPr lang="sv-SE" sz="1800" i="1">
-                                  <a:effectLst/>
-                                  <a:latin typeface="Cambria Math" panose="02040503050406030204" pitchFamily="18" charset="0"/>
-                                  <a:ea typeface="Times New Roman" panose="02020603050405020304" pitchFamily="18" charset="0"/>
-                                  <a:cs typeface="Times New Roman" panose="02020603050405020304" pitchFamily="18" charset="0"/>
-                                </a:rPr>
-                                <m:t>0</m:t>
-                              </m:r>
-                            </m:e>
-                          </m:mr>
-                          <m:mr>
-                            <m:e>
-                              <m:r>
-                                <a:rPr lang="sv-SE" sz="1800" i="1">
-                                  <a:effectLst/>
-                                  <a:latin typeface="Cambria Math" panose="02040503050406030204" pitchFamily="18" charset="0"/>
-                                  <a:ea typeface="Times New Roman" panose="02020603050405020304" pitchFamily="18" charset="0"/>
-                                  <a:cs typeface="Times New Roman" panose="02020603050405020304" pitchFamily="18" charset="0"/>
-                                </a:rPr>
-                                <m:t>0</m:t>
-                              </m:r>
-                              <m:r>
-                                <a:rPr lang="sv-SE" sz="1800" b="0" i="1" smtClean="0">
-                                  <a:effectLst/>
-                                  <a:latin typeface="Cambria Math" panose="02040503050406030204" pitchFamily="18" charset="0"/>
-                                  <a:ea typeface="Times New Roman" panose="02020603050405020304" pitchFamily="18" charset="0"/>
-                                  <a:cs typeface="Times New Roman" panose="02020603050405020304" pitchFamily="18" charset="0"/>
-                                </a:rPr>
-                                <m:t>.04</m:t>
-                              </m:r>
-                            </m:e>
-                          </m:mr>
-                          <m:mr>
-                            <m:e>
-                              <m:r>
-                                <a:rPr lang="sv-SE" sz="1800" i="1">
-                                  <a:effectLst/>
-                                  <a:latin typeface="Cambria Math" panose="02040503050406030204" pitchFamily="18" charset="0"/>
-                                  <a:ea typeface="Times New Roman" panose="02020603050405020304" pitchFamily="18" charset="0"/>
-                                  <a:cs typeface="Times New Roman" panose="02020603050405020304" pitchFamily="18" charset="0"/>
-                                </a:rPr>
-                                <m:t>0</m:t>
-                              </m:r>
-                            </m:e>
-                          </m:mr>
-                        </m:m>
-                      </m:e>
-                    </m:d>
-                  </m:oMath>
-                </a14:m>
-                <a:r>
-                  <a:rPr lang="sv-SE" sz="1800" dirty="0">
-                    <a:effectLst/>
-                    <a:latin typeface="Calibri" panose="020F0502020204030204" pitchFamily="34" charset="0"/>
-                    <a:ea typeface="Calibri" panose="020F0502020204030204" pitchFamily="34" charset="0"/>
-                    <a:cs typeface="Times New Roman" panose="02020603050405020304" pitchFamily="18" charset="0"/>
-                  </a:rPr>
-                  <a:t> = </a:t>
-                </a:r>
-                <a14:m>
-                  <m:oMath xmlns:m="http://schemas.openxmlformats.org/officeDocument/2006/math">
-                    <m:d>
-                      <m:dPr>
-                        <m:begChr m:val="["/>
-                        <m:endChr m:val="]"/>
-                        <m:ctrlPr>
                           <a:rPr lang="sv-SE" sz="1800" i="1">
                             <a:latin typeface="Cambria Math" panose="02040503050406030204" pitchFamily="18" charset="0"/>
                           </a:rPr>
@@ -6993,13 +7423,7 @@
                                     <a:rPr lang="sv-SE" sz="1800" b="0" i="1" smtClean="0">
                                       <a:latin typeface="Cambria Math" panose="02040503050406030204" pitchFamily="18" charset="0"/>
                                     </a:rPr>
-                                    <m:t>1</m:t>
-                                  </m:r>
-                                  <m:r>
-                                    <a:rPr lang="sv-SE" sz="1800" b="0" i="1" smtClean="0">
-                                      <a:latin typeface="Cambria Math" panose="02040503050406030204" pitchFamily="18" charset="0"/>
-                                    </a:rPr>
-                                    <m:t>2</m:t>
+                                    <m:t>11</m:t>
                                   </m:r>
                                 </m:sub>
                               </m:sSub>
@@ -7067,82 +7491,7 @@
                                     <a:rPr lang="sv-SE" sz="1800" b="0" i="1" smtClean="0">
                                       <a:latin typeface="Cambria Math" panose="02040503050406030204" pitchFamily="18" charset="0"/>
                                     </a:rPr>
-                                    <m:t>2</m:t>
-                                  </m:r>
-                                  <m:r>
-                                    <a:rPr lang="sv-SE" sz="1800" b="0" i="1" smtClean="0">
-                                      <a:latin typeface="Cambria Math" panose="02040503050406030204" pitchFamily="18" charset="0"/>
-                                    </a:rPr>
-                                    <m:t>2</m:t>
-                                  </m:r>
-                                </m:sub>
-                              </m:sSub>
-                            </m:e>
-                          </m:mr>
-                          <m:mr>
-                            <m:e>
-                              <m:sSub>
-                                <m:sSubPr>
-                                  <m:ctrlPr>
-                                    <a:rPr lang="sv-SE" sz="1800" b="0" i="1" smtClean="0">
-                                      <a:latin typeface="Cambria Math" panose="02040503050406030204" pitchFamily="18" charset="0"/>
-                                    </a:rPr>
-                                  </m:ctrlPr>
-                                </m:sSubPr>
-                                <m:e>
-                                  <m:r>
-                                    <a:rPr lang="sv-SE" sz="1800" b="0" i="1" smtClean="0">
-                                      <a:latin typeface="Cambria Math" panose="02040503050406030204" pitchFamily="18" charset="0"/>
-                                    </a:rPr>
-                                    <m:t>𝐷</m:t>
-                                  </m:r>
-                                </m:e>
-                                <m:sub>
-                                  <m:r>
-                                    <a:rPr lang="sv-SE" sz="1800" b="0" i="1" smtClean="0">
-                                      <a:latin typeface="Cambria Math" panose="02040503050406030204" pitchFamily="18" charset="0"/>
-                                    </a:rPr>
-                                    <m:t>12</m:t>
-                                  </m:r>
-                                </m:sub>
-                              </m:sSub>
-                              <m:r>
-                                <m:rPr>
-                                  <m:lit/>
-                                </m:rPr>
-                                <a:rPr lang="sv-SE" sz="1800" b="0" i="1" smtClean="0">
-                                  <a:latin typeface="Cambria Math" panose="02040503050406030204" pitchFamily="18" charset="0"/>
-                                </a:rPr>
-                                <m:t> </m:t>
-                              </m:r>
-                              <m:sSub>
-                                <m:sSubPr>
-                                  <m:ctrlPr>
-                                    <a:rPr lang="sv-SE" sz="1800" b="0" i="1" smtClean="0">
-                                      <a:latin typeface="Cambria Math" panose="02040503050406030204" pitchFamily="18" charset="0"/>
-                                    </a:rPr>
-                                  </m:ctrlPr>
-                                </m:sSubPr>
-                                <m:e>
-                                  <m:r>
-                                    <a:rPr lang="sv-SE" sz="1800" b="0" i="1" smtClean="0">
-                                      <a:latin typeface="Cambria Math" panose="02040503050406030204" pitchFamily="18" charset="0"/>
-                                    </a:rPr>
-                                    <m:t>𝜎</m:t>
-                                  </m:r>
-                                </m:e>
-                                <m:sub>
-                                  <m:r>
-                                    <a:rPr lang="sv-SE" sz="1800" b="0" i="1" smtClean="0">
-                                      <a:latin typeface="Cambria Math" panose="02040503050406030204" pitchFamily="18" charset="0"/>
-                                    </a:rPr>
-                                    <m:t>1</m:t>
-                                  </m:r>
-                                  <m:r>
-                                    <a:rPr lang="sv-SE" sz="1800" b="0" i="1" smtClean="0">
-                                      <a:latin typeface="Cambria Math" panose="02040503050406030204" pitchFamily="18" charset="0"/>
-                                    </a:rPr>
-                                    <m:t>2</m:t>
+                                    <m:t>21</m:t>
                                   </m:r>
                                 </m:sub>
                               </m:sSub>
@@ -7173,7 +7522,7 @@
                                     <a:rPr lang="sv-SE" sz="1800" b="0" i="1" smtClean="0">
                                       <a:latin typeface="Cambria Math" panose="02040503050406030204" pitchFamily="18" charset="0"/>
                                     </a:rPr>
-                                    <m:t>22</m:t>
+                                    <m:t>13</m:t>
                                   </m:r>
                                 </m:sub>
                               </m:sSub>
@@ -7198,13 +7547,7 @@
                                     <a:rPr lang="sv-SE" sz="1800" b="0" i="1" smtClean="0">
                                       <a:latin typeface="Cambria Math" panose="02040503050406030204" pitchFamily="18" charset="0"/>
                                     </a:rPr>
-                                    <m:t>2</m:t>
-                                  </m:r>
-                                  <m:r>
-                                    <a:rPr lang="sv-SE" sz="1800" b="0" i="1" smtClean="0">
-                                      <a:latin typeface="Cambria Math" panose="02040503050406030204" pitchFamily="18" charset="0"/>
-                                    </a:rPr>
-                                    <m:t>2</m:t>
+                                    <m:t>31</m:t>
                                   </m:r>
                                 </m:sub>
                               </m:sSub>
@@ -7212,12 +7555,1805 @@
                           </m:mr>
                           <m:mr>
                             <m:e>
+                              <m:sSub>
+                                <m:sSubPr>
+                                  <m:ctrlPr>
+                                    <a:rPr lang="sv-SE" sz="1800" i="1">
+                                      <a:latin typeface="Cambria Math" panose="02040503050406030204" pitchFamily="18" charset="0"/>
+                                    </a:rPr>
+                                  </m:ctrlPr>
+                                </m:sSubPr>
+                                <m:e>
+                                  <m:r>
+                                    <a:rPr lang="sv-SE" sz="1800" i="1">
+                                      <a:latin typeface="Cambria Math" panose="02040503050406030204" pitchFamily="18" charset="0"/>
+                                    </a:rPr>
+                                    <m:t>𝐷</m:t>
+                                  </m:r>
+                                </m:e>
+                                <m:sub>
+                                  <m:r>
+                                    <a:rPr lang="sv-SE" sz="1800" b="0" i="1" smtClean="0">
+                                      <a:latin typeface="Cambria Math" panose="02040503050406030204" pitchFamily="18" charset="0"/>
+                                    </a:rPr>
+                                    <m:t>2</m:t>
+                                  </m:r>
+                                  <m:r>
+                                    <a:rPr lang="sv-SE" sz="1800" i="1">
+                                      <a:latin typeface="Cambria Math" panose="02040503050406030204" pitchFamily="18" charset="0"/>
+                                    </a:rPr>
+                                    <m:t>1</m:t>
+                                  </m:r>
+                                </m:sub>
+                              </m:sSub>
+                              <m:sSub>
+                                <m:sSubPr>
+                                  <m:ctrlPr>
+                                    <a:rPr lang="sv-SE" sz="1800" i="1">
+                                      <a:latin typeface="Cambria Math" panose="02040503050406030204" pitchFamily="18" charset="0"/>
+                                    </a:rPr>
+                                  </m:ctrlPr>
+                                </m:sSubPr>
+                                <m:e>
+                                  <m:r>
+                                    <a:rPr lang="sv-SE" sz="1800" i="1">
+                                      <a:latin typeface="Cambria Math" panose="02040503050406030204" pitchFamily="18" charset="0"/>
+                                    </a:rPr>
+                                    <m:t>𝜎</m:t>
+                                  </m:r>
+                                </m:e>
+                                <m:sub>
+                                  <m:r>
+                                    <a:rPr lang="sv-SE" sz="1800" i="1">
+                                      <a:latin typeface="Cambria Math" panose="02040503050406030204" pitchFamily="18" charset="0"/>
+                                    </a:rPr>
+                                    <m:t>11</m:t>
+                                  </m:r>
+                                </m:sub>
+                              </m:sSub>
+                              <m:r>
+                                <a:rPr lang="sv-SE" sz="1800" i="1">
+                                  <a:latin typeface="Cambria Math" panose="02040503050406030204" pitchFamily="18" charset="0"/>
+                                </a:rPr>
+                                <m:t> +</m:t>
+                              </m:r>
+                              <m:sSub>
+                                <m:sSubPr>
+                                  <m:ctrlPr>
+                                    <a:rPr lang="sv-SE" sz="1800" i="1">
+                                      <a:latin typeface="Cambria Math" panose="02040503050406030204" pitchFamily="18" charset="0"/>
+                                    </a:rPr>
+                                  </m:ctrlPr>
+                                </m:sSubPr>
+                                <m:e>
+                                  <m:r>
+                                    <a:rPr lang="sv-SE" sz="1800" i="1">
+                                      <a:latin typeface="Cambria Math" panose="02040503050406030204" pitchFamily="18" charset="0"/>
+                                    </a:rPr>
+                                    <m:t>𝐷</m:t>
+                                  </m:r>
+                                </m:e>
+                                <m:sub>
+                                  <m:r>
+                                    <a:rPr lang="sv-SE" sz="1800" b="0" i="1" smtClean="0">
+                                      <a:latin typeface="Cambria Math" panose="02040503050406030204" pitchFamily="18" charset="0"/>
+                                    </a:rPr>
+                                    <m:t>2</m:t>
+                                  </m:r>
+                                  <m:r>
+                                    <a:rPr lang="sv-SE" sz="1800" i="1">
+                                      <a:latin typeface="Cambria Math" panose="02040503050406030204" pitchFamily="18" charset="0"/>
+                                    </a:rPr>
+                                    <m:t>2</m:t>
+                                  </m:r>
+                                </m:sub>
+                              </m:sSub>
+                              <m:r>
+                                <a:rPr lang="sv-SE" sz="1800" i="1">
+                                  <a:latin typeface="Cambria Math" panose="02040503050406030204" pitchFamily="18" charset="0"/>
+                                </a:rPr>
+                                <m:t> </m:t>
+                              </m:r>
+                              <m:sSub>
+                                <m:sSubPr>
+                                  <m:ctrlPr>
+                                    <a:rPr lang="sv-SE" sz="1800" i="1">
+                                      <a:latin typeface="Cambria Math" panose="02040503050406030204" pitchFamily="18" charset="0"/>
+                                    </a:rPr>
+                                  </m:ctrlPr>
+                                </m:sSubPr>
+                                <m:e>
+                                  <m:r>
+                                    <a:rPr lang="sv-SE" sz="1800" i="1">
+                                      <a:latin typeface="Cambria Math" panose="02040503050406030204" pitchFamily="18" charset="0"/>
+                                    </a:rPr>
+                                    <m:t>𝜎</m:t>
+                                  </m:r>
+                                </m:e>
+                                <m:sub>
+                                  <m:r>
+                                    <a:rPr lang="sv-SE" sz="1800" i="1">
+                                      <a:latin typeface="Cambria Math" panose="02040503050406030204" pitchFamily="18" charset="0"/>
+                                    </a:rPr>
+                                    <m:t>21</m:t>
+                                  </m:r>
+                                </m:sub>
+                              </m:sSub>
+                              <m:r>
+                                <a:rPr lang="sv-SE" sz="1800" i="1">
+                                  <a:latin typeface="Cambria Math" panose="02040503050406030204" pitchFamily="18" charset="0"/>
+                                </a:rPr>
+                                <m:t>+</m:t>
+                              </m:r>
+                              <m:sSub>
+                                <m:sSubPr>
+                                  <m:ctrlPr>
+                                    <a:rPr lang="sv-SE" sz="1800" i="1">
+                                      <a:latin typeface="Cambria Math" panose="02040503050406030204" pitchFamily="18" charset="0"/>
+                                    </a:rPr>
+                                  </m:ctrlPr>
+                                </m:sSubPr>
+                                <m:e>
+                                  <m:r>
+                                    <a:rPr lang="sv-SE" sz="1800" i="1">
+                                      <a:latin typeface="Cambria Math" panose="02040503050406030204" pitchFamily="18" charset="0"/>
+                                    </a:rPr>
+                                    <m:t>𝐷</m:t>
+                                  </m:r>
+                                </m:e>
+                                <m:sub>
+                                  <m:r>
+                                    <a:rPr lang="sv-SE" sz="1800" b="0" i="1" smtClean="0">
+                                      <a:latin typeface="Cambria Math" panose="02040503050406030204" pitchFamily="18" charset="0"/>
+                                    </a:rPr>
+                                    <m:t>23</m:t>
+                                  </m:r>
+                                </m:sub>
+                              </m:sSub>
+                              <m:sSub>
+                                <m:sSubPr>
+                                  <m:ctrlPr>
+                                    <a:rPr lang="sv-SE" sz="1800" i="1">
+                                      <a:latin typeface="Cambria Math" panose="02040503050406030204" pitchFamily="18" charset="0"/>
+                                    </a:rPr>
+                                  </m:ctrlPr>
+                                </m:sSubPr>
+                                <m:e>
+                                  <m:r>
+                                    <a:rPr lang="sv-SE" sz="1800" i="1">
+                                      <a:latin typeface="Cambria Math" panose="02040503050406030204" pitchFamily="18" charset="0"/>
+                                    </a:rPr>
+                                    <m:t>𝜎</m:t>
+                                  </m:r>
+                                </m:e>
+                                <m:sub>
+                                  <m:r>
+                                    <a:rPr lang="sv-SE" sz="1800" i="1">
+                                      <a:latin typeface="Cambria Math" panose="02040503050406030204" pitchFamily="18" charset="0"/>
+                                    </a:rPr>
+                                    <m:t>31</m:t>
+                                  </m:r>
+                                </m:sub>
+                              </m:sSub>
+                            </m:e>
+                          </m:mr>
+                          <m:mr>
+                            <m:e>
+                              <m:sSub>
+                                <m:sSubPr>
+                                  <m:ctrlPr>
+                                    <a:rPr lang="sv-SE" sz="1800" i="1">
+                                      <a:latin typeface="Cambria Math" panose="02040503050406030204" pitchFamily="18" charset="0"/>
+                                    </a:rPr>
+                                  </m:ctrlPr>
+                                </m:sSubPr>
+                                <m:e>
+                                  <m:r>
+                                    <a:rPr lang="sv-SE" sz="1800" i="1">
+                                      <a:latin typeface="Cambria Math" panose="02040503050406030204" pitchFamily="18" charset="0"/>
+                                    </a:rPr>
+                                    <m:t>𝐷</m:t>
+                                  </m:r>
+                                </m:e>
+                                <m:sub>
+                                  <m:r>
+                                    <a:rPr lang="sv-SE" sz="1800" b="0" i="1" smtClean="0">
+                                      <a:latin typeface="Cambria Math" panose="02040503050406030204" pitchFamily="18" charset="0"/>
+                                    </a:rPr>
+                                    <m:t>3</m:t>
+                                  </m:r>
+                                  <m:r>
+                                    <a:rPr lang="sv-SE" sz="1800" i="1">
+                                      <a:latin typeface="Cambria Math" panose="02040503050406030204" pitchFamily="18" charset="0"/>
+                                    </a:rPr>
+                                    <m:t>1</m:t>
+                                  </m:r>
+                                </m:sub>
+                              </m:sSub>
+                              <m:sSub>
+                                <m:sSubPr>
+                                  <m:ctrlPr>
+                                    <a:rPr lang="sv-SE" sz="1800" i="1">
+                                      <a:latin typeface="Cambria Math" panose="02040503050406030204" pitchFamily="18" charset="0"/>
+                                    </a:rPr>
+                                  </m:ctrlPr>
+                                </m:sSubPr>
+                                <m:e>
+                                  <m:r>
+                                    <a:rPr lang="sv-SE" sz="1800" i="1">
+                                      <a:latin typeface="Cambria Math" panose="02040503050406030204" pitchFamily="18" charset="0"/>
+                                    </a:rPr>
+                                    <m:t>𝜎</m:t>
+                                  </m:r>
+                                </m:e>
+                                <m:sub>
+                                  <m:r>
+                                    <a:rPr lang="sv-SE" sz="1800" i="1">
+                                      <a:latin typeface="Cambria Math" panose="02040503050406030204" pitchFamily="18" charset="0"/>
+                                    </a:rPr>
+                                    <m:t>11</m:t>
+                                  </m:r>
+                                </m:sub>
+                              </m:sSub>
+                              <m:r>
+                                <a:rPr lang="sv-SE" sz="1800" i="1">
+                                  <a:latin typeface="Cambria Math" panose="02040503050406030204" pitchFamily="18" charset="0"/>
+                                </a:rPr>
+                                <m:t> +</m:t>
+                              </m:r>
+                              <m:sSub>
+                                <m:sSubPr>
+                                  <m:ctrlPr>
+                                    <a:rPr lang="sv-SE" sz="1800" i="1" smtClean="0">
+                                      <a:latin typeface="Cambria Math" panose="02040503050406030204" pitchFamily="18" charset="0"/>
+                                    </a:rPr>
+                                  </m:ctrlPr>
+                                </m:sSubPr>
+                                <m:e>
+                                  <m:r>
+                                    <a:rPr lang="sv-SE" sz="1800" i="1">
+                                      <a:latin typeface="Cambria Math" panose="02040503050406030204" pitchFamily="18" charset="0"/>
+                                    </a:rPr>
+                                    <m:t>𝐷</m:t>
+                                  </m:r>
+                                </m:e>
+                                <m:sub>
+                                  <m:r>
+                                    <a:rPr lang="sv-SE" sz="1800" b="0" i="1" smtClean="0">
+                                      <a:latin typeface="Cambria Math" panose="02040503050406030204" pitchFamily="18" charset="0"/>
+                                    </a:rPr>
+                                    <m:t>32</m:t>
+                                  </m:r>
+                                </m:sub>
+                              </m:sSub>
+                              <m:r>
+                                <a:rPr lang="sv-SE" sz="1800" i="1">
+                                  <a:latin typeface="Cambria Math" panose="02040503050406030204" pitchFamily="18" charset="0"/>
+                                </a:rPr>
+                                <m:t> </m:t>
+                              </m:r>
+                              <m:sSub>
+                                <m:sSubPr>
+                                  <m:ctrlPr>
+                                    <a:rPr lang="sv-SE" sz="1800" i="1">
+                                      <a:latin typeface="Cambria Math" panose="02040503050406030204" pitchFamily="18" charset="0"/>
+                                    </a:rPr>
+                                  </m:ctrlPr>
+                                </m:sSubPr>
+                                <m:e>
+                                  <m:r>
+                                    <a:rPr lang="sv-SE" sz="1800" i="1">
+                                      <a:latin typeface="Cambria Math" panose="02040503050406030204" pitchFamily="18" charset="0"/>
+                                    </a:rPr>
+                                    <m:t>𝜎</m:t>
+                                  </m:r>
+                                </m:e>
+                                <m:sub>
+                                  <m:r>
+                                    <a:rPr lang="sv-SE" sz="1800" i="1">
+                                      <a:latin typeface="Cambria Math" panose="02040503050406030204" pitchFamily="18" charset="0"/>
+                                    </a:rPr>
+                                    <m:t>21</m:t>
+                                  </m:r>
+                                </m:sub>
+                              </m:sSub>
+                              <m:r>
+                                <a:rPr lang="sv-SE" sz="1800" i="1">
+                                  <a:latin typeface="Cambria Math" panose="02040503050406030204" pitchFamily="18" charset="0"/>
+                                </a:rPr>
+                                <m:t>+</m:t>
+                              </m:r>
+                              <m:sSub>
+                                <m:sSubPr>
+                                  <m:ctrlPr>
+                                    <a:rPr lang="sv-SE" sz="1800" i="1">
+                                      <a:latin typeface="Cambria Math" panose="02040503050406030204" pitchFamily="18" charset="0"/>
+                                    </a:rPr>
+                                  </m:ctrlPr>
+                                </m:sSubPr>
+                                <m:e>
+                                  <m:r>
+                                    <a:rPr lang="sv-SE" sz="1800" i="1">
+                                      <a:latin typeface="Cambria Math" panose="02040503050406030204" pitchFamily="18" charset="0"/>
+                                    </a:rPr>
+                                    <m:t>𝐷</m:t>
+                                  </m:r>
+                                </m:e>
+                                <m:sub>
+                                  <m:r>
+                                    <a:rPr lang="sv-SE" sz="1800" b="0" i="1" smtClean="0">
+                                      <a:latin typeface="Cambria Math" panose="02040503050406030204" pitchFamily="18" charset="0"/>
+                                    </a:rPr>
+                                    <m:t>3</m:t>
+                                  </m:r>
+                                  <m:r>
+                                    <a:rPr lang="sv-SE" sz="1800" i="1">
+                                      <a:latin typeface="Cambria Math" panose="02040503050406030204" pitchFamily="18" charset="0"/>
+                                    </a:rPr>
+                                    <m:t>3</m:t>
+                                  </m:r>
+                                </m:sub>
+                              </m:sSub>
+                              <m:sSub>
+                                <m:sSubPr>
+                                  <m:ctrlPr>
+                                    <a:rPr lang="sv-SE" sz="1800" i="1">
+                                      <a:latin typeface="Cambria Math" panose="02040503050406030204" pitchFamily="18" charset="0"/>
+                                    </a:rPr>
+                                  </m:ctrlPr>
+                                </m:sSubPr>
+                                <m:e>
+                                  <m:r>
+                                    <a:rPr lang="sv-SE" sz="1800" i="1">
+                                      <a:latin typeface="Cambria Math" panose="02040503050406030204" pitchFamily="18" charset="0"/>
+                                    </a:rPr>
+                                    <m:t>𝜎</m:t>
+                                  </m:r>
+                                </m:e>
+                                <m:sub>
+                                  <m:r>
+                                    <a:rPr lang="sv-SE" sz="1800" i="1">
+                                      <a:latin typeface="Cambria Math" panose="02040503050406030204" pitchFamily="18" charset="0"/>
+                                    </a:rPr>
+                                    <m:t>31</m:t>
+                                  </m:r>
+                                </m:sub>
+                              </m:sSub>
+                            </m:e>
+                          </m:mr>
+                        </m:m>
+                      </m:e>
+                    </m:d>
+                  </m:oMath>
+                </a14:m>
+                <a:endParaRPr lang="sv-SE" sz="1800" dirty="0"/>
+              </a:p>
+              <a:p>
+                <a:endParaRPr lang="sv-SE" sz="1800" dirty="0"/>
+              </a:p>
+              <a:p>
+                <a:r>
+                  <a:rPr lang="sv-SE" sz="1800" dirty="0"/>
+                  <a:t>Fall 2: </a:t>
+                </a:r>
+                <a14:m>
+                  <m:oMath xmlns:m="http://schemas.openxmlformats.org/officeDocument/2006/math">
+                    <m:acc>
+                      <m:accPr>
+                        <m:chr m:val="̅"/>
+                        <m:ctrlPr>
+                          <a:rPr lang="sv-SE" sz="1800" i="1">
+                            <a:latin typeface="Cambria Math" panose="02040503050406030204" pitchFamily="18" charset="0"/>
+                            <a:ea typeface="Times New Roman" panose="02020603050405020304" pitchFamily="18" charset="0"/>
+                            <a:cs typeface="Times New Roman" panose="02020603050405020304" pitchFamily="18" charset="0"/>
+                          </a:rPr>
+                        </m:ctrlPr>
+                      </m:accPr>
+                      <m:e>
+                        <m:r>
+                          <a:rPr lang="sv-SE" sz="1800" i="1">
+                            <a:latin typeface="Cambria Math" panose="02040503050406030204" pitchFamily="18" charset="0"/>
+                            <a:ea typeface="Times New Roman" panose="02020603050405020304" pitchFamily="18" charset="0"/>
+                            <a:cs typeface="Times New Roman" panose="02020603050405020304" pitchFamily="18" charset="0"/>
+                          </a:rPr>
+                          <m:t>𝜖</m:t>
+                        </m:r>
+                      </m:e>
+                    </m:acc>
+                    <m:r>
+                      <a:rPr lang="sv-SE" sz="1800" i="1">
+                        <a:latin typeface="Cambria Math" panose="02040503050406030204" pitchFamily="18" charset="0"/>
+                        <a:ea typeface="Times New Roman" panose="02020603050405020304" pitchFamily="18" charset="0"/>
+                        <a:cs typeface="Times New Roman" panose="02020603050405020304" pitchFamily="18" charset="0"/>
+                      </a:rPr>
+                      <m:t>=</m:t>
+                    </m:r>
+                    <m:d>
+                      <m:dPr>
+                        <m:begChr m:val="["/>
+                        <m:endChr m:val="]"/>
+                        <m:ctrlPr>
+                          <a:rPr lang="sv-SE" sz="1800" i="1">
+                            <a:latin typeface="Cambria Math" panose="02040503050406030204" pitchFamily="18" charset="0"/>
+                            <a:ea typeface="Times New Roman" panose="02020603050405020304" pitchFamily="18" charset="0"/>
+                            <a:cs typeface="Times New Roman" panose="02020603050405020304" pitchFamily="18" charset="0"/>
+                          </a:rPr>
+                        </m:ctrlPr>
+                      </m:dPr>
+                      <m:e>
+                        <m:m>
+                          <m:mPr>
+                            <m:mcs>
+                              <m:mc>
+                                <m:mcPr>
+                                  <m:count m:val="1"/>
+                                  <m:mcJc m:val="center"/>
+                                </m:mcPr>
+                              </m:mc>
+                            </m:mcs>
+                            <m:ctrlPr>
+                              <a:rPr lang="sv-SE" sz="1800" i="1">
+                                <a:latin typeface="Cambria Math" panose="02040503050406030204" pitchFamily="18" charset="0"/>
+                                <a:ea typeface="Times New Roman" panose="02020603050405020304" pitchFamily="18" charset="0"/>
+                                <a:cs typeface="Times New Roman" panose="02020603050405020304" pitchFamily="18" charset="0"/>
+                              </a:rPr>
+                            </m:ctrlPr>
+                          </m:mPr>
+                          <m:mr>
+                            <m:e>
+                              <m:r>
+                                <a:rPr lang="sv-SE" sz="1800" i="1">
+                                  <a:latin typeface="Cambria Math" panose="02040503050406030204" pitchFamily="18" charset="0"/>
+                                  <a:ea typeface="Times New Roman" panose="02020603050405020304" pitchFamily="18" charset="0"/>
+                                  <a:cs typeface="Times New Roman" panose="02020603050405020304" pitchFamily="18" charset="0"/>
+                                </a:rPr>
+                                <m:t>0</m:t>
+                              </m:r>
+                            </m:e>
+                          </m:mr>
+                          <m:mr>
+                            <m:e>
+                              <m:r>
+                                <a:rPr lang="sv-SE" sz="1800" i="1">
+                                  <a:latin typeface="Cambria Math" panose="02040503050406030204" pitchFamily="18" charset="0"/>
+                                  <a:ea typeface="Times New Roman" panose="02020603050405020304" pitchFamily="18" charset="0"/>
+                                  <a:cs typeface="Times New Roman" panose="02020603050405020304" pitchFamily="18" charset="0"/>
+                                </a:rPr>
+                                <m:t>0</m:t>
+                              </m:r>
                               <m:r>
                                 <a:rPr lang="sv-SE" sz="1800" b="0" i="1" smtClean="0">
                                   <a:latin typeface="Cambria Math" panose="02040503050406030204" pitchFamily="18" charset="0"/>
+                                  <a:ea typeface="Times New Roman" panose="02020603050405020304" pitchFamily="18" charset="0"/>
+                                  <a:cs typeface="Times New Roman" panose="02020603050405020304" pitchFamily="18" charset="0"/>
+                                </a:rPr>
+                                <m:t>.04</m:t>
+                              </m:r>
+                            </m:e>
+                          </m:mr>
+                          <m:mr>
+                            <m:e>
+                              <m:r>
+                                <a:rPr lang="sv-SE" sz="1800" i="1">
+                                  <a:latin typeface="Cambria Math" panose="02040503050406030204" pitchFamily="18" charset="0"/>
+                                  <a:ea typeface="Times New Roman" panose="02020603050405020304" pitchFamily="18" charset="0"/>
+                                  <a:cs typeface="Times New Roman" panose="02020603050405020304" pitchFamily="18" charset="0"/>
                                 </a:rPr>
                                 <m:t>0</m:t>
                               </m:r>
+                            </m:e>
+                          </m:mr>
+                        </m:m>
+                      </m:e>
+                    </m:d>
+                  </m:oMath>
+                </a14:m>
+                <a:r>
+                  <a:rPr lang="sv-SE" sz="1800" dirty="0">
+                    <a:latin typeface="Calibri" panose="020F0502020204030204" pitchFamily="34" charset="0"/>
+                    <a:ea typeface="Calibri" panose="020F0502020204030204" pitchFamily="34" charset="0"/>
+                    <a:cs typeface="Times New Roman" panose="02020603050405020304" pitchFamily="18" charset="0"/>
+                  </a:rPr>
+                  <a:t>, </a:t>
+                </a:r>
+                <a14:m>
+                  <m:oMath xmlns:m="http://schemas.openxmlformats.org/officeDocument/2006/math">
+                    <m:acc>
+                      <m:accPr>
+                        <m:chr m:val="̅"/>
+                        <m:ctrlPr>
+                          <a:rPr lang="sv-SE" sz="1800" i="1">
+                            <a:latin typeface="Cambria Math" panose="02040503050406030204" pitchFamily="18" charset="0"/>
+                            <a:cs typeface="Times New Roman" panose="02020603050405020304" pitchFamily="18" charset="0"/>
+                          </a:rPr>
+                        </m:ctrlPr>
+                      </m:accPr>
+                      <m:e>
+                        <m:r>
+                          <a:rPr lang="sv-SE" sz="1800" i="1">
+                            <a:latin typeface="Cambria Math" panose="02040503050406030204" pitchFamily="18" charset="0"/>
+                            <a:cs typeface="Times New Roman" panose="02020603050405020304" pitchFamily="18" charset="0"/>
+                          </a:rPr>
+                          <m:t>𝜎</m:t>
+                        </m:r>
+                      </m:e>
+                    </m:acc>
+                    <m:r>
+                      <a:rPr lang="sv-SE" sz="1800" i="1" dirty="0">
+                        <a:latin typeface="Cambria Math" panose="02040503050406030204" pitchFamily="18" charset="0"/>
+                      </a:rPr>
+                      <m:t>=</m:t>
+                    </m:r>
+                    <m:d>
+                      <m:dPr>
+                        <m:begChr m:val="["/>
+                        <m:endChr m:val="]"/>
+                        <m:ctrlPr>
+                          <a:rPr lang="sv-SE" sz="1800" i="1" dirty="0">
+                            <a:latin typeface="Cambria Math" panose="02040503050406030204" pitchFamily="18" charset="0"/>
+                          </a:rPr>
+                        </m:ctrlPr>
+                      </m:dPr>
+                      <m:e>
+                        <m:m>
+                          <m:mPr>
+                            <m:mcs>
+                              <m:mc>
+                                <m:mcPr>
+                                  <m:count m:val="1"/>
+                                  <m:mcJc m:val="center"/>
+                                </m:mcPr>
+                              </m:mc>
+                            </m:mcs>
+                            <m:ctrlPr>
+                              <a:rPr lang="sv-SE" sz="1800" i="1" dirty="0">
+                                <a:latin typeface="Cambria Math" panose="02040503050406030204" pitchFamily="18" charset="0"/>
+                              </a:rPr>
+                            </m:ctrlPr>
+                          </m:mPr>
+                          <m:mr>
+                            <m:e>
+                              <m:sSub>
+                                <m:sSubPr>
+                                  <m:ctrlPr>
+                                    <a:rPr lang="sv-SE" sz="1800" i="1" dirty="0">
+                                      <a:latin typeface="Cambria Math" panose="02040503050406030204" pitchFamily="18" charset="0"/>
+                                    </a:rPr>
+                                  </m:ctrlPr>
+                                </m:sSubPr>
+                                <m:e>
+                                  <m:r>
+                                    <a:rPr lang="sv-SE" sz="1800" i="1" dirty="0">
+                                      <a:latin typeface="Cambria Math" panose="02040503050406030204" pitchFamily="18" charset="0"/>
+                                    </a:rPr>
+                                    <m:t>𝜎</m:t>
+                                  </m:r>
+                                </m:e>
+                                <m:sub>
+                                  <m:r>
+                                    <a:rPr lang="sv-SE" sz="1800" i="1" dirty="0">
+                                      <a:latin typeface="Cambria Math" panose="02040503050406030204" pitchFamily="18" charset="0"/>
+                                    </a:rPr>
+                                    <m:t>1</m:t>
+                                  </m:r>
+                                  <m:r>
+                                    <a:rPr lang="sv-SE" sz="1800" b="0" i="1" dirty="0" smtClean="0">
+                                      <a:latin typeface="Cambria Math" panose="02040503050406030204" pitchFamily="18" charset="0"/>
+                                    </a:rPr>
+                                    <m:t>2</m:t>
+                                  </m:r>
+                                </m:sub>
+                              </m:sSub>
+                            </m:e>
+                          </m:mr>
+                          <m:mr>
+                            <m:e>
+                              <m:sSub>
+                                <m:sSubPr>
+                                  <m:ctrlPr>
+                                    <a:rPr lang="sv-SE" sz="1800" i="1" dirty="0">
+                                      <a:latin typeface="Cambria Math" panose="02040503050406030204" pitchFamily="18" charset="0"/>
+                                    </a:rPr>
+                                  </m:ctrlPr>
+                                </m:sSubPr>
+                                <m:e>
+                                  <m:r>
+                                    <a:rPr lang="sv-SE" sz="1800" i="1" dirty="0">
+                                      <a:latin typeface="Cambria Math" panose="02040503050406030204" pitchFamily="18" charset="0"/>
+                                    </a:rPr>
+                                    <m:t>𝜎</m:t>
+                                  </m:r>
+                                </m:e>
+                                <m:sub>
+                                  <m:r>
+                                    <a:rPr lang="sv-SE" sz="1800" i="1" dirty="0">
+                                      <a:latin typeface="Cambria Math" panose="02040503050406030204" pitchFamily="18" charset="0"/>
+                                    </a:rPr>
+                                    <m:t>2</m:t>
+                                  </m:r>
+                                  <m:r>
+                                    <a:rPr lang="sv-SE" sz="1800" b="0" i="1" dirty="0" smtClean="0">
+                                      <a:latin typeface="Cambria Math" panose="02040503050406030204" pitchFamily="18" charset="0"/>
+                                    </a:rPr>
+                                    <m:t>2</m:t>
+                                  </m:r>
+                                </m:sub>
+                              </m:sSub>
+                            </m:e>
+                          </m:mr>
+                          <m:mr>
+                            <m:e>
+                              <m:sSub>
+                                <m:sSubPr>
+                                  <m:ctrlPr>
+                                    <a:rPr lang="sv-SE" sz="1800" i="1" dirty="0">
+                                      <a:latin typeface="Cambria Math" panose="02040503050406030204" pitchFamily="18" charset="0"/>
+                                    </a:rPr>
+                                  </m:ctrlPr>
+                                </m:sSubPr>
+                                <m:e>
+                                  <m:r>
+                                    <a:rPr lang="sv-SE" sz="1800" i="1" dirty="0">
+                                      <a:latin typeface="Cambria Math" panose="02040503050406030204" pitchFamily="18" charset="0"/>
+                                    </a:rPr>
+                                    <m:t>𝜎</m:t>
+                                  </m:r>
+                                </m:e>
+                                <m:sub>
+                                  <m:r>
+                                    <a:rPr lang="sv-SE" sz="1800" i="1" dirty="0">
+                                      <a:latin typeface="Cambria Math" panose="02040503050406030204" pitchFamily="18" charset="0"/>
+                                    </a:rPr>
+                                    <m:t>3</m:t>
+                                  </m:r>
+                                  <m:r>
+                                    <a:rPr lang="sv-SE" sz="1800" b="0" i="1" dirty="0" smtClean="0">
+                                      <a:latin typeface="Cambria Math" panose="02040503050406030204" pitchFamily="18" charset="0"/>
+                                    </a:rPr>
+                                    <m:t>2</m:t>
+                                  </m:r>
+                                </m:sub>
+                              </m:sSub>
+                            </m:e>
+                          </m:mr>
+                        </m:m>
+                      </m:e>
+                    </m:d>
+                  </m:oMath>
+                </a14:m>
+                <a:r>
+                  <a:rPr lang="sv-SE" sz="1800" dirty="0">
+                    <a:latin typeface="Calibri" panose="020F0502020204030204" pitchFamily="34" charset="0"/>
+                    <a:ea typeface="Calibri" panose="020F0502020204030204" pitchFamily="34" charset="0"/>
+                    <a:cs typeface="Times New Roman" panose="02020603050405020304" pitchFamily="18" charset="0"/>
+                  </a:rPr>
+                  <a:t> </a:t>
+                </a:r>
+              </a:p>
+              <a:p>
+                <a14:m>
+                  <m:oMath xmlns:m="http://schemas.openxmlformats.org/officeDocument/2006/math">
+                    <m:r>
+                      <a:rPr lang="sv-SE" sz="1800" i="1">
+                        <a:latin typeface="Cambria Math" panose="02040503050406030204" pitchFamily="18" charset="0"/>
+                        <a:ea typeface="Times New Roman" panose="02020603050405020304" pitchFamily="18" charset="0"/>
+                        <a:cs typeface="Times New Roman" panose="02020603050405020304" pitchFamily="18" charset="0"/>
+                      </a:rPr>
+                      <m:t>𝐷</m:t>
+                    </m:r>
+                    <m:r>
+                      <a:rPr lang="sv-SE" sz="1800" i="1">
+                        <a:latin typeface="Cambria Math" panose="02040503050406030204" pitchFamily="18" charset="0"/>
+                        <a:ea typeface="Times New Roman" panose="02020603050405020304" pitchFamily="18" charset="0"/>
+                        <a:cs typeface="Times New Roman" panose="02020603050405020304" pitchFamily="18" charset="0"/>
+                      </a:rPr>
+                      <m:t>=</m:t>
+                    </m:r>
+                    <m:d>
+                      <m:dPr>
+                        <m:begChr m:val="["/>
+                        <m:endChr m:val="]"/>
+                        <m:ctrlPr>
+                          <a:rPr lang="sv-SE" sz="1800" i="1">
+                            <a:latin typeface="Cambria Math" panose="02040503050406030204" pitchFamily="18" charset="0"/>
+                            <a:ea typeface="Times New Roman" panose="02020603050405020304" pitchFamily="18" charset="0"/>
+                            <a:cs typeface="Times New Roman" panose="02020603050405020304" pitchFamily="18" charset="0"/>
+                          </a:rPr>
+                        </m:ctrlPr>
+                      </m:dPr>
+                      <m:e>
+                        <m:m>
+                          <m:mPr>
+                            <m:mcs>
+                              <m:mc>
+                                <m:mcPr>
+                                  <m:count m:val="3"/>
+                                  <m:mcJc m:val="center"/>
+                                </m:mcPr>
+                              </m:mc>
+                            </m:mcs>
+                            <m:ctrlPr>
+                              <a:rPr lang="sv-SE" sz="1800" i="1">
+                                <a:latin typeface="Cambria Math" panose="02040503050406030204" pitchFamily="18" charset="0"/>
+                                <a:ea typeface="Times New Roman" panose="02020603050405020304" pitchFamily="18" charset="0"/>
+                                <a:cs typeface="Times New Roman" panose="02020603050405020304" pitchFamily="18" charset="0"/>
+                              </a:rPr>
+                            </m:ctrlPr>
+                          </m:mPr>
+                          <m:mr>
+                            <m:e>
+                              <m:sSub>
+                                <m:sSubPr>
+                                  <m:ctrlPr>
+                                    <a:rPr lang="sv-SE" sz="1800" i="1">
+                                      <a:latin typeface="Cambria Math" panose="02040503050406030204" pitchFamily="18" charset="0"/>
+                                      <a:ea typeface="Times New Roman" panose="02020603050405020304" pitchFamily="18" charset="0"/>
+                                      <a:cs typeface="Times New Roman" panose="02020603050405020304" pitchFamily="18" charset="0"/>
+                                    </a:rPr>
+                                  </m:ctrlPr>
+                                </m:sSubPr>
+                                <m:e>
+                                  <m:r>
+                                    <a:rPr lang="sv-SE" sz="1800" i="1">
+                                      <a:latin typeface="Cambria Math" panose="02040503050406030204" pitchFamily="18" charset="0"/>
+                                      <a:ea typeface="Times New Roman" panose="02020603050405020304" pitchFamily="18" charset="0"/>
+                                      <a:cs typeface="Times New Roman" panose="02020603050405020304" pitchFamily="18" charset="0"/>
+                                    </a:rPr>
+                                    <m:t>𝐷</m:t>
+                                  </m:r>
+                                </m:e>
+                                <m:sub>
+                                  <m:r>
+                                    <a:rPr lang="sv-SE" sz="1800" i="1">
+                                      <a:latin typeface="Cambria Math" panose="02040503050406030204" pitchFamily="18" charset="0"/>
+                                      <a:ea typeface="Times New Roman" panose="02020603050405020304" pitchFamily="18" charset="0"/>
+                                      <a:cs typeface="Times New Roman" panose="02020603050405020304" pitchFamily="18" charset="0"/>
+                                    </a:rPr>
+                                    <m:t>11</m:t>
+                                  </m:r>
+                                </m:sub>
+                              </m:sSub>
+                            </m:e>
+                            <m:e>
+                              <m:sSub>
+                                <m:sSubPr>
+                                  <m:ctrlPr>
+                                    <a:rPr lang="sv-SE" sz="1800" i="1">
+                                      <a:latin typeface="Cambria Math" panose="02040503050406030204" pitchFamily="18" charset="0"/>
+                                      <a:ea typeface="Times New Roman" panose="02020603050405020304" pitchFamily="18" charset="0"/>
+                                      <a:cs typeface="Times New Roman" panose="02020603050405020304" pitchFamily="18" charset="0"/>
+                                    </a:rPr>
+                                  </m:ctrlPr>
+                                </m:sSubPr>
+                                <m:e>
+                                  <m:r>
+                                    <a:rPr lang="sv-SE" sz="1800" i="1">
+                                      <a:latin typeface="Cambria Math" panose="02040503050406030204" pitchFamily="18" charset="0"/>
+                                      <a:ea typeface="Times New Roman" panose="02020603050405020304" pitchFamily="18" charset="0"/>
+                                      <a:cs typeface="Times New Roman" panose="02020603050405020304" pitchFamily="18" charset="0"/>
+                                    </a:rPr>
+                                    <m:t>𝐷</m:t>
+                                  </m:r>
+                                </m:e>
+                                <m:sub>
+                                  <m:r>
+                                    <a:rPr lang="sv-SE" sz="1800" i="1">
+                                      <a:latin typeface="Cambria Math" panose="02040503050406030204" pitchFamily="18" charset="0"/>
+                                      <a:ea typeface="Times New Roman" panose="02020603050405020304" pitchFamily="18" charset="0"/>
+                                      <a:cs typeface="Times New Roman" panose="02020603050405020304" pitchFamily="18" charset="0"/>
+                                    </a:rPr>
+                                    <m:t>12</m:t>
+                                  </m:r>
+                                </m:sub>
+                              </m:sSub>
+                            </m:e>
+                            <m:e>
+                              <m:sSub>
+                                <m:sSubPr>
+                                  <m:ctrlPr>
+                                    <a:rPr lang="sv-SE" sz="1800" i="1">
+                                      <a:latin typeface="Cambria Math" panose="02040503050406030204" pitchFamily="18" charset="0"/>
+                                      <a:ea typeface="Times New Roman" panose="02020603050405020304" pitchFamily="18" charset="0"/>
+                                      <a:cs typeface="Times New Roman" panose="02020603050405020304" pitchFamily="18" charset="0"/>
+                                    </a:rPr>
+                                  </m:ctrlPr>
+                                </m:sSubPr>
+                                <m:e>
+                                  <m:r>
+                                    <a:rPr lang="sv-SE" sz="1800" i="1">
+                                      <a:latin typeface="Cambria Math" panose="02040503050406030204" pitchFamily="18" charset="0"/>
+                                      <a:ea typeface="Times New Roman" panose="02020603050405020304" pitchFamily="18" charset="0"/>
+                                      <a:cs typeface="Times New Roman" panose="02020603050405020304" pitchFamily="18" charset="0"/>
+                                    </a:rPr>
+                                    <m:t>𝐷</m:t>
+                                  </m:r>
+                                </m:e>
+                                <m:sub>
+                                  <m:r>
+                                    <a:rPr lang="sv-SE" sz="1800" i="1">
+                                      <a:latin typeface="Cambria Math" panose="02040503050406030204" pitchFamily="18" charset="0"/>
+                                      <a:ea typeface="Times New Roman" panose="02020603050405020304" pitchFamily="18" charset="0"/>
+                                      <a:cs typeface="Times New Roman" panose="02020603050405020304" pitchFamily="18" charset="0"/>
+                                    </a:rPr>
+                                    <m:t>13</m:t>
+                                  </m:r>
+                                </m:sub>
+                              </m:sSub>
+                            </m:e>
+                          </m:mr>
+                          <m:mr>
+                            <m:e>
+                              <m:sSub>
+                                <m:sSubPr>
+                                  <m:ctrlPr>
+                                    <a:rPr lang="sv-SE" sz="1800" i="1">
+                                      <a:latin typeface="Cambria Math" panose="02040503050406030204" pitchFamily="18" charset="0"/>
+                                      <a:ea typeface="Times New Roman" panose="02020603050405020304" pitchFamily="18" charset="0"/>
+                                      <a:cs typeface="Times New Roman" panose="02020603050405020304" pitchFamily="18" charset="0"/>
+                                    </a:rPr>
+                                  </m:ctrlPr>
+                                </m:sSubPr>
+                                <m:e>
+                                  <m:r>
+                                    <a:rPr lang="sv-SE" sz="1800" i="1">
+                                      <a:latin typeface="Cambria Math" panose="02040503050406030204" pitchFamily="18" charset="0"/>
+                                      <a:ea typeface="Times New Roman" panose="02020603050405020304" pitchFamily="18" charset="0"/>
+                                      <a:cs typeface="Times New Roman" panose="02020603050405020304" pitchFamily="18" charset="0"/>
+                                    </a:rPr>
+                                    <m:t>𝐷</m:t>
+                                  </m:r>
+                                </m:e>
+                                <m:sub>
+                                  <m:r>
+                                    <a:rPr lang="sv-SE" sz="1800" i="1">
+                                      <a:latin typeface="Cambria Math" panose="02040503050406030204" pitchFamily="18" charset="0"/>
+                                      <a:ea typeface="Times New Roman" panose="02020603050405020304" pitchFamily="18" charset="0"/>
+                                      <a:cs typeface="Times New Roman" panose="02020603050405020304" pitchFamily="18" charset="0"/>
+                                    </a:rPr>
+                                    <m:t>21</m:t>
+                                  </m:r>
+                                </m:sub>
+                              </m:sSub>
+                            </m:e>
+                            <m:e>
+                              <m:sSub>
+                                <m:sSubPr>
+                                  <m:ctrlPr>
+                                    <a:rPr lang="sv-SE" sz="1800" i="1">
+                                      <a:latin typeface="Cambria Math" panose="02040503050406030204" pitchFamily="18" charset="0"/>
+                                      <a:ea typeface="Times New Roman" panose="02020603050405020304" pitchFamily="18" charset="0"/>
+                                      <a:cs typeface="Times New Roman" panose="02020603050405020304" pitchFamily="18" charset="0"/>
+                                    </a:rPr>
+                                  </m:ctrlPr>
+                                </m:sSubPr>
+                                <m:e>
+                                  <m:r>
+                                    <a:rPr lang="sv-SE" sz="1800" i="1">
+                                      <a:latin typeface="Cambria Math" panose="02040503050406030204" pitchFamily="18" charset="0"/>
+                                      <a:ea typeface="Times New Roman" panose="02020603050405020304" pitchFamily="18" charset="0"/>
+                                      <a:cs typeface="Times New Roman" panose="02020603050405020304" pitchFamily="18" charset="0"/>
+                                    </a:rPr>
+                                    <m:t>𝐷</m:t>
+                                  </m:r>
+                                </m:e>
+                                <m:sub>
+                                  <m:r>
+                                    <a:rPr lang="sv-SE" sz="1800" i="1">
+                                      <a:latin typeface="Cambria Math" panose="02040503050406030204" pitchFamily="18" charset="0"/>
+                                      <a:ea typeface="Times New Roman" panose="02020603050405020304" pitchFamily="18" charset="0"/>
+                                      <a:cs typeface="Times New Roman" panose="02020603050405020304" pitchFamily="18" charset="0"/>
+                                    </a:rPr>
+                                    <m:t>22</m:t>
+                                  </m:r>
+                                </m:sub>
+                              </m:sSub>
+                            </m:e>
+                            <m:e>
+                              <m:sSub>
+                                <m:sSubPr>
+                                  <m:ctrlPr>
+                                    <a:rPr lang="sv-SE" sz="1800" i="1">
+                                      <a:latin typeface="Cambria Math" panose="02040503050406030204" pitchFamily="18" charset="0"/>
+                                      <a:ea typeface="Times New Roman" panose="02020603050405020304" pitchFamily="18" charset="0"/>
+                                      <a:cs typeface="Times New Roman" panose="02020603050405020304" pitchFamily="18" charset="0"/>
+                                    </a:rPr>
+                                  </m:ctrlPr>
+                                </m:sSubPr>
+                                <m:e>
+                                  <m:r>
+                                    <a:rPr lang="sv-SE" sz="1800" i="1">
+                                      <a:latin typeface="Cambria Math" panose="02040503050406030204" pitchFamily="18" charset="0"/>
+                                      <a:ea typeface="Times New Roman" panose="02020603050405020304" pitchFamily="18" charset="0"/>
+                                      <a:cs typeface="Times New Roman" panose="02020603050405020304" pitchFamily="18" charset="0"/>
+                                    </a:rPr>
+                                    <m:t>𝐷</m:t>
+                                  </m:r>
+                                </m:e>
+                                <m:sub>
+                                  <m:r>
+                                    <a:rPr lang="sv-SE" sz="1800" i="1">
+                                      <a:latin typeface="Cambria Math" panose="02040503050406030204" pitchFamily="18" charset="0"/>
+                                      <a:ea typeface="Times New Roman" panose="02020603050405020304" pitchFamily="18" charset="0"/>
+                                      <a:cs typeface="Times New Roman" panose="02020603050405020304" pitchFamily="18" charset="0"/>
+                                    </a:rPr>
+                                    <m:t>23</m:t>
+                                  </m:r>
+                                </m:sub>
+                              </m:sSub>
+                            </m:e>
+                          </m:mr>
+                          <m:mr>
+                            <m:e>
+                              <m:sSub>
+                                <m:sSubPr>
+                                  <m:ctrlPr>
+                                    <a:rPr lang="sv-SE" sz="1800" i="1">
+                                      <a:latin typeface="Cambria Math" panose="02040503050406030204" pitchFamily="18" charset="0"/>
+                                      <a:ea typeface="Times New Roman" panose="02020603050405020304" pitchFamily="18" charset="0"/>
+                                      <a:cs typeface="Times New Roman" panose="02020603050405020304" pitchFamily="18" charset="0"/>
+                                    </a:rPr>
+                                  </m:ctrlPr>
+                                </m:sSubPr>
+                                <m:e>
+                                  <m:r>
+                                    <a:rPr lang="sv-SE" sz="1800" i="1">
+                                      <a:latin typeface="Cambria Math" panose="02040503050406030204" pitchFamily="18" charset="0"/>
+                                      <a:ea typeface="Times New Roman" panose="02020603050405020304" pitchFamily="18" charset="0"/>
+                                      <a:cs typeface="Times New Roman" panose="02020603050405020304" pitchFamily="18" charset="0"/>
+                                    </a:rPr>
+                                    <m:t>𝐷</m:t>
+                                  </m:r>
+                                </m:e>
+                                <m:sub>
+                                  <m:r>
+                                    <a:rPr lang="sv-SE" sz="1800" i="1">
+                                      <a:latin typeface="Cambria Math" panose="02040503050406030204" pitchFamily="18" charset="0"/>
+                                      <a:ea typeface="Times New Roman" panose="02020603050405020304" pitchFamily="18" charset="0"/>
+                                      <a:cs typeface="Times New Roman" panose="02020603050405020304" pitchFamily="18" charset="0"/>
+                                    </a:rPr>
+                                    <m:t>31</m:t>
+                                  </m:r>
+                                </m:sub>
+                              </m:sSub>
+                            </m:e>
+                            <m:e>
+                              <m:sSub>
+                                <m:sSubPr>
+                                  <m:ctrlPr>
+                                    <a:rPr lang="sv-SE" sz="1800" i="1">
+                                      <a:latin typeface="Cambria Math" panose="02040503050406030204" pitchFamily="18" charset="0"/>
+                                      <a:ea typeface="Times New Roman" panose="02020603050405020304" pitchFamily="18" charset="0"/>
+                                      <a:cs typeface="Times New Roman" panose="02020603050405020304" pitchFamily="18" charset="0"/>
+                                    </a:rPr>
+                                  </m:ctrlPr>
+                                </m:sSubPr>
+                                <m:e>
+                                  <m:r>
+                                    <a:rPr lang="sv-SE" sz="1800" i="1">
+                                      <a:latin typeface="Cambria Math" panose="02040503050406030204" pitchFamily="18" charset="0"/>
+                                      <a:ea typeface="Times New Roman" panose="02020603050405020304" pitchFamily="18" charset="0"/>
+                                      <a:cs typeface="Times New Roman" panose="02020603050405020304" pitchFamily="18" charset="0"/>
+                                    </a:rPr>
+                                    <m:t>𝐷</m:t>
+                                  </m:r>
+                                </m:e>
+                                <m:sub>
+                                  <m:r>
+                                    <a:rPr lang="sv-SE" sz="1800" i="1">
+                                      <a:latin typeface="Cambria Math" panose="02040503050406030204" pitchFamily="18" charset="0"/>
+                                      <a:ea typeface="Times New Roman" panose="02020603050405020304" pitchFamily="18" charset="0"/>
+                                      <a:cs typeface="Times New Roman" panose="02020603050405020304" pitchFamily="18" charset="0"/>
+                                    </a:rPr>
+                                    <m:t>32</m:t>
+                                  </m:r>
+                                </m:sub>
+                              </m:sSub>
+                            </m:e>
+                            <m:e>
+                              <m:sSub>
+                                <m:sSubPr>
+                                  <m:ctrlPr>
+                                    <a:rPr lang="sv-SE" sz="1800" i="1">
+                                      <a:latin typeface="Cambria Math" panose="02040503050406030204" pitchFamily="18" charset="0"/>
+                                      <a:ea typeface="Times New Roman" panose="02020603050405020304" pitchFamily="18" charset="0"/>
+                                      <a:cs typeface="Times New Roman" panose="02020603050405020304" pitchFamily="18" charset="0"/>
+                                    </a:rPr>
+                                  </m:ctrlPr>
+                                </m:sSubPr>
+                                <m:e>
+                                  <m:r>
+                                    <a:rPr lang="sv-SE" sz="1800" i="1">
+                                      <a:latin typeface="Cambria Math" panose="02040503050406030204" pitchFamily="18" charset="0"/>
+                                      <a:ea typeface="Times New Roman" panose="02020603050405020304" pitchFamily="18" charset="0"/>
+                                      <a:cs typeface="Times New Roman" panose="02020603050405020304" pitchFamily="18" charset="0"/>
+                                    </a:rPr>
+                                    <m:t>𝐷</m:t>
+                                  </m:r>
+                                </m:e>
+                                <m:sub>
+                                  <m:r>
+                                    <a:rPr lang="sv-SE" sz="1800" i="1">
+                                      <a:latin typeface="Cambria Math" panose="02040503050406030204" pitchFamily="18" charset="0"/>
+                                      <a:ea typeface="Times New Roman" panose="02020603050405020304" pitchFamily="18" charset="0"/>
+                                      <a:cs typeface="Times New Roman" panose="02020603050405020304" pitchFamily="18" charset="0"/>
+                                    </a:rPr>
+                                    <m:t>33</m:t>
+                                  </m:r>
+                                </m:sub>
+                              </m:sSub>
+                            </m:e>
+                          </m:mr>
+                        </m:m>
+                      </m:e>
+                    </m:d>
+                  </m:oMath>
+                </a14:m>
+                <a:endParaRPr lang="sv-SE" sz="1800" dirty="0">
+                  <a:latin typeface="Calibri" panose="020F0502020204030204" pitchFamily="34" charset="0"/>
+                  <a:ea typeface="Calibri" panose="020F0502020204030204" pitchFamily="34" charset="0"/>
+                  <a:cs typeface="Times New Roman" panose="02020603050405020304" pitchFamily="18" charset="0"/>
+                </a:endParaRPr>
+              </a:p>
+              <a:p>
+                <a14:m>
+                  <m:oMath xmlns:m="http://schemas.openxmlformats.org/officeDocument/2006/math">
+                    <m:acc>
+                      <m:accPr>
+                        <m:chr m:val="̅"/>
+                        <m:ctrlPr>
+                          <a:rPr lang="sv-SE" sz="1800" i="1">
+                            <a:latin typeface="Cambria Math" panose="02040503050406030204" pitchFamily="18" charset="0"/>
+                            <a:ea typeface="Times New Roman" panose="02020603050405020304" pitchFamily="18" charset="0"/>
+                            <a:cs typeface="Times New Roman" panose="02020603050405020304" pitchFamily="18" charset="0"/>
+                          </a:rPr>
+                        </m:ctrlPr>
+                      </m:accPr>
+                      <m:e>
+                        <m:r>
+                          <a:rPr lang="sv-SE" sz="1800" i="1">
+                            <a:latin typeface="Cambria Math" panose="02040503050406030204" pitchFamily="18" charset="0"/>
+                            <a:ea typeface="Times New Roman" panose="02020603050405020304" pitchFamily="18" charset="0"/>
+                            <a:cs typeface="Times New Roman" panose="02020603050405020304" pitchFamily="18" charset="0"/>
+                          </a:rPr>
+                          <m:t>𝜖</m:t>
+                        </m:r>
+                      </m:e>
+                    </m:acc>
+                    <m:r>
+                      <a:rPr lang="sv-SE" sz="1800" i="1">
+                        <a:latin typeface="Cambria Math" panose="02040503050406030204" pitchFamily="18" charset="0"/>
+                        <a:ea typeface="Times New Roman" panose="02020603050405020304" pitchFamily="18" charset="0"/>
+                        <a:cs typeface="Times New Roman" panose="02020603050405020304" pitchFamily="18" charset="0"/>
+                      </a:rPr>
+                      <m:t>=</m:t>
+                    </m:r>
+                    <m:r>
+                      <a:rPr lang="sv-SE" sz="1800" i="1">
+                        <a:latin typeface="Cambria Math" panose="02040503050406030204" pitchFamily="18" charset="0"/>
+                        <a:ea typeface="Times New Roman" panose="02020603050405020304" pitchFamily="18" charset="0"/>
+                        <a:cs typeface="Times New Roman" panose="02020603050405020304" pitchFamily="18" charset="0"/>
+                      </a:rPr>
+                      <m:t>𝐷</m:t>
+                    </m:r>
+                    <m:acc>
+                      <m:accPr>
+                        <m:chr m:val="̅"/>
+                        <m:ctrlPr>
+                          <a:rPr lang="sv-SE" sz="1800" i="1">
+                            <a:latin typeface="Cambria Math" panose="02040503050406030204" pitchFamily="18" charset="0"/>
+                            <a:ea typeface="Times New Roman" panose="02020603050405020304" pitchFamily="18" charset="0"/>
+                            <a:cs typeface="Times New Roman" panose="02020603050405020304" pitchFamily="18" charset="0"/>
+                          </a:rPr>
+                        </m:ctrlPr>
+                      </m:accPr>
+                      <m:e>
+                        <m:r>
+                          <a:rPr lang="sv-SE" sz="1800" i="1">
+                            <a:latin typeface="Cambria Math" panose="02040503050406030204" pitchFamily="18" charset="0"/>
+                            <a:ea typeface="Times New Roman" panose="02020603050405020304" pitchFamily="18" charset="0"/>
+                            <a:cs typeface="Times New Roman" panose="02020603050405020304" pitchFamily="18" charset="0"/>
+                          </a:rPr>
+                          <m:t>𝜎</m:t>
+                        </m:r>
+                      </m:e>
+                    </m:acc>
+                  </m:oMath>
+                </a14:m>
+                <a:r>
+                  <a:rPr lang="sv-SE" sz="1800" dirty="0">
+                    <a:latin typeface="Calibri" panose="020F0502020204030204" pitchFamily="34" charset="0"/>
+                    <a:ea typeface="Calibri" panose="020F0502020204030204" pitchFamily="34" charset="0"/>
+                    <a:cs typeface="Times New Roman" panose="02020603050405020304" pitchFamily="18" charset="0"/>
+                  </a:rPr>
+                  <a:t> = </a:t>
+                </a:r>
+                <a14:m>
+                  <m:oMath xmlns:m="http://schemas.openxmlformats.org/officeDocument/2006/math">
+                    <m:d>
+                      <m:dPr>
+                        <m:begChr m:val="["/>
+                        <m:endChr m:val="]"/>
+                        <m:ctrlPr>
+                          <a:rPr lang="sv-SE" sz="1800" i="1">
+                            <a:latin typeface="Cambria Math" panose="02040503050406030204" pitchFamily="18" charset="0"/>
+                            <a:ea typeface="Times New Roman" panose="02020603050405020304" pitchFamily="18" charset="0"/>
+                            <a:cs typeface="Times New Roman" panose="02020603050405020304" pitchFamily="18" charset="0"/>
+                          </a:rPr>
+                        </m:ctrlPr>
+                      </m:dPr>
+                      <m:e>
+                        <m:m>
+                          <m:mPr>
+                            <m:mcs>
+                              <m:mc>
+                                <m:mcPr>
+                                  <m:count m:val="1"/>
+                                  <m:mcJc m:val="center"/>
+                                </m:mcPr>
+                              </m:mc>
+                            </m:mcs>
+                            <m:ctrlPr>
+                              <a:rPr lang="sv-SE" sz="1800" i="1">
+                                <a:latin typeface="Cambria Math" panose="02040503050406030204" pitchFamily="18" charset="0"/>
+                                <a:ea typeface="Times New Roman" panose="02020603050405020304" pitchFamily="18" charset="0"/>
+                                <a:cs typeface="Times New Roman" panose="02020603050405020304" pitchFamily="18" charset="0"/>
+                              </a:rPr>
+                            </m:ctrlPr>
+                          </m:mPr>
+                          <m:mr>
+                            <m:e>
+                              <m:r>
+                                <a:rPr lang="sv-SE" sz="1800" i="1">
+                                  <a:latin typeface="Cambria Math" panose="02040503050406030204" pitchFamily="18" charset="0"/>
+                                  <a:ea typeface="Times New Roman" panose="02020603050405020304" pitchFamily="18" charset="0"/>
+                                  <a:cs typeface="Times New Roman" panose="02020603050405020304" pitchFamily="18" charset="0"/>
+                                </a:rPr>
+                                <m:t>0</m:t>
+                              </m:r>
+                            </m:e>
+                          </m:mr>
+                          <m:mr>
+                            <m:e>
+                              <m:r>
+                                <a:rPr lang="sv-SE" sz="1800" i="1">
+                                  <a:latin typeface="Cambria Math" panose="02040503050406030204" pitchFamily="18" charset="0"/>
+                                  <a:ea typeface="Times New Roman" panose="02020603050405020304" pitchFamily="18" charset="0"/>
+                                  <a:cs typeface="Times New Roman" panose="02020603050405020304" pitchFamily="18" charset="0"/>
+                                </a:rPr>
+                                <m:t>0</m:t>
+                              </m:r>
+                              <m:r>
+                                <a:rPr lang="sv-SE" sz="1800" b="0" i="1" smtClean="0">
+                                  <a:latin typeface="Cambria Math" panose="02040503050406030204" pitchFamily="18" charset="0"/>
+                                  <a:ea typeface="Times New Roman" panose="02020603050405020304" pitchFamily="18" charset="0"/>
+                                  <a:cs typeface="Times New Roman" panose="02020603050405020304" pitchFamily="18" charset="0"/>
+                                </a:rPr>
+                                <m:t>.04</m:t>
+                              </m:r>
+                            </m:e>
+                          </m:mr>
+                          <m:mr>
+                            <m:e>
+                              <m:r>
+                                <a:rPr lang="sv-SE" sz="1800" i="1">
+                                  <a:latin typeface="Cambria Math" panose="02040503050406030204" pitchFamily="18" charset="0"/>
+                                  <a:ea typeface="Times New Roman" panose="02020603050405020304" pitchFamily="18" charset="0"/>
+                                  <a:cs typeface="Times New Roman" panose="02020603050405020304" pitchFamily="18" charset="0"/>
+                                </a:rPr>
+                                <m:t>0</m:t>
+                              </m:r>
+                            </m:e>
+                          </m:mr>
+                        </m:m>
+                      </m:e>
+                    </m:d>
+                  </m:oMath>
+                </a14:m>
+                <a:r>
+                  <a:rPr lang="sv-SE" sz="1800" dirty="0">
+                    <a:latin typeface="Calibri" panose="020F0502020204030204" pitchFamily="34" charset="0"/>
+                    <a:ea typeface="Calibri" panose="020F0502020204030204" pitchFamily="34" charset="0"/>
+                    <a:cs typeface="Times New Roman" panose="02020603050405020304" pitchFamily="18" charset="0"/>
+                  </a:rPr>
+                  <a:t> = </a:t>
+                </a:r>
+                <a14:m>
+                  <m:oMath xmlns:m="http://schemas.openxmlformats.org/officeDocument/2006/math">
+                    <m:d>
+                      <m:dPr>
+                        <m:begChr m:val="["/>
+                        <m:endChr m:val="]"/>
+                        <m:ctrlPr>
+                          <a:rPr lang="sv-SE" sz="1800" i="1">
+                            <a:latin typeface="Cambria Math" panose="02040503050406030204" pitchFamily="18" charset="0"/>
+                          </a:rPr>
+                        </m:ctrlPr>
+                      </m:dPr>
+                      <m:e>
+                        <m:m>
+                          <m:mPr>
+                            <m:mcs>
+                              <m:mc>
+                                <m:mcPr>
+                                  <m:count m:val="1"/>
+                                  <m:mcJc m:val="center"/>
+                                </m:mcPr>
+                              </m:mc>
+                            </m:mcs>
+                            <m:ctrlPr>
+                              <a:rPr lang="sv-SE" sz="1800" i="1">
+                                <a:latin typeface="Cambria Math" panose="02040503050406030204" pitchFamily="18" charset="0"/>
+                              </a:rPr>
+                            </m:ctrlPr>
+                          </m:mPr>
+                          <m:mr>
+                            <m:e>
+                              <m:sSub>
+                                <m:sSubPr>
+                                  <m:ctrlPr>
+                                    <a:rPr lang="sv-SE" sz="1800" i="1">
+                                      <a:latin typeface="Cambria Math" panose="02040503050406030204" pitchFamily="18" charset="0"/>
+                                    </a:rPr>
+                                  </m:ctrlPr>
+                                </m:sSubPr>
+                                <m:e>
+                                  <m:r>
+                                    <a:rPr lang="sv-SE" sz="1800" i="1">
+                                      <a:latin typeface="Cambria Math" panose="02040503050406030204" pitchFamily="18" charset="0"/>
+                                    </a:rPr>
+                                    <m:t>𝐷</m:t>
+                                  </m:r>
+                                </m:e>
+                                <m:sub>
+                                  <m:r>
+                                    <a:rPr lang="sv-SE" sz="1800" i="1">
+                                      <a:latin typeface="Cambria Math" panose="02040503050406030204" pitchFamily="18" charset="0"/>
+                                    </a:rPr>
+                                    <m:t>11</m:t>
+                                  </m:r>
+                                </m:sub>
+                              </m:sSub>
+                              <m:sSub>
+                                <m:sSubPr>
+                                  <m:ctrlPr>
+                                    <a:rPr lang="sv-SE" sz="1800" i="1">
+                                      <a:latin typeface="Cambria Math" panose="02040503050406030204" pitchFamily="18" charset="0"/>
+                                    </a:rPr>
+                                  </m:ctrlPr>
+                                </m:sSubPr>
+                                <m:e>
+                                  <m:r>
+                                    <a:rPr lang="sv-SE" sz="1800" i="1">
+                                      <a:latin typeface="Cambria Math" panose="02040503050406030204" pitchFamily="18" charset="0"/>
+                                    </a:rPr>
+                                    <m:t>𝜎</m:t>
+                                  </m:r>
+                                </m:e>
+                                <m:sub>
+                                  <m:r>
+                                    <a:rPr lang="sv-SE" sz="1800" i="1">
+                                      <a:latin typeface="Cambria Math" panose="02040503050406030204" pitchFamily="18" charset="0"/>
+                                    </a:rPr>
+                                    <m:t>1</m:t>
+                                  </m:r>
+                                  <m:r>
+                                    <a:rPr lang="sv-SE" sz="1800" b="0" i="1" smtClean="0">
+                                      <a:latin typeface="Cambria Math" panose="02040503050406030204" pitchFamily="18" charset="0"/>
+                                    </a:rPr>
+                                    <m:t>2</m:t>
+                                  </m:r>
+                                </m:sub>
+                              </m:sSub>
+                              <m:r>
+                                <a:rPr lang="sv-SE" sz="1800" i="1">
+                                  <a:latin typeface="Cambria Math" panose="02040503050406030204" pitchFamily="18" charset="0"/>
+                                </a:rPr>
+                                <m:t> +</m:t>
+                              </m:r>
+                              <m:sSub>
+                                <m:sSubPr>
+                                  <m:ctrlPr>
+                                    <a:rPr lang="sv-SE" sz="1800" i="1">
+                                      <a:latin typeface="Cambria Math" panose="02040503050406030204" pitchFamily="18" charset="0"/>
+                                    </a:rPr>
+                                  </m:ctrlPr>
+                                </m:sSubPr>
+                                <m:e>
+                                  <m:r>
+                                    <a:rPr lang="sv-SE" sz="1800" i="1">
+                                      <a:latin typeface="Cambria Math" panose="02040503050406030204" pitchFamily="18" charset="0"/>
+                                    </a:rPr>
+                                    <m:t>𝐷</m:t>
+                                  </m:r>
+                                </m:e>
+                                <m:sub>
+                                  <m:r>
+                                    <a:rPr lang="sv-SE" sz="1800" i="1">
+                                      <a:latin typeface="Cambria Math" panose="02040503050406030204" pitchFamily="18" charset="0"/>
+                                    </a:rPr>
+                                    <m:t>12</m:t>
+                                  </m:r>
+                                </m:sub>
+                              </m:sSub>
+                              <m:r>
+                                <a:rPr lang="sv-SE" sz="1800" i="1">
+                                  <a:latin typeface="Cambria Math" panose="02040503050406030204" pitchFamily="18" charset="0"/>
+                                </a:rPr>
+                                <m:t> </m:t>
+                              </m:r>
+                              <m:sSub>
+                                <m:sSubPr>
+                                  <m:ctrlPr>
+                                    <a:rPr lang="sv-SE" sz="1800" i="1">
+                                      <a:latin typeface="Cambria Math" panose="02040503050406030204" pitchFamily="18" charset="0"/>
+                                    </a:rPr>
+                                  </m:ctrlPr>
+                                </m:sSubPr>
+                                <m:e>
+                                  <m:r>
+                                    <a:rPr lang="sv-SE" sz="1800" i="1">
+                                      <a:latin typeface="Cambria Math" panose="02040503050406030204" pitchFamily="18" charset="0"/>
+                                    </a:rPr>
+                                    <m:t>𝜎</m:t>
+                                  </m:r>
+                                </m:e>
+                                <m:sub>
+                                  <m:r>
+                                    <a:rPr lang="sv-SE" sz="1800" i="1">
+                                      <a:latin typeface="Cambria Math" panose="02040503050406030204" pitchFamily="18" charset="0"/>
+                                    </a:rPr>
+                                    <m:t>2</m:t>
+                                  </m:r>
+                                  <m:r>
+                                    <a:rPr lang="sv-SE" sz="1800" b="0" i="1" smtClean="0">
+                                      <a:latin typeface="Cambria Math" panose="02040503050406030204" pitchFamily="18" charset="0"/>
+                                    </a:rPr>
+                                    <m:t>2</m:t>
+                                  </m:r>
+                                </m:sub>
+                              </m:sSub>
+                              <m:r>
+                                <a:rPr lang="sv-SE" sz="1800" i="1">
+                                  <a:latin typeface="Cambria Math" panose="02040503050406030204" pitchFamily="18" charset="0"/>
+                                </a:rPr>
+                                <m:t>+</m:t>
+                              </m:r>
+                              <m:sSub>
+                                <m:sSubPr>
+                                  <m:ctrlPr>
+                                    <a:rPr lang="sv-SE" sz="1800" i="1">
+                                      <a:latin typeface="Cambria Math" panose="02040503050406030204" pitchFamily="18" charset="0"/>
+                                    </a:rPr>
+                                  </m:ctrlPr>
+                                </m:sSubPr>
+                                <m:e>
+                                  <m:r>
+                                    <a:rPr lang="sv-SE" sz="1800" i="1">
+                                      <a:latin typeface="Cambria Math" panose="02040503050406030204" pitchFamily="18" charset="0"/>
+                                    </a:rPr>
+                                    <m:t>𝐷</m:t>
+                                  </m:r>
+                                </m:e>
+                                <m:sub>
+                                  <m:r>
+                                    <a:rPr lang="sv-SE" sz="1800" i="1">
+                                      <a:latin typeface="Cambria Math" panose="02040503050406030204" pitchFamily="18" charset="0"/>
+                                    </a:rPr>
+                                    <m:t>13</m:t>
+                                  </m:r>
+                                </m:sub>
+                              </m:sSub>
+                              <m:sSub>
+                                <m:sSubPr>
+                                  <m:ctrlPr>
+                                    <a:rPr lang="sv-SE" sz="1800" i="1">
+                                      <a:latin typeface="Cambria Math" panose="02040503050406030204" pitchFamily="18" charset="0"/>
+                                    </a:rPr>
+                                  </m:ctrlPr>
+                                </m:sSubPr>
+                                <m:e>
+                                  <m:r>
+                                    <a:rPr lang="sv-SE" sz="1800" i="1">
+                                      <a:latin typeface="Cambria Math" panose="02040503050406030204" pitchFamily="18" charset="0"/>
+                                    </a:rPr>
+                                    <m:t>𝜎</m:t>
+                                  </m:r>
+                                </m:e>
+                                <m:sub>
+                                  <m:r>
+                                    <a:rPr lang="sv-SE" sz="1800" i="1">
+                                      <a:latin typeface="Cambria Math" panose="02040503050406030204" pitchFamily="18" charset="0"/>
+                                    </a:rPr>
+                                    <m:t>3</m:t>
+                                  </m:r>
+                                  <m:r>
+                                    <a:rPr lang="sv-SE" sz="1800" b="0" i="1" smtClean="0">
+                                      <a:latin typeface="Cambria Math" panose="02040503050406030204" pitchFamily="18" charset="0"/>
+                                    </a:rPr>
+                                    <m:t>2</m:t>
+                                  </m:r>
+                                </m:sub>
+                              </m:sSub>
+                            </m:e>
+                          </m:mr>
+                          <m:mr>
+                            <m:e>
+                              <m:sSub>
+                                <m:sSubPr>
+                                  <m:ctrlPr>
+                                    <a:rPr lang="sv-SE" sz="1800" i="1">
+                                      <a:latin typeface="Cambria Math" panose="02040503050406030204" pitchFamily="18" charset="0"/>
+                                    </a:rPr>
+                                  </m:ctrlPr>
+                                </m:sSubPr>
+                                <m:e>
+                                  <m:r>
+                                    <a:rPr lang="sv-SE" sz="1800" i="1">
+                                      <a:latin typeface="Cambria Math" panose="02040503050406030204" pitchFamily="18" charset="0"/>
+                                    </a:rPr>
+                                    <m:t>𝐷</m:t>
+                                  </m:r>
+                                </m:e>
+                                <m:sub>
+                                  <m:r>
+                                    <a:rPr lang="sv-SE" sz="1800" i="1">
+                                      <a:latin typeface="Cambria Math" panose="02040503050406030204" pitchFamily="18" charset="0"/>
+                                    </a:rPr>
+                                    <m:t>21</m:t>
+                                  </m:r>
+                                </m:sub>
+                              </m:sSub>
+                              <m:sSub>
+                                <m:sSubPr>
+                                  <m:ctrlPr>
+                                    <a:rPr lang="sv-SE" sz="1800" i="1">
+                                      <a:latin typeface="Cambria Math" panose="02040503050406030204" pitchFamily="18" charset="0"/>
+                                    </a:rPr>
+                                  </m:ctrlPr>
+                                </m:sSubPr>
+                                <m:e>
+                                  <m:r>
+                                    <a:rPr lang="sv-SE" sz="1800" i="1">
+                                      <a:latin typeface="Cambria Math" panose="02040503050406030204" pitchFamily="18" charset="0"/>
+                                    </a:rPr>
+                                    <m:t>𝜎</m:t>
+                                  </m:r>
+                                </m:e>
+                                <m:sub>
+                                  <m:r>
+                                    <a:rPr lang="sv-SE" sz="1800" i="1">
+                                      <a:latin typeface="Cambria Math" panose="02040503050406030204" pitchFamily="18" charset="0"/>
+                                    </a:rPr>
+                                    <m:t>1</m:t>
+                                  </m:r>
+                                  <m:r>
+                                    <a:rPr lang="sv-SE" sz="1800" b="0" i="1" smtClean="0">
+                                      <a:latin typeface="Cambria Math" panose="02040503050406030204" pitchFamily="18" charset="0"/>
+                                    </a:rPr>
+                                    <m:t>2</m:t>
+                                  </m:r>
+                                </m:sub>
+                              </m:sSub>
+                              <m:r>
+                                <a:rPr lang="sv-SE" sz="1800" i="1">
+                                  <a:latin typeface="Cambria Math" panose="02040503050406030204" pitchFamily="18" charset="0"/>
+                                </a:rPr>
+                                <m:t> +</m:t>
+                              </m:r>
+                              <m:sSub>
+                                <m:sSubPr>
+                                  <m:ctrlPr>
+                                    <a:rPr lang="sv-SE" sz="1800" i="1">
+                                      <a:latin typeface="Cambria Math" panose="02040503050406030204" pitchFamily="18" charset="0"/>
+                                    </a:rPr>
+                                  </m:ctrlPr>
+                                </m:sSubPr>
+                                <m:e>
+                                  <m:r>
+                                    <a:rPr lang="sv-SE" sz="1800" i="1">
+                                      <a:latin typeface="Cambria Math" panose="02040503050406030204" pitchFamily="18" charset="0"/>
+                                    </a:rPr>
+                                    <m:t>𝐷</m:t>
+                                  </m:r>
+                                </m:e>
+                                <m:sub>
+                                  <m:r>
+                                    <a:rPr lang="sv-SE" sz="1800" i="1">
+                                      <a:latin typeface="Cambria Math" panose="02040503050406030204" pitchFamily="18" charset="0"/>
+                                    </a:rPr>
+                                    <m:t>22</m:t>
+                                  </m:r>
+                                </m:sub>
+                              </m:sSub>
+                              <m:r>
+                                <a:rPr lang="sv-SE" sz="1800" i="1">
+                                  <a:latin typeface="Cambria Math" panose="02040503050406030204" pitchFamily="18" charset="0"/>
+                                </a:rPr>
+                                <m:t> </m:t>
+                              </m:r>
+                              <m:sSub>
+                                <m:sSubPr>
+                                  <m:ctrlPr>
+                                    <a:rPr lang="sv-SE" sz="1800" i="1">
+                                      <a:latin typeface="Cambria Math" panose="02040503050406030204" pitchFamily="18" charset="0"/>
+                                    </a:rPr>
+                                  </m:ctrlPr>
+                                </m:sSubPr>
+                                <m:e>
+                                  <m:r>
+                                    <a:rPr lang="sv-SE" sz="1800" i="1">
+                                      <a:latin typeface="Cambria Math" panose="02040503050406030204" pitchFamily="18" charset="0"/>
+                                    </a:rPr>
+                                    <m:t>𝜎</m:t>
+                                  </m:r>
+                                </m:e>
+                                <m:sub>
+                                  <m:r>
+                                    <a:rPr lang="sv-SE" sz="1800" i="1">
+                                      <a:latin typeface="Cambria Math" panose="02040503050406030204" pitchFamily="18" charset="0"/>
+                                    </a:rPr>
+                                    <m:t>2</m:t>
+                                  </m:r>
+                                  <m:r>
+                                    <a:rPr lang="sv-SE" sz="1800" b="0" i="1" smtClean="0">
+                                      <a:latin typeface="Cambria Math" panose="02040503050406030204" pitchFamily="18" charset="0"/>
+                                    </a:rPr>
+                                    <m:t>2</m:t>
+                                  </m:r>
+                                </m:sub>
+                              </m:sSub>
+                              <m:r>
+                                <a:rPr lang="sv-SE" sz="1800" i="1">
+                                  <a:latin typeface="Cambria Math" panose="02040503050406030204" pitchFamily="18" charset="0"/>
+                                </a:rPr>
+                                <m:t>+</m:t>
+                              </m:r>
+                              <m:sSub>
+                                <m:sSubPr>
+                                  <m:ctrlPr>
+                                    <a:rPr lang="sv-SE" sz="1800" i="1">
+                                      <a:latin typeface="Cambria Math" panose="02040503050406030204" pitchFamily="18" charset="0"/>
+                                    </a:rPr>
+                                  </m:ctrlPr>
+                                </m:sSubPr>
+                                <m:e>
+                                  <m:r>
+                                    <a:rPr lang="sv-SE" sz="1800" i="1">
+                                      <a:latin typeface="Cambria Math" panose="02040503050406030204" pitchFamily="18" charset="0"/>
+                                    </a:rPr>
+                                    <m:t>𝐷</m:t>
+                                  </m:r>
+                                </m:e>
+                                <m:sub>
+                                  <m:r>
+                                    <a:rPr lang="sv-SE" sz="1800" i="1">
+                                      <a:latin typeface="Cambria Math" panose="02040503050406030204" pitchFamily="18" charset="0"/>
+                                    </a:rPr>
+                                    <m:t>23</m:t>
+                                  </m:r>
+                                </m:sub>
+                              </m:sSub>
+                              <m:sSub>
+                                <m:sSubPr>
+                                  <m:ctrlPr>
+                                    <a:rPr lang="sv-SE" sz="1800" i="1">
+                                      <a:latin typeface="Cambria Math" panose="02040503050406030204" pitchFamily="18" charset="0"/>
+                                    </a:rPr>
+                                  </m:ctrlPr>
+                                </m:sSubPr>
+                                <m:e>
+                                  <m:r>
+                                    <a:rPr lang="sv-SE" sz="1800" i="1">
+                                      <a:latin typeface="Cambria Math" panose="02040503050406030204" pitchFamily="18" charset="0"/>
+                                    </a:rPr>
+                                    <m:t>𝜎</m:t>
+                                  </m:r>
+                                </m:e>
+                                <m:sub>
+                                  <m:r>
+                                    <a:rPr lang="sv-SE" sz="1800" i="1">
+                                      <a:latin typeface="Cambria Math" panose="02040503050406030204" pitchFamily="18" charset="0"/>
+                                    </a:rPr>
+                                    <m:t>3</m:t>
+                                  </m:r>
+                                  <m:r>
+                                    <a:rPr lang="sv-SE" sz="1800" b="0" i="1" smtClean="0">
+                                      <a:latin typeface="Cambria Math" panose="02040503050406030204" pitchFamily="18" charset="0"/>
+                                    </a:rPr>
+                                    <m:t>2</m:t>
+                                  </m:r>
+                                </m:sub>
+                              </m:sSub>
+                            </m:e>
+                          </m:mr>
+                          <m:mr>
+                            <m:e>
+                              <m:sSub>
+                                <m:sSubPr>
+                                  <m:ctrlPr>
+                                    <a:rPr lang="sv-SE" sz="1800" i="1">
+                                      <a:latin typeface="Cambria Math" panose="02040503050406030204" pitchFamily="18" charset="0"/>
+                                    </a:rPr>
+                                  </m:ctrlPr>
+                                </m:sSubPr>
+                                <m:e>
+                                  <m:r>
+                                    <a:rPr lang="sv-SE" sz="1800" i="1">
+                                      <a:latin typeface="Cambria Math" panose="02040503050406030204" pitchFamily="18" charset="0"/>
+                                    </a:rPr>
+                                    <m:t>𝐷</m:t>
+                                  </m:r>
+                                </m:e>
+                                <m:sub>
+                                  <m:r>
+                                    <a:rPr lang="sv-SE" sz="1800" i="1">
+                                      <a:latin typeface="Cambria Math" panose="02040503050406030204" pitchFamily="18" charset="0"/>
+                                    </a:rPr>
+                                    <m:t>31</m:t>
+                                  </m:r>
+                                </m:sub>
+                              </m:sSub>
+                              <m:sSub>
+                                <m:sSubPr>
+                                  <m:ctrlPr>
+                                    <a:rPr lang="sv-SE" sz="1800" i="1">
+                                      <a:latin typeface="Cambria Math" panose="02040503050406030204" pitchFamily="18" charset="0"/>
+                                    </a:rPr>
+                                  </m:ctrlPr>
+                                </m:sSubPr>
+                                <m:e>
+                                  <m:r>
+                                    <a:rPr lang="sv-SE" sz="1800" i="1">
+                                      <a:latin typeface="Cambria Math" panose="02040503050406030204" pitchFamily="18" charset="0"/>
+                                    </a:rPr>
+                                    <m:t>𝜎</m:t>
+                                  </m:r>
+                                </m:e>
+                                <m:sub>
+                                  <m:r>
+                                    <a:rPr lang="sv-SE" sz="1800" i="1">
+                                      <a:latin typeface="Cambria Math" panose="02040503050406030204" pitchFamily="18" charset="0"/>
+                                    </a:rPr>
+                                    <m:t>1</m:t>
+                                  </m:r>
+                                  <m:r>
+                                    <a:rPr lang="sv-SE" sz="1800" b="0" i="1" smtClean="0">
+                                      <a:latin typeface="Cambria Math" panose="02040503050406030204" pitchFamily="18" charset="0"/>
+                                    </a:rPr>
+                                    <m:t>2</m:t>
+                                  </m:r>
+                                </m:sub>
+                              </m:sSub>
+                              <m:r>
+                                <a:rPr lang="sv-SE" sz="1800" i="1">
+                                  <a:latin typeface="Cambria Math" panose="02040503050406030204" pitchFamily="18" charset="0"/>
+                                </a:rPr>
+                                <m:t> +</m:t>
+                              </m:r>
+                              <m:sSub>
+                                <m:sSubPr>
+                                  <m:ctrlPr>
+                                    <a:rPr lang="sv-SE" sz="1800" i="1">
+                                      <a:latin typeface="Cambria Math" panose="02040503050406030204" pitchFamily="18" charset="0"/>
+                                    </a:rPr>
+                                  </m:ctrlPr>
+                                </m:sSubPr>
+                                <m:e>
+                                  <m:r>
+                                    <a:rPr lang="sv-SE" sz="1800" i="1">
+                                      <a:latin typeface="Cambria Math" panose="02040503050406030204" pitchFamily="18" charset="0"/>
+                                    </a:rPr>
+                                    <m:t>𝐷</m:t>
+                                  </m:r>
+                                </m:e>
+                                <m:sub>
+                                  <m:r>
+                                    <a:rPr lang="sv-SE" sz="1800" i="1">
+                                      <a:latin typeface="Cambria Math" panose="02040503050406030204" pitchFamily="18" charset="0"/>
+                                    </a:rPr>
+                                    <m:t>32</m:t>
+                                  </m:r>
+                                </m:sub>
+                              </m:sSub>
+                              <m:r>
+                                <a:rPr lang="sv-SE" sz="1800" i="1">
+                                  <a:latin typeface="Cambria Math" panose="02040503050406030204" pitchFamily="18" charset="0"/>
+                                </a:rPr>
+                                <m:t> </m:t>
+                              </m:r>
+                              <m:sSub>
+                                <m:sSubPr>
+                                  <m:ctrlPr>
+                                    <a:rPr lang="sv-SE" sz="1800" i="1">
+                                      <a:latin typeface="Cambria Math" panose="02040503050406030204" pitchFamily="18" charset="0"/>
+                                    </a:rPr>
+                                  </m:ctrlPr>
+                                </m:sSubPr>
+                                <m:e>
+                                  <m:r>
+                                    <a:rPr lang="sv-SE" sz="1800" i="1">
+                                      <a:latin typeface="Cambria Math" panose="02040503050406030204" pitchFamily="18" charset="0"/>
+                                    </a:rPr>
+                                    <m:t>𝜎</m:t>
+                                  </m:r>
+                                </m:e>
+                                <m:sub>
+                                  <m:r>
+                                    <a:rPr lang="sv-SE" sz="1800" i="1">
+                                      <a:latin typeface="Cambria Math" panose="02040503050406030204" pitchFamily="18" charset="0"/>
+                                    </a:rPr>
+                                    <m:t>2</m:t>
+                                  </m:r>
+                                  <m:r>
+                                    <a:rPr lang="sv-SE" sz="1800" b="0" i="1" smtClean="0">
+                                      <a:latin typeface="Cambria Math" panose="02040503050406030204" pitchFamily="18" charset="0"/>
+                                    </a:rPr>
+                                    <m:t>2</m:t>
+                                  </m:r>
+                                </m:sub>
+                              </m:sSub>
+                              <m:r>
+                                <a:rPr lang="sv-SE" sz="1800" i="1">
+                                  <a:latin typeface="Cambria Math" panose="02040503050406030204" pitchFamily="18" charset="0"/>
+                                </a:rPr>
+                                <m:t>+</m:t>
+                              </m:r>
+                              <m:sSub>
+                                <m:sSubPr>
+                                  <m:ctrlPr>
+                                    <a:rPr lang="sv-SE" sz="1800" i="1">
+                                      <a:latin typeface="Cambria Math" panose="02040503050406030204" pitchFamily="18" charset="0"/>
+                                    </a:rPr>
+                                  </m:ctrlPr>
+                                </m:sSubPr>
+                                <m:e>
+                                  <m:r>
+                                    <a:rPr lang="sv-SE" sz="1800" i="1">
+                                      <a:latin typeface="Cambria Math" panose="02040503050406030204" pitchFamily="18" charset="0"/>
+                                    </a:rPr>
+                                    <m:t>𝐷</m:t>
+                                  </m:r>
+                                </m:e>
+                                <m:sub>
+                                  <m:r>
+                                    <a:rPr lang="sv-SE" sz="1800" i="1">
+                                      <a:latin typeface="Cambria Math" panose="02040503050406030204" pitchFamily="18" charset="0"/>
+                                    </a:rPr>
+                                    <m:t>33</m:t>
+                                  </m:r>
+                                </m:sub>
+                              </m:sSub>
+                              <m:sSub>
+                                <m:sSubPr>
+                                  <m:ctrlPr>
+                                    <a:rPr lang="sv-SE" sz="1800" i="1">
+                                      <a:latin typeface="Cambria Math" panose="02040503050406030204" pitchFamily="18" charset="0"/>
+                                    </a:rPr>
+                                  </m:ctrlPr>
+                                </m:sSubPr>
+                                <m:e>
+                                  <m:r>
+                                    <a:rPr lang="sv-SE" sz="1800" i="1">
+                                      <a:latin typeface="Cambria Math" panose="02040503050406030204" pitchFamily="18" charset="0"/>
+                                    </a:rPr>
+                                    <m:t>𝜎</m:t>
+                                  </m:r>
+                                </m:e>
+                                <m:sub>
+                                  <m:r>
+                                    <a:rPr lang="sv-SE" sz="1800" i="1">
+                                      <a:latin typeface="Cambria Math" panose="02040503050406030204" pitchFamily="18" charset="0"/>
+                                    </a:rPr>
+                                    <m:t>3</m:t>
+                                  </m:r>
+                                  <m:r>
+                                    <a:rPr lang="sv-SE" sz="1800" b="0" i="1" smtClean="0">
+                                      <a:latin typeface="Cambria Math" panose="02040503050406030204" pitchFamily="18" charset="0"/>
+                                    </a:rPr>
+                                    <m:t>2</m:t>
+                                  </m:r>
+                                </m:sub>
+                              </m:sSub>
                             </m:e>
                           </m:mr>
                         </m:m>
@@ -7247,7 +9383,7 @@
             </p:txBody>
           </p:sp>
         </mc:Choice>
-        <mc:Fallback>
+        <mc:Fallback xmlns="">
           <p:sp>
             <p:nvSpPr>
               <p:cNvPr id="3" name="Content Placeholder 2">
@@ -7272,7 +9408,7 @@
               <a:blipFill>
                 <a:blip r:embed="rId2"/>
                 <a:stretch>
-                  <a:fillRect l="-884" t="-605"/>
+                  <a:fillRect l="-631" t="-484"/>
                 </a:stretch>
               </a:blipFill>
             </p:spPr>
@@ -7291,8 +9427,8 @@
           </p:sp>
         </mc:Fallback>
       </mc:AlternateContent>
-      <mc:AlternateContent xmlns:mc="http://schemas.openxmlformats.org/markup-compatibility/2006">
-        <mc:Choice xmlns:a14="http://schemas.microsoft.com/office/drawing/2010/main" Requires="a14">
+      <mc:AlternateContent xmlns:mc="http://schemas.openxmlformats.org/markup-compatibility/2006" xmlns:a14="http://schemas.microsoft.com/office/drawing/2010/main">
+        <mc:Choice Requires="a14">
           <p:sp>
             <p:nvSpPr>
               <p:cNvPr id="4" name="TextBox 3">
@@ -7308,7 +9444,7 @@
             <p:spPr>
               <a:xfrm>
                 <a:off x="6096000" y="1825624"/>
-                <a:ext cx="4828674" cy="2484591"/>
+                <a:ext cx="4828674" cy="2862643"/>
               </a:xfrm>
               <a:prstGeom prst="rect">
                 <a:avLst/>
@@ -7331,8 +9467,7 @@
                       <m:accPr>
                         <m:chr m:val="̅"/>
                         <m:ctrlPr>
-                          <a:rPr lang="sv-SE" sz="1800" i="1" smtClean="0">
-                            <a:effectLst/>
+                          <a:rPr lang="sv-SE" i="1">
                             <a:latin typeface="Cambria Math" panose="02040503050406030204" pitchFamily="18" charset="0"/>
                             <a:ea typeface="Times New Roman" panose="02020603050405020304" pitchFamily="18" charset="0"/>
                             <a:cs typeface="Times New Roman" panose="02020603050405020304" pitchFamily="18" charset="0"/>
@@ -7341,8 +9476,7 @@
                       </m:accPr>
                       <m:e>
                         <m:r>
-                          <a:rPr lang="sv-SE" sz="1800" i="1">
-                            <a:effectLst/>
+                          <a:rPr lang="sv-SE" i="1">
                             <a:latin typeface="Cambria Math" panose="02040503050406030204" pitchFamily="18" charset="0"/>
                             <a:ea typeface="Times New Roman" panose="02020603050405020304" pitchFamily="18" charset="0"/>
                             <a:cs typeface="Times New Roman" panose="02020603050405020304" pitchFamily="18" charset="0"/>
@@ -7352,8 +9486,7 @@
                       </m:e>
                     </m:acc>
                     <m:r>
-                      <a:rPr lang="sv-SE" sz="1800" i="1">
-                        <a:effectLst/>
+                      <a:rPr lang="sv-SE" i="1">
                         <a:latin typeface="Cambria Math" panose="02040503050406030204" pitchFamily="18" charset="0"/>
                         <a:ea typeface="Times New Roman" panose="02020603050405020304" pitchFamily="18" charset="0"/>
                         <a:cs typeface="Times New Roman" panose="02020603050405020304" pitchFamily="18" charset="0"/>
@@ -7365,8 +9498,7 @@
                         <m:begChr m:val="["/>
                         <m:endChr m:val="]"/>
                         <m:ctrlPr>
-                          <a:rPr lang="sv-SE" sz="1800" i="1">
-                            <a:effectLst/>
+                          <a:rPr lang="sv-SE" i="1">
                             <a:latin typeface="Cambria Math" panose="02040503050406030204" pitchFamily="18" charset="0"/>
                             <a:ea typeface="Times New Roman" panose="02020603050405020304" pitchFamily="18" charset="0"/>
                             <a:cs typeface="Times New Roman" panose="02020603050405020304" pitchFamily="18" charset="0"/>
@@ -7385,8 +9517,7 @@
                               </m:mc>
                             </m:mcs>
                             <m:ctrlPr>
-                              <a:rPr lang="sv-SE" sz="1800" i="1">
-                                <a:effectLst/>
+                              <a:rPr lang="sv-SE" i="1" smtClean="0">
                                 <a:latin typeface="Cambria Math" panose="02040503050406030204" pitchFamily="18" charset="0"/>
                                 <a:ea typeface="Times New Roman" panose="02020603050405020304" pitchFamily="18" charset="0"/>
                                 <a:cs typeface="Times New Roman" panose="02020603050405020304" pitchFamily="18" charset="0"/>
@@ -7396,8 +9527,7 @@
                           <m:mr>
                             <m:e>
                               <m:r>
-                                <a:rPr lang="sv-SE" sz="1800" i="1">
-                                  <a:effectLst/>
+                                <a:rPr lang="sv-SE" i="1">
                                   <a:latin typeface="Cambria Math" panose="02040503050406030204" pitchFamily="18" charset="0"/>
                                   <a:ea typeface="Times New Roman" panose="02020603050405020304" pitchFamily="18" charset="0"/>
                                   <a:cs typeface="Times New Roman" panose="02020603050405020304" pitchFamily="18" charset="0"/>
@@ -7409,8 +9539,7 @@
                           <m:mr>
                             <m:e>
                               <m:r>
-                                <a:rPr lang="sv-SE" sz="1800" i="1">
-                                  <a:effectLst/>
+                                <a:rPr lang="sv-SE" i="1">
                                   <a:latin typeface="Cambria Math" panose="02040503050406030204" pitchFamily="18" charset="0"/>
                                   <a:ea typeface="Times New Roman" panose="02020603050405020304" pitchFamily="18" charset="0"/>
                                   <a:cs typeface="Times New Roman" panose="02020603050405020304" pitchFamily="18" charset="0"/>
@@ -7422,8 +9551,7 @@
                           <m:mr>
                             <m:e>
                               <m:r>
-                                <a:rPr lang="sv-SE" sz="1800" i="1">
-                                  <a:effectLst/>
+                                <a:rPr lang="sv-SE" i="1">
                                   <a:latin typeface="Cambria Math" panose="02040503050406030204" pitchFamily="18" charset="0"/>
                                   <a:ea typeface="Times New Roman" panose="02020603050405020304" pitchFamily="18" charset="0"/>
                                   <a:cs typeface="Times New Roman" panose="02020603050405020304" pitchFamily="18" charset="0"/>
@@ -7431,8 +9559,7 @@
                                 <m:t>0</m:t>
                               </m:r>
                               <m:r>
-                                <a:rPr lang="sv-SE" sz="1800" b="0" i="1" smtClean="0">
-                                  <a:effectLst/>
+                                <a:rPr lang="sv-SE" b="0" i="1" smtClean="0">
                                   <a:latin typeface="Cambria Math" panose="02040503050406030204" pitchFamily="18" charset="0"/>
                                   <a:ea typeface="Times New Roman" panose="02020603050405020304" pitchFamily="18" charset="0"/>
                                   <a:cs typeface="Times New Roman" panose="02020603050405020304" pitchFamily="18" charset="0"/>
@@ -7448,9 +9575,11 @@
                 </a14:m>
                 <a:r>
                   <a:rPr lang="sv-SE" dirty="0">
+                    <a:latin typeface="Calibri" panose="020F0502020204030204" pitchFamily="34" charset="0"/>
+                    <a:ea typeface="Calibri" panose="020F0502020204030204" pitchFamily="34" charset="0"/>
                     <a:cs typeface="Times New Roman" panose="02020603050405020304" pitchFamily="18" charset="0"/>
                   </a:rPr>
-                  <a:t> </a:t>
+                  <a:t>, </a:t>
                 </a:r>
                 <a14:m>
                   <m:oMath xmlns:m="http://schemas.openxmlformats.org/officeDocument/2006/math">
@@ -7582,14 +9711,14 @@
                               <m:sSub>
                                 <m:sSubPr>
                                   <m:ctrlPr>
-                                    <a:rPr lang="sv-SE" b="0" i="1" dirty="0" smtClean="0">
+                                    <a:rPr lang="sv-SE" i="1" dirty="0">
                                       <a:latin typeface="Cambria Math" panose="02040503050406030204" pitchFamily="18" charset="0"/>
                                     </a:rPr>
                                   </m:ctrlPr>
                                 </m:sSubPr>
                                 <m:e>
                                   <m:r>
-                                    <a:rPr lang="sv-SE" b="0" i="1" dirty="0" smtClean="0">
+                                    <a:rPr lang="sv-SE" i="1" dirty="0">
                                       <a:latin typeface="Cambria Math" panose="02040503050406030204" pitchFamily="18" charset="0"/>
                                     </a:rPr>
                                     <m:t>𝜎</m:t>
@@ -7597,10 +9726,16 @@
                                 </m:e>
                                 <m:sub>
                                   <m:r>
+                                    <a:rPr lang="sv-SE" i="1" dirty="0">
+                                      <a:latin typeface="Cambria Math" panose="02040503050406030204" pitchFamily="18" charset="0"/>
+                                    </a:rPr>
+                                    <m:t>3</m:t>
+                                  </m:r>
+                                  <m:r>
                                     <a:rPr lang="sv-SE" b="0" i="1" dirty="0" smtClean="0">
                                       <a:latin typeface="Cambria Math" panose="02040503050406030204" pitchFamily="18" charset="0"/>
                                     </a:rPr>
-                                    <m:t>33</m:t>
+                                    <m:t>3</m:t>
                                   </m:r>
                                 </m:sub>
                               </m:sSub>
@@ -7621,6 +9756,7 @@
                 </a:r>
               </a:p>
               <a:p>
+                <a:pPr/>
                 <a14:m>
                   <m:oMathPara xmlns:m="http://schemas.openxmlformats.org/officeDocument/2006/math">
                     <m:oMathParaPr>
@@ -7742,14 +9878,37 @@
                                 </m:sSub>
                               </m:e>
                               <m:e>
-                                <m:r>
-                                  <a:rPr lang="sv-SE" i="1">
-                                    <a:latin typeface="Cambria Math" panose="02040503050406030204" pitchFamily="18" charset="0"/>
-                                    <a:ea typeface="Times New Roman" panose="02020603050405020304" pitchFamily="18" charset="0"/>
-                                    <a:cs typeface="Times New Roman" panose="02020603050405020304" pitchFamily="18" charset="0"/>
-                                  </a:rPr>
-                                  <m:t>0</m:t>
-                                </m:r>
+                                <m:sSub>
+                                  <m:sSubPr>
+                                    <m:ctrlPr>
+                                      <a:rPr lang="sv-SE" i="1">
+                                        <a:latin typeface="Cambria Math" panose="02040503050406030204" pitchFamily="18" charset="0"/>
+                                        <a:ea typeface="Times New Roman" panose="02020603050405020304" pitchFamily="18" charset="0"/>
+                                        <a:cs typeface="Times New Roman" panose="02020603050405020304" pitchFamily="18" charset="0"/>
+                                      </a:rPr>
+                                    </m:ctrlPr>
+                                  </m:sSubPr>
+                                  <m:e>
+                                    <m:r>
+                                      <a:rPr lang="sv-SE" i="1">
+                                        <a:latin typeface="Cambria Math" panose="02040503050406030204" pitchFamily="18" charset="0"/>
+                                        <a:ea typeface="Times New Roman" panose="02020603050405020304" pitchFamily="18" charset="0"/>
+                                        <a:cs typeface="Times New Roman" panose="02020603050405020304" pitchFamily="18" charset="0"/>
+                                      </a:rPr>
+                                      <m:t>𝐷</m:t>
+                                    </m:r>
+                                  </m:e>
+                                  <m:sub>
+                                    <m:r>
+                                      <a:rPr lang="sv-SE" i="1">
+                                        <a:latin typeface="Cambria Math" panose="02040503050406030204" pitchFamily="18" charset="0"/>
+                                        <a:ea typeface="Times New Roman" panose="02020603050405020304" pitchFamily="18" charset="0"/>
+                                        <a:cs typeface="Times New Roman" panose="02020603050405020304" pitchFamily="18" charset="0"/>
+                                      </a:rPr>
+                                      <m:t>13</m:t>
+                                    </m:r>
+                                  </m:sub>
+                                </m:sSub>
                               </m:e>
                             </m:mr>
                             <m:mr>
@@ -7781,15 +9940,7 @@
                                         <a:ea typeface="Times New Roman" panose="02020603050405020304" pitchFamily="18" charset="0"/>
                                         <a:cs typeface="Times New Roman" panose="02020603050405020304" pitchFamily="18" charset="0"/>
                                       </a:rPr>
-                                      <m:t>1</m:t>
-                                    </m:r>
-                                    <m:r>
-                                      <a:rPr lang="sv-SE" b="0" i="1" smtClean="0">
-                                        <a:latin typeface="Cambria Math" panose="02040503050406030204" pitchFamily="18" charset="0"/>
-                                        <a:ea typeface="Times New Roman" panose="02020603050405020304" pitchFamily="18" charset="0"/>
-                                        <a:cs typeface="Times New Roman" panose="02020603050405020304" pitchFamily="18" charset="0"/>
-                                      </a:rPr>
-                                      <m:t>2</m:t>
+                                      <m:t>21</m:t>
                                     </m:r>
                                   </m:sub>
                                 </m:sSub>
@@ -7828,36 +9979,105 @@
                                 </m:sSub>
                               </m:e>
                               <m:e>
-                                <m:r>
-                                  <a:rPr lang="sv-SE" i="1">
-                                    <a:latin typeface="Cambria Math" panose="02040503050406030204" pitchFamily="18" charset="0"/>
-                                    <a:ea typeface="Times New Roman" panose="02020603050405020304" pitchFamily="18" charset="0"/>
-                                    <a:cs typeface="Times New Roman" panose="02020603050405020304" pitchFamily="18" charset="0"/>
-                                  </a:rPr>
-                                  <m:t>0</m:t>
-                                </m:r>
+                                <m:sSub>
+                                  <m:sSubPr>
+                                    <m:ctrlPr>
+                                      <a:rPr lang="sv-SE" i="1">
+                                        <a:latin typeface="Cambria Math" panose="02040503050406030204" pitchFamily="18" charset="0"/>
+                                        <a:ea typeface="Times New Roman" panose="02020603050405020304" pitchFamily="18" charset="0"/>
+                                        <a:cs typeface="Times New Roman" panose="02020603050405020304" pitchFamily="18" charset="0"/>
+                                      </a:rPr>
+                                    </m:ctrlPr>
+                                  </m:sSubPr>
+                                  <m:e>
+                                    <m:r>
+                                      <a:rPr lang="sv-SE" i="1">
+                                        <a:latin typeface="Cambria Math" panose="02040503050406030204" pitchFamily="18" charset="0"/>
+                                        <a:ea typeface="Times New Roman" panose="02020603050405020304" pitchFamily="18" charset="0"/>
+                                        <a:cs typeface="Times New Roman" panose="02020603050405020304" pitchFamily="18" charset="0"/>
+                                      </a:rPr>
+                                      <m:t>𝐷</m:t>
+                                    </m:r>
+                                  </m:e>
+                                  <m:sub>
+                                    <m:r>
+                                      <a:rPr lang="sv-SE" i="1">
+                                        <a:latin typeface="Cambria Math" panose="02040503050406030204" pitchFamily="18" charset="0"/>
+                                        <a:ea typeface="Times New Roman" panose="02020603050405020304" pitchFamily="18" charset="0"/>
+                                        <a:cs typeface="Times New Roman" panose="02020603050405020304" pitchFamily="18" charset="0"/>
+                                      </a:rPr>
+                                      <m:t>23</m:t>
+                                    </m:r>
+                                  </m:sub>
+                                </m:sSub>
                               </m:e>
                             </m:mr>
                             <m:mr>
                               <m:e>
-                                <m:r>
-                                  <a:rPr lang="sv-SE" i="1">
-                                    <a:latin typeface="Cambria Math" panose="02040503050406030204" pitchFamily="18" charset="0"/>
-                                    <a:ea typeface="Times New Roman" panose="02020603050405020304" pitchFamily="18" charset="0"/>
-                                    <a:cs typeface="Times New Roman" panose="02020603050405020304" pitchFamily="18" charset="0"/>
-                                  </a:rPr>
-                                  <m:t>0</m:t>
-                                </m:r>
+                                <m:sSub>
+                                  <m:sSubPr>
+                                    <m:ctrlPr>
+                                      <a:rPr lang="sv-SE" i="1">
+                                        <a:latin typeface="Cambria Math" panose="02040503050406030204" pitchFamily="18" charset="0"/>
+                                        <a:ea typeface="Times New Roman" panose="02020603050405020304" pitchFamily="18" charset="0"/>
+                                        <a:cs typeface="Times New Roman" panose="02020603050405020304" pitchFamily="18" charset="0"/>
+                                      </a:rPr>
+                                    </m:ctrlPr>
+                                  </m:sSubPr>
+                                  <m:e>
+                                    <m:r>
+                                      <a:rPr lang="sv-SE" i="1">
+                                        <a:latin typeface="Cambria Math" panose="02040503050406030204" pitchFamily="18" charset="0"/>
+                                        <a:ea typeface="Times New Roman" panose="02020603050405020304" pitchFamily="18" charset="0"/>
+                                        <a:cs typeface="Times New Roman" panose="02020603050405020304" pitchFamily="18" charset="0"/>
+                                      </a:rPr>
+                                      <m:t>𝐷</m:t>
+                                    </m:r>
+                                  </m:e>
+                                  <m:sub>
+                                    <m:r>
+                                      <a:rPr lang="sv-SE" i="1">
+                                        <a:latin typeface="Cambria Math" panose="02040503050406030204" pitchFamily="18" charset="0"/>
+                                        <a:ea typeface="Times New Roman" panose="02020603050405020304" pitchFamily="18" charset="0"/>
+                                        <a:cs typeface="Times New Roman" panose="02020603050405020304" pitchFamily="18" charset="0"/>
+                                      </a:rPr>
+                                      <m:t>31</m:t>
+                                    </m:r>
+                                  </m:sub>
+                                </m:sSub>
                               </m:e>
                               <m:e>
-                                <m:r>
-                                  <a:rPr lang="sv-SE" i="1">
-                                    <a:latin typeface="Cambria Math" panose="02040503050406030204" pitchFamily="18" charset="0"/>
-                                    <a:ea typeface="Times New Roman" panose="02020603050405020304" pitchFamily="18" charset="0"/>
-                                    <a:cs typeface="Times New Roman" panose="02020603050405020304" pitchFamily="18" charset="0"/>
-                                  </a:rPr>
-                                  <m:t>0</m:t>
-                                </m:r>
+                                <m:sSub>
+                                  <m:sSubPr>
+                                    <m:ctrlPr>
+                                      <a:rPr lang="sv-SE" i="1">
+                                        <a:latin typeface="Cambria Math" panose="02040503050406030204" pitchFamily="18" charset="0"/>
+                                        <a:ea typeface="Times New Roman" panose="02020603050405020304" pitchFamily="18" charset="0"/>
+                                        <a:cs typeface="Times New Roman" panose="02020603050405020304" pitchFamily="18" charset="0"/>
+                                      </a:rPr>
+                                    </m:ctrlPr>
+                                  </m:sSubPr>
+                                  <m:e>
+                                    <m:r>
+                                      <a:rPr lang="sv-SE" i="1">
+                                        <a:latin typeface="Cambria Math" panose="02040503050406030204" pitchFamily="18" charset="0"/>
+                                        <a:ea typeface="Times New Roman" panose="02020603050405020304" pitchFamily="18" charset="0"/>
+                                        <a:cs typeface="Times New Roman" panose="02020603050405020304" pitchFamily="18" charset="0"/>
+                                      </a:rPr>
+                                      <m:t>𝐷</m:t>
+                                    </m:r>
+                                  </m:e>
+                                  <m:sub>
+                                    <m:r>
+                                      <a:rPr lang="sv-SE" i="1">
+                                        <a:latin typeface="Cambria Math" panose="02040503050406030204" pitchFamily="18" charset="0"/>
+                                        <a:ea typeface="Times New Roman" panose="02020603050405020304" pitchFamily="18" charset="0"/>
+                                        <a:cs typeface="Times New Roman" panose="02020603050405020304" pitchFamily="18" charset="0"/>
+                                      </a:rPr>
+                                      <m:t>32</m:t>
+                                    </m:r>
+                                  </m:sub>
+                                </m:sSub>
                               </m:e>
                               <m:e>
                                 <m:sSub>
@@ -8014,7 +10234,7 @@
                           <m:mr>
                             <m:e>
                               <m:r>
-                                <a:rPr lang="sv-SE" b="0" i="1" smtClean="0">
+                                <a:rPr lang="sv-SE" i="1">
                                   <a:latin typeface="Cambria Math" panose="02040503050406030204" pitchFamily="18" charset="0"/>
                                   <a:ea typeface="Times New Roman" panose="02020603050405020304" pitchFamily="18" charset="0"/>
                                   <a:cs typeface="Times New Roman" panose="02020603050405020304" pitchFamily="18" charset="0"/>
@@ -8099,22 +10319,192 @@
                           </m:mPr>
                           <m:mr>
                             <m:e>
+                              <m:sSub>
+                                <m:sSubPr>
+                                  <m:ctrlPr>
+                                    <a:rPr lang="sv-SE" i="1">
+                                      <a:latin typeface="Cambria Math" panose="02040503050406030204" pitchFamily="18" charset="0"/>
+                                    </a:rPr>
+                                  </m:ctrlPr>
+                                </m:sSubPr>
+                                <m:e>
+                                  <m:r>
+                                    <a:rPr lang="sv-SE" i="1">
+                                      <a:latin typeface="Cambria Math" panose="02040503050406030204" pitchFamily="18" charset="0"/>
+                                    </a:rPr>
+                                    <m:t>𝐷</m:t>
+                                  </m:r>
+                                </m:e>
+                                <m:sub>
+                                  <m:r>
+                                    <a:rPr lang="sv-SE" i="1">
+                                      <a:latin typeface="Cambria Math" panose="02040503050406030204" pitchFamily="18" charset="0"/>
+                                    </a:rPr>
+                                    <m:t>11</m:t>
+                                  </m:r>
+                                </m:sub>
+                              </m:sSub>
+                              <m:sSub>
+                                <m:sSubPr>
+                                  <m:ctrlPr>
+                                    <a:rPr lang="sv-SE" i="1">
+                                      <a:latin typeface="Cambria Math" panose="02040503050406030204" pitchFamily="18" charset="0"/>
+                                    </a:rPr>
+                                  </m:ctrlPr>
+                                </m:sSubPr>
+                                <m:e>
+                                  <m:r>
+                                    <a:rPr lang="sv-SE" i="1">
+                                      <a:latin typeface="Cambria Math" panose="02040503050406030204" pitchFamily="18" charset="0"/>
+                                    </a:rPr>
+                                    <m:t>𝜎</m:t>
+                                  </m:r>
+                                </m:e>
+                                <m:sub>
+                                  <m:r>
+                                    <a:rPr lang="sv-SE" i="1">
+                                      <a:latin typeface="Cambria Math" panose="02040503050406030204" pitchFamily="18" charset="0"/>
+                                    </a:rPr>
+                                    <m:t>1</m:t>
+                                  </m:r>
+                                  <m:r>
+                                    <a:rPr lang="sv-SE" b="0" i="1" smtClean="0">
+                                      <a:latin typeface="Cambria Math" panose="02040503050406030204" pitchFamily="18" charset="0"/>
+                                    </a:rPr>
+                                    <m:t>3</m:t>
+                                  </m:r>
+                                </m:sub>
+                              </m:sSub>
                               <m:r>
-                                <a:rPr lang="sv-SE" b="0" i="1" smtClean="0">
+                                <a:rPr lang="sv-SE" i="1">
                                   <a:latin typeface="Cambria Math" panose="02040503050406030204" pitchFamily="18" charset="0"/>
                                 </a:rPr>
-                                <m:t>0</m:t>
+                                <m:t> +</m:t>
                               </m:r>
-                            </m:e>
-                          </m:mr>
-                          <m:mr>
-                            <m:e>
+                              <m:sSub>
+                                <m:sSubPr>
+                                  <m:ctrlPr>
+                                    <a:rPr lang="sv-SE" i="1">
+                                      <a:latin typeface="Cambria Math" panose="02040503050406030204" pitchFamily="18" charset="0"/>
+                                    </a:rPr>
+                                  </m:ctrlPr>
+                                </m:sSubPr>
+                                <m:e>
+                                  <m:r>
+                                    <a:rPr lang="sv-SE" i="1">
+                                      <a:latin typeface="Cambria Math" panose="02040503050406030204" pitchFamily="18" charset="0"/>
+                                    </a:rPr>
+                                    <m:t>𝐷</m:t>
+                                  </m:r>
+                                </m:e>
+                                <m:sub>
+                                  <m:r>
+                                    <a:rPr lang="sv-SE" i="1">
+                                      <a:latin typeface="Cambria Math" panose="02040503050406030204" pitchFamily="18" charset="0"/>
+                                    </a:rPr>
+                                    <m:t>12</m:t>
+                                  </m:r>
+                                </m:sub>
+                              </m:sSub>
                               <m:r>
-                                <a:rPr lang="sv-SE" b="0" i="1" smtClean="0">
+                                <a:rPr lang="sv-SE" i="1">
                                   <a:latin typeface="Cambria Math" panose="02040503050406030204" pitchFamily="18" charset="0"/>
                                 </a:rPr>
-                                <m:t>0</m:t>
+                                <m:t> </m:t>
                               </m:r>
+                              <m:sSub>
+                                <m:sSubPr>
+                                  <m:ctrlPr>
+                                    <a:rPr lang="sv-SE" i="1">
+                                      <a:latin typeface="Cambria Math" panose="02040503050406030204" pitchFamily="18" charset="0"/>
+                                    </a:rPr>
+                                  </m:ctrlPr>
+                                </m:sSubPr>
+                                <m:e>
+                                  <m:r>
+                                    <a:rPr lang="sv-SE" i="1">
+                                      <a:latin typeface="Cambria Math" panose="02040503050406030204" pitchFamily="18" charset="0"/>
+                                    </a:rPr>
+                                    <m:t>𝜎</m:t>
+                                  </m:r>
+                                </m:e>
+                                <m:sub>
+                                  <m:r>
+                                    <a:rPr lang="sv-SE" i="1">
+                                      <a:latin typeface="Cambria Math" panose="02040503050406030204" pitchFamily="18" charset="0"/>
+                                    </a:rPr>
+                                    <m:t>2</m:t>
+                                  </m:r>
+                                  <m:r>
+                                    <a:rPr lang="sv-SE" b="0" i="1" smtClean="0">
+                                      <a:latin typeface="Cambria Math" panose="02040503050406030204" pitchFamily="18" charset="0"/>
+                                    </a:rPr>
+                                    <m:t>3</m:t>
+                                  </m:r>
+                                </m:sub>
+                              </m:sSub>
+                              <m:r>
+                                <a:rPr lang="sv-SE" i="1">
+                                  <a:latin typeface="Cambria Math" panose="02040503050406030204" pitchFamily="18" charset="0"/>
+                                </a:rPr>
+                                <m:t>+</m:t>
+                              </m:r>
+                              <m:sSub>
+                                <m:sSubPr>
+                                  <m:ctrlPr>
+                                    <a:rPr lang="sv-SE" i="1">
+                                      <a:latin typeface="Cambria Math" panose="02040503050406030204" pitchFamily="18" charset="0"/>
+                                    </a:rPr>
+                                  </m:ctrlPr>
+                                </m:sSubPr>
+                                <m:e>
+                                  <m:r>
+                                    <a:rPr lang="sv-SE" i="1">
+                                      <a:latin typeface="Cambria Math" panose="02040503050406030204" pitchFamily="18" charset="0"/>
+                                    </a:rPr>
+                                    <m:t>𝐷</m:t>
+                                  </m:r>
+                                </m:e>
+                                <m:sub>
+                                  <m:r>
+                                    <a:rPr lang="sv-SE" i="1">
+                                      <a:latin typeface="Cambria Math" panose="02040503050406030204" pitchFamily="18" charset="0"/>
+                                    </a:rPr>
+                                    <m:t>13</m:t>
+                                  </m:r>
+                                </m:sub>
+                              </m:sSub>
+                              <m:sSub>
+                                <m:sSubPr>
+                                  <m:ctrlPr>
+                                    <a:rPr lang="sv-SE" i="1">
+                                      <a:latin typeface="Cambria Math" panose="02040503050406030204" pitchFamily="18" charset="0"/>
+                                    </a:rPr>
+                                  </m:ctrlPr>
+                                </m:sSubPr>
+                                <m:e>
+                                  <m:r>
+                                    <a:rPr lang="sv-SE" i="1">
+                                      <a:latin typeface="Cambria Math" panose="02040503050406030204" pitchFamily="18" charset="0"/>
+                                    </a:rPr>
+                                    <m:t>𝜎</m:t>
+                                  </m:r>
+                                </m:e>
+                                <m:sub>
+                                  <m:r>
+                                    <a:rPr lang="sv-SE" i="1">
+                                      <a:latin typeface="Cambria Math" panose="02040503050406030204" pitchFamily="18" charset="0"/>
+                                    </a:rPr>
+                                    <m:t>3</m:t>
+                                  </m:r>
+                                  <m:r>
+                                    <a:rPr lang="sv-SE" b="0" i="1" smtClean="0">
+                                      <a:latin typeface="Cambria Math" panose="02040503050406030204" pitchFamily="18" charset="0"/>
+                                    </a:rPr>
+                                    <m:t>3</m:t>
+                                  </m:r>
+                                </m:sub>
+                              </m:sSub>
                             </m:e>
                           </m:mr>
                           <m:mr>
@@ -8122,14 +10512,14 @@
                               <m:sSub>
                                 <m:sSubPr>
                                   <m:ctrlPr>
-                                    <a:rPr lang="sv-SE" b="0" i="1" smtClean="0">
+                                    <a:rPr lang="sv-SE" i="1">
                                       <a:latin typeface="Cambria Math" panose="02040503050406030204" pitchFamily="18" charset="0"/>
                                     </a:rPr>
                                   </m:ctrlPr>
                                 </m:sSubPr>
                                 <m:e>
                                   <m:r>
-                                    <a:rPr lang="sv-SE" b="0" i="1" smtClean="0">
+                                    <a:rPr lang="sv-SE" i="1">
                                       <a:latin typeface="Cambria Math" panose="02040503050406030204" pitchFamily="18" charset="0"/>
                                     </a:rPr>
                                     <m:t>𝐷</m:t>
@@ -8137,24 +10527,24 @@
                                 </m:e>
                                 <m:sub>
                                   <m:r>
-                                    <a:rPr lang="sv-SE" b="0" i="1" smtClean="0">
-                                      <a:latin typeface="Cambria Math" panose="02040503050406030204" pitchFamily="18" charset="0"/>
-                                    </a:rPr>
-                                    <m:t>33</m:t>
+                                    <a:rPr lang="sv-SE" i="1">
+                                      <a:latin typeface="Cambria Math" panose="02040503050406030204" pitchFamily="18" charset="0"/>
+                                    </a:rPr>
+                                    <m:t>21</m:t>
                                   </m:r>
                                 </m:sub>
                               </m:sSub>
                               <m:sSub>
                                 <m:sSubPr>
                                   <m:ctrlPr>
-                                    <a:rPr lang="sv-SE" b="0" i="1" smtClean="0">
+                                    <a:rPr lang="sv-SE" i="1">
                                       <a:latin typeface="Cambria Math" panose="02040503050406030204" pitchFamily="18" charset="0"/>
                                     </a:rPr>
                                   </m:ctrlPr>
                                 </m:sSubPr>
                                 <m:e>
                                   <m:r>
-                                    <a:rPr lang="sv-SE" b="0" i="1" smtClean="0">
+                                    <a:rPr lang="sv-SE" i="1">
                                       <a:latin typeface="Cambria Math" panose="02040503050406030204" pitchFamily="18" charset="0"/>
                                     </a:rPr>
                                     <m:t>𝜎</m:t>
@@ -8162,10 +10552,336 @@
                                 </m:e>
                                 <m:sub>
                                   <m:r>
+                                    <a:rPr lang="sv-SE" i="1">
+                                      <a:latin typeface="Cambria Math" panose="02040503050406030204" pitchFamily="18" charset="0"/>
+                                    </a:rPr>
+                                    <m:t>1</m:t>
+                                  </m:r>
+                                  <m:r>
                                     <a:rPr lang="sv-SE" b="0" i="1" smtClean="0">
                                       <a:latin typeface="Cambria Math" panose="02040503050406030204" pitchFamily="18" charset="0"/>
                                     </a:rPr>
+                                    <m:t>3</m:t>
+                                  </m:r>
+                                </m:sub>
+                              </m:sSub>
+                              <m:r>
+                                <a:rPr lang="sv-SE" i="1">
+                                  <a:latin typeface="Cambria Math" panose="02040503050406030204" pitchFamily="18" charset="0"/>
+                                </a:rPr>
+                                <m:t> +</m:t>
+                              </m:r>
+                              <m:sSub>
+                                <m:sSubPr>
+                                  <m:ctrlPr>
+                                    <a:rPr lang="sv-SE" i="1">
+                                      <a:latin typeface="Cambria Math" panose="02040503050406030204" pitchFamily="18" charset="0"/>
+                                    </a:rPr>
+                                  </m:ctrlPr>
+                                </m:sSubPr>
+                                <m:e>
+                                  <m:r>
+                                    <a:rPr lang="sv-SE" i="1">
+                                      <a:latin typeface="Cambria Math" panose="02040503050406030204" pitchFamily="18" charset="0"/>
+                                    </a:rPr>
+                                    <m:t>𝐷</m:t>
+                                  </m:r>
+                                </m:e>
+                                <m:sub>
+                                  <m:r>
+                                    <a:rPr lang="sv-SE" i="1">
+                                      <a:latin typeface="Cambria Math" panose="02040503050406030204" pitchFamily="18" charset="0"/>
+                                    </a:rPr>
+                                    <m:t>22</m:t>
+                                  </m:r>
+                                </m:sub>
+                              </m:sSub>
+                              <m:r>
+                                <a:rPr lang="sv-SE" i="1">
+                                  <a:latin typeface="Cambria Math" panose="02040503050406030204" pitchFamily="18" charset="0"/>
+                                </a:rPr>
+                                <m:t> </m:t>
+                              </m:r>
+                              <m:sSub>
+                                <m:sSubPr>
+                                  <m:ctrlPr>
+                                    <a:rPr lang="sv-SE" i="1">
+                                      <a:latin typeface="Cambria Math" panose="02040503050406030204" pitchFamily="18" charset="0"/>
+                                    </a:rPr>
+                                  </m:ctrlPr>
+                                </m:sSubPr>
+                                <m:e>
+                                  <m:r>
+                                    <a:rPr lang="sv-SE" i="1">
+                                      <a:latin typeface="Cambria Math" panose="02040503050406030204" pitchFamily="18" charset="0"/>
+                                    </a:rPr>
+                                    <m:t>𝜎</m:t>
+                                  </m:r>
+                                </m:e>
+                                <m:sub>
+                                  <m:r>
+                                    <a:rPr lang="sv-SE" i="1">
+                                      <a:latin typeface="Cambria Math" panose="02040503050406030204" pitchFamily="18" charset="0"/>
+                                    </a:rPr>
+                                    <m:t>2</m:t>
+                                  </m:r>
+                                  <m:r>
+                                    <a:rPr lang="sv-SE" b="0" i="1" smtClean="0">
+                                      <a:latin typeface="Cambria Math" panose="02040503050406030204" pitchFamily="18" charset="0"/>
+                                    </a:rPr>
+                                    <m:t>3</m:t>
+                                  </m:r>
+                                </m:sub>
+                              </m:sSub>
+                              <m:r>
+                                <a:rPr lang="sv-SE" i="1">
+                                  <a:latin typeface="Cambria Math" panose="02040503050406030204" pitchFamily="18" charset="0"/>
+                                </a:rPr>
+                                <m:t>+</m:t>
+                              </m:r>
+                              <m:sSub>
+                                <m:sSubPr>
+                                  <m:ctrlPr>
+                                    <a:rPr lang="sv-SE" i="1">
+                                      <a:latin typeface="Cambria Math" panose="02040503050406030204" pitchFamily="18" charset="0"/>
+                                    </a:rPr>
+                                  </m:ctrlPr>
+                                </m:sSubPr>
+                                <m:e>
+                                  <m:r>
+                                    <a:rPr lang="sv-SE" i="1">
+                                      <a:latin typeface="Cambria Math" panose="02040503050406030204" pitchFamily="18" charset="0"/>
+                                    </a:rPr>
+                                    <m:t>𝐷</m:t>
+                                  </m:r>
+                                </m:e>
+                                <m:sub>
+                                  <m:r>
+                                    <a:rPr lang="sv-SE" i="1">
+                                      <a:latin typeface="Cambria Math" panose="02040503050406030204" pitchFamily="18" charset="0"/>
+                                    </a:rPr>
+                                    <m:t>23</m:t>
+                                  </m:r>
+                                </m:sub>
+                              </m:sSub>
+                              <m:sSub>
+                                <m:sSubPr>
+                                  <m:ctrlPr>
+                                    <a:rPr lang="sv-SE" i="1">
+                                      <a:latin typeface="Cambria Math" panose="02040503050406030204" pitchFamily="18" charset="0"/>
+                                    </a:rPr>
+                                  </m:ctrlPr>
+                                </m:sSubPr>
+                                <m:e>
+                                  <m:r>
+                                    <a:rPr lang="sv-SE" i="1">
+                                      <a:latin typeface="Cambria Math" panose="02040503050406030204" pitchFamily="18" charset="0"/>
+                                    </a:rPr>
+                                    <m:t>𝜎</m:t>
+                                  </m:r>
+                                </m:e>
+                                <m:sub>
+                                  <m:r>
+                                    <a:rPr lang="sv-SE" i="1">
+                                      <a:latin typeface="Cambria Math" panose="02040503050406030204" pitchFamily="18" charset="0"/>
+                                    </a:rPr>
+                                    <m:t>3</m:t>
+                                  </m:r>
+                                  <m:r>
+                                    <a:rPr lang="sv-SE" b="0" i="1" smtClean="0">
+                                      <a:latin typeface="Cambria Math" panose="02040503050406030204" pitchFamily="18" charset="0"/>
+                                    </a:rPr>
+                                    <m:t>3</m:t>
+                                  </m:r>
+                                </m:sub>
+                              </m:sSub>
+                            </m:e>
+                          </m:mr>
+                          <m:mr>
+                            <m:e>
+                              <m:sSub>
+                                <m:sSubPr>
+                                  <m:ctrlPr>
+                                    <a:rPr lang="sv-SE" i="1">
+                                      <a:latin typeface="Cambria Math" panose="02040503050406030204" pitchFamily="18" charset="0"/>
+                                    </a:rPr>
+                                  </m:ctrlPr>
+                                </m:sSubPr>
+                                <m:e>
+                                  <m:r>
+                                    <a:rPr lang="sv-SE" i="1">
+                                      <a:latin typeface="Cambria Math" panose="02040503050406030204" pitchFamily="18" charset="0"/>
+                                    </a:rPr>
+                                    <m:t>𝐷</m:t>
+                                  </m:r>
+                                </m:e>
+                                <m:sub>
+                                  <m:r>
+                                    <a:rPr lang="sv-SE" i="1">
+                                      <a:latin typeface="Cambria Math" panose="02040503050406030204" pitchFamily="18" charset="0"/>
+                                    </a:rPr>
                                     <m:t>31</m:t>
+                                  </m:r>
+                                </m:sub>
+                              </m:sSub>
+                              <m:sSub>
+                                <m:sSubPr>
+                                  <m:ctrlPr>
+                                    <a:rPr lang="sv-SE" i="1">
+                                      <a:latin typeface="Cambria Math" panose="02040503050406030204" pitchFamily="18" charset="0"/>
+                                    </a:rPr>
+                                  </m:ctrlPr>
+                                </m:sSubPr>
+                                <m:e>
+                                  <m:r>
+                                    <a:rPr lang="sv-SE" i="1">
+                                      <a:latin typeface="Cambria Math" panose="02040503050406030204" pitchFamily="18" charset="0"/>
+                                    </a:rPr>
+                                    <m:t>𝜎</m:t>
+                                  </m:r>
+                                </m:e>
+                                <m:sub>
+                                  <m:r>
+                                    <a:rPr lang="sv-SE" i="1">
+                                      <a:latin typeface="Cambria Math" panose="02040503050406030204" pitchFamily="18" charset="0"/>
+                                    </a:rPr>
+                                    <m:t>1</m:t>
+                                  </m:r>
+                                  <m:r>
+                                    <a:rPr lang="sv-SE" b="0" i="1" smtClean="0">
+                                      <a:latin typeface="Cambria Math" panose="02040503050406030204" pitchFamily="18" charset="0"/>
+                                    </a:rPr>
+                                    <m:t>3</m:t>
+                                  </m:r>
+                                </m:sub>
+                              </m:sSub>
+                              <m:r>
+                                <a:rPr lang="sv-SE" i="1">
+                                  <a:latin typeface="Cambria Math" panose="02040503050406030204" pitchFamily="18" charset="0"/>
+                                </a:rPr>
+                                <m:t> +</m:t>
+                              </m:r>
+                              <m:sSub>
+                                <m:sSubPr>
+                                  <m:ctrlPr>
+                                    <a:rPr lang="sv-SE" i="1">
+                                      <a:latin typeface="Cambria Math" panose="02040503050406030204" pitchFamily="18" charset="0"/>
+                                    </a:rPr>
+                                  </m:ctrlPr>
+                                </m:sSubPr>
+                                <m:e>
+                                  <m:r>
+                                    <a:rPr lang="sv-SE" i="1">
+                                      <a:latin typeface="Cambria Math" panose="02040503050406030204" pitchFamily="18" charset="0"/>
+                                    </a:rPr>
+                                    <m:t>𝐷</m:t>
+                                  </m:r>
+                                </m:e>
+                                <m:sub>
+                                  <m:r>
+                                    <a:rPr lang="sv-SE" i="1">
+                                      <a:latin typeface="Cambria Math" panose="02040503050406030204" pitchFamily="18" charset="0"/>
+                                    </a:rPr>
+                                    <m:t>32</m:t>
+                                  </m:r>
+                                </m:sub>
+                              </m:sSub>
+                              <m:r>
+                                <a:rPr lang="sv-SE" i="1">
+                                  <a:latin typeface="Cambria Math" panose="02040503050406030204" pitchFamily="18" charset="0"/>
+                                </a:rPr>
+                                <m:t> </m:t>
+                              </m:r>
+                              <m:sSub>
+                                <m:sSubPr>
+                                  <m:ctrlPr>
+                                    <a:rPr lang="sv-SE" i="1">
+                                      <a:latin typeface="Cambria Math" panose="02040503050406030204" pitchFamily="18" charset="0"/>
+                                    </a:rPr>
+                                  </m:ctrlPr>
+                                </m:sSubPr>
+                                <m:e>
+                                  <m:r>
+                                    <a:rPr lang="sv-SE" i="1">
+                                      <a:latin typeface="Cambria Math" panose="02040503050406030204" pitchFamily="18" charset="0"/>
+                                    </a:rPr>
+                                    <m:t>𝜎</m:t>
+                                  </m:r>
+                                </m:e>
+                                <m:sub>
+                                  <m:r>
+                                    <a:rPr lang="sv-SE" i="1">
+                                      <a:latin typeface="Cambria Math" panose="02040503050406030204" pitchFamily="18" charset="0"/>
+                                    </a:rPr>
+                                    <m:t>2</m:t>
+                                  </m:r>
+                                  <m:r>
+                                    <a:rPr lang="sv-SE" b="0" i="1" smtClean="0">
+                                      <a:latin typeface="Cambria Math" panose="02040503050406030204" pitchFamily="18" charset="0"/>
+                                    </a:rPr>
+                                    <m:t>3</m:t>
+                                  </m:r>
+                                </m:sub>
+                              </m:sSub>
+                              <m:r>
+                                <a:rPr lang="sv-SE" i="1">
+                                  <a:latin typeface="Cambria Math" panose="02040503050406030204" pitchFamily="18" charset="0"/>
+                                </a:rPr>
+                                <m:t>+</m:t>
+                              </m:r>
+                              <m:sSub>
+                                <m:sSubPr>
+                                  <m:ctrlPr>
+                                    <a:rPr lang="sv-SE" i="1">
+                                      <a:latin typeface="Cambria Math" panose="02040503050406030204" pitchFamily="18" charset="0"/>
+                                    </a:rPr>
+                                  </m:ctrlPr>
+                                </m:sSubPr>
+                                <m:e>
+                                  <m:r>
+                                    <a:rPr lang="sv-SE" i="1">
+                                      <a:latin typeface="Cambria Math" panose="02040503050406030204" pitchFamily="18" charset="0"/>
+                                    </a:rPr>
+                                    <m:t>𝐷</m:t>
+                                  </m:r>
+                                </m:e>
+                                <m:sub>
+                                  <m:r>
+                                    <a:rPr lang="sv-SE" i="1">
+                                      <a:latin typeface="Cambria Math" panose="02040503050406030204" pitchFamily="18" charset="0"/>
+                                    </a:rPr>
+                                    <m:t>33</m:t>
+                                  </m:r>
+                                </m:sub>
+                              </m:sSub>
+                              <m:sSub>
+                                <m:sSubPr>
+                                  <m:ctrlPr>
+                                    <a:rPr lang="sv-SE" i="1">
+                                      <a:latin typeface="Cambria Math" panose="02040503050406030204" pitchFamily="18" charset="0"/>
+                                    </a:rPr>
+                                  </m:ctrlPr>
+                                </m:sSubPr>
+                                <m:e>
+                                  <m:r>
+                                    <a:rPr lang="sv-SE" i="1">
+                                      <a:latin typeface="Cambria Math" panose="02040503050406030204" pitchFamily="18" charset="0"/>
+                                    </a:rPr>
+                                    <m:t>𝜎</m:t>
+                                  </m:r>
+                                </m:e>
+                                <m:sub>
+                                  <m:r>
+                                    <a:rPr lang="sv-SE" i="1">
+                                      <a:latin typeface="Cambria Math" panose="02040503050406030204" pitchFamily="18" charset="0"/>
+                                    </a:rPr>
+                                    <m:t>3</m:t>
+                                  </m:r>
+                                  <m:r>
+                                    <a:rPr lang="sv-SE" b="0" i="1" smtClean="0">
+                                      <a:latin typeface="Cambria Math" panose="02040503050406030204" pitchFamily="18" charset="0"/>
+                                    </a:rPr>
+                                    <m:t>3</m:t>
                                   </m:r>
                                 </m:sub>
                               </m:sSub>
@@ -8178,10 +10894,13 @@
                 </a14:m>
                 <a:endParaRPr lang="sv-SE" dirty="0"/>
               </a:p>
+              <a:p>
+                <a:endParaRPr lang="sv-SE" dirty="0"/>
+              </a:p>
             </p:txBody>
           </p:sp>
         </mc:Choice>
-        <mc:Fallback>
+        <mc:Fallback xmlns="">
           <p:sp>
             <p:nvSpPr>
               <p:cNvPr id="4" name="TextBox 3">
@@ -8199,7 +10918,7 @@
             <p:spPr>
               <a:xfrm>
                 <a:off x="6096000" y="1825624"/>
-                <a:ext cx="4828674" cy="2484591"/>
+                <a:ext cx="4828674" cy="2862643"/>
               </a:xfrm>
               <a:prstGeom prst="rect">
                 <a:avLst/>
@@ -8226,6 +10945,66 @@
           </p:sp>
         </mc:Fallback>
       </mc:AlternateContent>
+      <p:sp>
+        <p:nvSpPr>
+          <p:cNvPr id="5" name="TextBox 4">
+            <a:extLst>
+              <a:ext uri="{FF2B5EF4-FFF2-40B4-BE49-F238E27FC236}">
+                <a16:creationId xmlns:a16="http://schemas.microsoft.com/office/drawing/2014/main" id="{A5188D7C-6C04-418E-9C78-468D18260EC1}"/>
+              </a:ext>
+            </a:extLst>
+          </p:cNvPr>
+          <p:cNvSpPr txBox="1"/>
+          <p:nvPr/>
+        </p:nvSpPr>
+        <p:spPr>
+          <a:xfrm>
+            <a:off x="6288505" y="4868779"/>
+            <a:ext cx="4724400" cy="1200329"/>
+          </a:xfrm>
+          <a:prstGeom prst="rect">
+            <a:avLst/>
+          </a:prstGeom>
+          <a:noFill/>
+        </p:spPr>
+        <p:txBody>
+          <a:bodyPr wrap="square" rtlCol="0">
+            <a:spAutoFit/>
+          </a:bodyPr>
+          <a:lstStyle/>
+          <a:p>
+            <a:r>
+              <a:rPr lang="sv-SE" dirty="0"/>
+              <a:t>9 ekvationer. 9 obekanta. Löses med </a:t>
+            </a:r>
+            <a:r>
+              <a:rPr lang="sv-SE" dirty="0" err="1"/>
+              <a:t>sympy</a:t>
+            </a:r>
+            <a:r>
+              <a:rPr lang="sv-SE" dirty="0"/>
+              <a:t> </a:t>
+            </a:r>
+            <a:r>
+              <a:rPr lang="sv-SE" dirty="0" err="1"/>
+              <a:t>solver</a:t>
+            </a:r>
+            <a:endParaRPr lang="sv-SE" dirty="0"/>
+          </a:p>
+          <a:p>
+            <a:r>
+              <a:rPr lang="sv-SE" dirty="0"/>
+              <a:t>Pga. Symmetri bör endast 6 element behövas. </a:t>
+            </a:r>
+          </a:p>
+          <a:p>
+            <a:r>
+              <a:rPr lang="sv-SE" dirty="0"/>
+              <a:t>D_31 =! D_13 just nu.  </a:t>
+            </a:r>
+          </a:p>
+        </p:txBody>
+      </p:sp>
     </p:spTree>
     <p:extLst>
       <p:ext uri="{BB962C8B-B14F-4D97-AF65-F5344CB8AC3E}">
@@ -8240,6 +11019,1342 @@
 </file>
 
 <file path=ppt/slides/slide7.xml><?xml version="1.0" encoding="utf-8"?>
+<p:sld xmlns:a="http://schemas.openxmlformats.org/drawingml/2006/main" xmlns:r="http://schemas.openxmlformats.org/officeDocument/2006/relationships" xmlns:p="http://schemas.openxmlformats.org/presentationml/2006/main">
+  <p:cSld>
+    <p:spTree>
+      <p:nvGrpSpPr>
+        <p:cNvPr id="1" name=""/>
+        <p:cNvGrpSpPr/>
+        <p:nvPr/>
+      </p:nvGrpSpPr>
+      <p:grpSpPr>
+        <a:xfrm>
+          <a:off x="0" y="0"/>
+          <a:ext cx="0" cy="0"/>
+          <a:chOff x="0" y="0"/>
+          <a:chExt cx="0" cy="0"/>
+        </a:xfrm>
+      </p:grpSpPr>
+      <p:sp>
+        <p:nvSpPr>
+          <p:cNvPr id="2" name="Title 1">
+            <a:extLst>
+              <a:ext uri="{FF2B5EF4-FFF2-40B4-BE49-F238E27FC236}">
+                <a16:creationId xmlns:a16="http://schemas.microsoft.com/office/drawing/2014/main" id="{4D092692-0ABD-4CA1-9B64-ED5D2361DBAF}"/>
+              </a:ext>
+            </a:extLst>
+          </p:cNvPr>
+          <p:cNvSpPr>
+            <a:spLocks noGrp="1"/>
+          </p:cNvSpPr>
+          <p:nvPr>
+            <p:ph type="title"/>
+          </p:nvPr>
+        </p:nvSpPr>
+        <p:spPr/>
+        <p:txBody>
+          <a:bodyPr/>
+          <a:lstStyle/>
+          <a:p>
+            <a:r>
+              <a:rPr lang="sv-SE" dirty="0"/>
+              <a:t>Program </a:t>
+            </a:r>
+            <a:r>
+              <a:rPr lang="sv-SE" dirty="0" err="1"/>
+              <a:t>flowchart</a:t>
+            </a:r>
+            <a:endParaRPr lang="sv-SE" dirty="0"/>
+          </a:p>
+        </p:txBody>
+      </p:sp>
+      <p:sp>
+        <p:nvSpPr>
+          <p:cNvPr id="4" name="Rectangle 3">
+            <a:extLst>
+              <a:ext uri="{FF2B5EF4-FFF2-40B4-BE49-F238E27FC236}">
+                <a16:creationId xmlns:a16="http://schemas.microsoft.com/office/drawing/2014/main" id="{86CAAB28-AADC-45F3-B9E0-8A92B117D4AD}"/>
+              </a:ext>
+            </a:extLst>
+          </p:cNvPr>
+          <p:cNvSpPr/>
+          <p:nvPr/>
+        </p:nvSpPr>
+        <p:spPr>
+          <a:xfrm>
+            <a:off x="7239785" y="1441063"/>
+            <a:ext cx="2375555" cy="958821"/>
+          </a:xfrm>
+          <a:prstGeom prst="rect">
+            <a:avLst/>
+          </a:prstGeom>
+        </p:spPr>
+        <p:style>
+          <a:lnRef idx="2">
+            <a:schemeClr val="accent3">
+              <a:shade val="50000"/>
+            </a:schemeClr>
+          </a:lnRef>
+          <a:fillRef idx="1">
+            <a:schemeClr val="accent3"/>
+          </a:fillRef>
+          <a:effectRef idx="0">
+            <a:schemeClr val="accent3"/>
+          </a:effectRef>
+          <a:fontRef idx="minor">
+            <a:schemeClr val="lt1"/>
+          </a:fontRef>
+        </p:style>
+        <p:txBody>
+          <a:bodyPr rtlCol="0" anchor="ctr"/>
+          <a:lstStyle/>
+          <a:p>
+            <a:pPr algn="ctr"/>
+            <a:r>
+              <a:rPr lang="sv-SE" dirty="0"/>
+              <a:t>Skapa 1000 fall. 2 </a:t>
+            </a:r>
+            <a:r>
+              <a:rPr lang="sv-SE" dirty="0" err="1"/>
+              <a:t>ortotropa</a:t>
+            </a:r>
+            <a:r>
+              <a:rPr lang="sv-SE" dirty="0"/>
+              <a:t> material per fall</a:t>
+            </a:r>
+          </a:p>
+        </p:txBody>
+      </p:sp>
+      <p:sp>
+        <p:nvSpPr>
+          <p:cNvPr id="6" name="Rectangle 5">
+            <a:extLst>
+              <a:ext uri="{FF2B5EF4-FFF2-40B4-BE49-F238E27FC236}">
+                <a16:creationId xmlns:a16="http://schemas.microsoft.com/office/drawing/2014/main" id="{94BF18BD-B927-4A5A-8073-8DE7843EFD0D}"/>
+              </a:ext>
+            </a:extLst>
+          </p:cNvPr>
+          <p:cNvSpPr/>
+          <p:nvPr/>
+        </p:nvSpPr>
+        <p:spPr>
+          <a:xfrm>
+            <a:off x="3795180" y="1441062"/>
+            <a:ext cx="2780908" cy="958822"/>
+          </a:xfrm>
+          <a:prstGeom prst="rect">
+            <a:avLst/>
+          </a:prstGeom>
+        </p:spPr>
+        <p:style>
+          <a:lnRef idx="2">
+            <a:schemeClr val="accent3">
+              <a:shade val="50000"/>
+            </a:schemeClr>
+          </a:lnRef>
+          <a:fillRef idx="1">
+            <a:schemeClr val="accent3"/>
+          </a:fillRef>
+          <a:effectRef idx="0">
+            <a:schemeClr val="accent3"/>
+          </a:effectRef>
+          <a:fontRef idx="minor">
+            <a:schemeClr val="lt1"/>
+          </a:fontRef>
+        </p:style>
+        <p:txBody>
+          <a:bodyPr rtlCol="0" anchor="ctr"/>
+          <a:lstStyle/>
+          <a:p>
+            <a:pPr algn="ctr"/>
+            <a:r>
+              <a:rPr lang="sv-SE" dirty="0"/>
+              <a:t>Extrahera generell data från en </a:t>
+            </a:r>
+            <a:r>
+              <a:rPr lang="sv-SE" dirty="0" err="1"/>
+              <a:t>bdf</a:t>
+            </a:r>
+            <a:r>
+              <a:rPr lang="sv-SE" dirty="0"/>
+              <a:t> fil. </a:t>
+            </a:r>
+            <a:r>
+              <a:rPr lang="sv-SE" dirty="0" err="1"/>
+              <a:t>grid</a:t>
+            </a:r>
+            <a:r>
+              <a:rPr lang="sv-SE" dirty="0"/>
+              <a:t> data, element area, etc.</a:t>
+            </a:r>
+          </a:p>
+        </p:txBody>
+      </p:sp>
+      <p:sp>
+        <p:nvSpPr>
+          <p:cNvPr id="7" name="Rectangle 6">
+            <a:extLst>
+              <a:ext uri="{FF2B5EF4-FFF2-40B4-BE49-F238E27FC236}">
+                <a16:creationId xmlns:a16="http://schemas.microsoft.com/office/drawing/2014/main" id="{BE111175-D7EB-4CB4-9FA6-72630A75554F}"/>
+              </a:ext>
+            </a:extLst>
+          </p:cNvPr>
+          <p:cNvSpPr/>
+          <p:nvPr/>
+        </p:nvSpPr>
+        <p:spPr>
+          <a:xfrm>
+            <a:off x="0" y="4437478"/>
+            <a:ext cx="2158738" cy="1940497"/>
+          </a:xfrm>
+          <a:prstGeom prst="rect">
+            <a:avLst/>
+          </a:prstGeom>
+        </p:spPr>
+        <p:style>
+          <a:lnRef idx="2">
+            <a:schemeClr val="accent1">
+              <a:shade val="50000"/>
+            </a:schemeClr>
+          </a:lnRef>
+          <a:fillRef idx="1">
+            <a:schemeClr val="accent1"/>
+          </a:fillRef>
+          <a:effectRef idx="0">
+            <a:schemeClr val="accent1"/>
+          </a:effectRef>
+          <a:fontRef idx="minor">
+            <a:schemeClr val="lt1"/>
+          </a:fontRef>
+        </p:style>
+        <p:txBody>
+          <a:bodyPr rtlCol="0" anchor="ctr"/>
+          <a:lstStyle/>
+          <a:p>
+            <a:pPr algn="ctr"/>
+            <a:r>
+              <a:rPr lang="sv-SE" dirty="0"/>
+              <a:t>För ett fall, test nummer, </a:t>
+            </a:r>
+            <a:r>
+              <a:rPr lang="sv-SE" dirty="0" err="1"/>
+              <a:t>grid</a:t>
+            </a:r>
+            <a:r>
+              <a:rPr lang="sv-SE" dirty="0"/>
+              <a:t> data, element area. Skapa </a:t>
+            </a:r>
+            <a:r>
+              <a:rPr lang="sv-SE" dirty="0" err="1"/>
+              <a:t>micro</a:t>
+            </a:r>
+            <a:r>
+              <a:rPr lang="sv-SE" dirty="0"/>
+              <a:t> obj. </a:t>
+            </a:r>
+          </a:p>
+        </p:txBody>
+      </p:sp>
+      <p:sp>
+        <p:nvSpPr>
+          <p:cNvPr id="8" name="Rectangle 7">
+            <a:extLst>
+              <a:ext uri="{FF2B5EF4-FFF2-40B4-BE49-F238E27FC236}">
+                <a16:creationId xmlns:a16="http://schemas.microsoft.com/office/drawing/2014/main" id="{0B457023-D7F9-4A8E-AFDE-658EE06FB7FF}"/>
+              </a:ext>
+            </a:extLst>
+          </p:cNvPr>
+          <p:cNvSpPr/>
+          <p:nvPr/>
+        </p:nvSpPr>
+        <p:spPr>
+          <a:xfrm>
+            <a:off x="2471339" y="4437477"/>
+            <a:ext cx="2290715" cy="1940497"/>
+          </a:xfrm>
+          <a:prstGeom prst="rect">
+            <a:avLst/>
+          </a:prstGeom>
+        </p:spPr>
+        <p:style>
+          <a:lnRef idx="2">
+            <a:schemeClr val="accent1">
+              <a:shade val="50000"/>
+            </a:schemeClr>
+          </a:lnRef>
+          <a:fillRef idx="1">
+            <a:schemeClr val="accent1"/>
+          </a:fillRef>
+          <a:effectRef idx="0">
+            <a:schemeClr val="accent1"/>
+          </a:effectRef>
+          <a:fontRef idx="minor">
+            <a:schemeClr val="lt1"/>
+          </a:fontRef>
+        </p:style>
+        <p:txBody>
+          <a:bodyPr rtlCol="0" anchor="ctr"/>
+          <a:lstStyle/>
+          <a:p>
+            <a:pPr algn="ctr"/>
+            <a:r>
+              <a:rPr lang="sv-SE" dirty="0"/>
+              <a:t>Micro obj. Skapar 3 nya </a:t>
+            </a:r>
+            <a:r>
+              <a:rPr lang="sv-SE" dirty="0" err="1"/>
+              <a:t>bdf</a:t>
+            </a:r>
+            <a:r>
+              <a:rPr lang="sv-SE" dirty="0"/>
+              <a:t> filer för material </a:t>
+            </a:r>
+            <a:r>
+              <a:rPr lang="sv-SE" dirty="0" err="1"/>
+              <a:t>datan</a:t>
+            </a:r>
+            <a:r>
+              <a:rPr lang="sv-SE" dirty="0"/>
+              <a:t> för fallet. 1 </a:t>
+            </a:r>
+            <a:r>
+              <a:rPr lang="sv-SE" dirty="0" err="1"/>
+              <a:t>bdf</a:t>
+            </a:r>
+            <a:r>
+              <a:rPr lang="sv-SE" dirty="0"/>
+              <a:t> fil per last fall</a:t>
+            </a:r>
+          </a:p>
+        </p:txBody>
+      </p:sp>
+      <p:sp>
+        <p:nvSpPr>
+          <p:cNvPr id="9" name="Rectangle 8">
+            <a:extLst>
+              <a:ext uri="{FF2B5EF4-FFF2-40B4-BE49-F238E27FC236}">
+                <a16:creationId xmlns:a16="http://schemas.microsoft.com/office/drawing/2014/main" id="{894F58DA-FDE3-4BDE-826E-8BE72614B8C9}"/>
+              </a:ext>
+            </a:extLst>
+          </p:cNvPr>
+          <p:cNvSpPr/>
+          <p:nvPr/>
+        </p:nvSpPr>
+        <p:spPr>
+          <a:xfrm>
+            <a:off x="450707" y="1441062"/>
+            <a:ext cx="2905235" cy="958822"/>
+          </a:xfrm>
+          <a:prstGeom prst="rect">
+            <a:avLst/>
+          </a:prstGeom>
+        </p:spPr>
+        <p:style>
+          <a:lnRef idx="2">
+            <a:schemeClr val="accent3">
+              <a:shade val="50000"/>
+            </a:schemeClr>
+          </a:lnRef>
+          <a:fillRef idx="1">
+            <a:schemeClr val="accent3"/>
+          </a:fillRef>
+          <a:effectRef idx="0">
+            <a:schemeClr val="accent3"/>
+          </a:effectRef>
+          <a:fontRef idx="minor">
+            <a:schemeClr val="lt1"/>
+          </a:fontRef>
+        </p:style>
+        <p:txBody>
+          <a:bodyPr rtlCol="0" anchor="ctr"/>
+          <a:lstStyle/>
+          <a:p>
+            <a:pPr algn="ctr"/>
+            <a:r>
+              <a:rPr lang="sv-SE" dirty="0"/>
+              <a:t>Skapa 3 bas </a:t>
+            </a:r>
+            <a:r>
+              <a:rPr lang="sv-SE" dirty="0" err="1"/>
+              <a:t>bdf</a:t>
+            </a:r>
+            <a:r>
+              <a:rPr lang="sv-SE" dirty="0"/>
+              <a:t> filer. 1 för varje </a:t>
+            </a:r>
+            <a:r>
+              <a:rPr lang="sv-SE" dirty="0" err="1"/>
+              <a:t>lastfall</a:t>
+            </a:r>
+            <a:r>
+              <a:rPr lang="sv-SE" dirty="0"/>
+              <a:t>, x, y, </a:t>
+            </a:r>
+            <a:r>
+              <a:rPr lang="sv-SE" dirty="0" err="1"/>
+              <a:t>xy</a:t>
+            </a:r>
+            <a:r>
+              <a:rPr lang="sv-SE" dirty="0"/>
+              <a:t>, linjär </a:t>
+            </a:r>
+            <a:r>
+              <a:rPr lang="sv-SE" dirty="0" err="1"/>
+              <a:t>försjkutning</a:t>
+            </a:r>
+            <a:endParaRPr lang="sv-SE" dirty="0"/>
+          </a:p>
+        </p:txBody>
+      </p:sp>
+      <p:sp>
+        <p:nvSpPr>
+          <p:cNvPr id="11" name="Oval 10">
+            <a:extLst>
+              <a:ext uri="{FF2B5EF4-FFF2-40B4-BE49-F238E27FC236}">
+                <a16:creationId xmlns:a16="http://schemas.microsoft.com/office/drawing/2014/main" id="{0D2FBE7A-5F4C-4ED3-BB34-1E99F9583186}"/>
+              </a:ext>
+            </a:extLst>
+          </p:cNvPr>
+          <p:cNvSpPr/>
+          <p:nvPr/>
+        </p:nvSpPr>
+        <p:spPr>
+          <a:xfrm>
+            <a:off x="2358960" y="2980524"/>
+            <a:ext cx="1743959" cy="1227552"/>
+          </a:xfrm>
+          <a:prstGeom prst="ellipse">
+            <a:avLst/>
+          </a:prstGeom>
+        </p:spPr>
+        <p:style>
+          <a:lnRef idx="2">
+            <a:schemeClr val="accent1">
+              <a:shade val="50000"/>
+            </a:schemeClr>
+          </a:lnRef>
+          <a:fillRef idx="1">
+            <a:schemeClr val="accent1"/>
+          </a:fillRef>
+          <a:effectRef idx="0">
+            <a:schemeClr val="accent1"/>
+          </a:effectRef>
+          <a:fontRef idx="minor">
+            <a:schemeClr val="lt1"/>
+          </a:fontRef>
+        </p:style>
+        <p:txBody>
+          <a:bodyPr rtlCol="0" anchor="ctr"/>
+          <a:lstStyle/>
+          <a:p>
+            <a:pPr algn="ctr"/>
+            <a:r>
+              <a:rPr lang="sv-SE" dirty="0"/>
+              <a:t>Skapa 1000 </a:t>
+            </a:r>
+            <a:r>
+              <a:rPr lang="sv-SE" dirty="0" err="1"/>
+              <a:t>micro</a:t>
+            </a:r>
+            <a:r>
+              <a:rPr lang="sv-SE" dirty="0"/>
+              <a:t> </a:t>
+            </a:r>
+            <a:r>
+              <a:rPr lang="sv-SE" dirty="0" err="1"/>
+              <a:t>obj</a:t>
+            </a:r>
+            <a:endParaRPr lang="sv-SE" dirty="0"/>
+          </a:p>
+        </p:txBody>
+      </p:sp>
+      <p:sp>
+        <p:nvSpPr>
+          <p:cNvPr id="13" name="Rectangle 12">
+            <a:extLst>
+              <a:ext uri="{FF2B5EF4-FFF2-40B4-BE49-F238E27FC236}">
+                <a16:creationId xmlns:a16="http://schemas.microsoft.com/office/drawing/2014/main" id="{BC099B90-4145-42E6-8D1D-8109E9511C51}"/>
+              </a:ext>
+            </a:extLst>
+          </p:cNvPr>
+          <p:cNvSpPr/>
+          <p:nvPr/>
+        </p:nvSpPr>
+        <p:spPr>
+          <a:xfrm>
+            <a:off x="5122191" y="4437476"/>
+            <a:ext cx="1885361" cy="1940497"/>
+          </a:xfrm>
+          <a:prstGeom prst="rect">
+            <a:avLst/>
+          </a:prstGeom>
+        </p:spPr>
+        <p:style>
+          <a:lnRef idx="2">
+            <a:schemeClr val="accent1">
+              <a:shade val="50000"/>
+            </a:schemeClr>
+          </a:lnRef>
+          <a:fillRef idx="1">
+            <a:schemeClr val="accent1"/>
+          </a:fillRef>
+          <a:effectRef idx="0">
+            <a:schemeClr val="accent1"/>
+          </a:effectRef>
+          <a:fontRef idx="minor">
+            <a:schemeClr val="lt1"/>
+          </a:fontRef>
+        </p:style>
+        <p:txBody>
+          <a:bodyPr rtlCol="0" anchor="ctr"/>
+          <a:lstStyle/>
+          <a:p>
+            <a:pPr algn="ctr"/>
+            <a:r>
+              <a:rPr lang="sv-SE" dirty="0"/>
+              <a:t>Kör </a:t>
+            </a:r>
+            <a:r>
+              <a:rPr lang="sv-SE" dirty="0" err="1"/>
+              <a:t>nastran</a:t>
+            </a:r>
+            <a:r>
+              <a:rPr lang="sv-SE" dirty="0"/>
+              <a:t> för varje </a:t>
+            </a:r>
+            <a:r>
+              <a:rPr lang="sv-SE" dirty="0" err="1"/>
+              <a:t>bdf</a:t>
+            </a:r>
+            <a:r>
+              <a:rPr lang="sv-SE" dirty="0"/>
+              <a:t> fil. Genererar f06 fil</a:t>
+            </a:r>
+          </a:p>
+        </p:txBody>
+      </p:sp>
+      <p:sp>
+        <p:nvSpPr>
+          <p:cNvPr id="14" name="Oval 13">
+            <a:extLst>
+              <a:ext uri="{FF2B5EF4-FFF2-40B4-BE49-F238E27FC236}">
+                <a16:creationId xmlns:a16="http://schemas.microsoft.com/office/drawing/2014/main" id="{C1065032-1740-402A-8258-BD637F539F84}"/>
+              </a:ext>
+            </a:extLst>
+          </p:cNvPr>
+          <p:cNvSpPr/>
+          <p:nvPr/>
+        </p:nvSpPr>
+        <p:spPr>
+          <a:xfrm>
+            <a:off x="5738467" y="2981712"/>
+            <a:ext cx="1594908" cy="1227552"/>
+          </a:xfrm>
+          <a:prstGeom prst="ellipse">
+            <a:avLst/>
+          </a:prstGeom>
+        </p:spPr>
+        <p:style>
+          <a:lnRef idx="2">
+            <a:schemeClr val="accent1">
+              <a:shade val="50000"/>
+            </a:schemeClr>
+          </a:lnRef>
+          <a:fillRef idx="1">
+            <a:schemeClr val="accent1"/>
+          </a:fillRef>
+          <a:effectRef idx="0">
+            <a:schemeClr val="accent1"/>
+          </a:effectRef>
+          <a:fontRef idx="minor">
+            <a:schemeClr val="lt1"/>
+          </a:fontRef>
+        </p:style>
+        <p:txBody>
+          <a:bodyPr rtlCol="0" anchor="ctr"/>
+          <a:lstStyle/>
+          <a:p>
+            <a:pPr algn="ctr"/>
+            <a:r>
+              <a:rPr lang="sv-SE" dirty="0"/>
+              <a:t>Vänta på </a:t>
+            </a:r>
+            <a:r>
+              <a:rPr lang="sv-SE" dirty="0" err="1"/>
+              <a:t>Nastran</a:t>
+            </a:r>
+            <a:endParaRPr lang="sv-SE" dirty="0"/>
+          </a:p>
+        </p:txBody>
+      </p:sp>
+      <p:sp>
+        <p:nvSpPr>
+          <p:cNvPr id="15" name="Oval 14">
+            <a:extLst>
+              <a:ext uri="{FF2B5EF4-FFF2-40B4-BE49-F238E27FC236}">
+                <a16:creationId xmlns:a16="http://schemas.microsoft.com/office/drawing/2014/main" id="{AC26582D-E2C6-4E0D-82CF-192F00456A0A}"/>
+              </a:ext>
+            </a:extLst>
+          </p:cNvPr>
+          <p:cNvSpPr/>
+          <p:nvPr/>
+        </p:nvSpPr>
+        <p:spPr>
+          <a:xfrm>
+            <a:off x="8681406" y="2753496"/>
+            <a:ext cx="2158738" cy="1683984"/>
+          </a:xfrm>
+          <a:prstGeom prst="ellipse">
+            <a:avLst/>
+          </a:prstGeom>
+        </p:spPr>
+        <p:style>
+          <a:lnRef idx="2">
+            <a:schemeClr val="accent1">
+              <a:shade val="50000"/>
+            </a:schemeClr>
+          </a:lnRef>
+          <a:fillRef idx="1">
+            <a:schemeClr val="accent1"/>
+          </a:fillRef>
+          <a:effectRef idx="0">
+            <a:schemeClr val="accent1"/>
+          </a:effectRef>
+          <a:fontRef idx="minor">
+            <a:schemeClr val="lt1"/>
+          </a:fontRef>
+        </p:style>
+        <p:txBody>
+          <a:bodyPr rtlCol="0" anchor="ctr"/>
+          <a:lstStyle/>
+          <a:p>
+            <a:pPr algn="ctr"/>
+            <a:r>
+              <a:rPr lang="sv-SE" dirty="0"/>
+              <a:t>Iterera över alla 1000 </a:t>
+            </a:r>
+            <a:r>
+              <a:rPr lang="sv-SE" dirty="0" err="1"/>
+              <a:t>micro</a:t>
+            </a:r>
+            <a:r>
+              <a:rPr lang="sv-SE" dirty="0"/>
+              <a:t> obj. </a:t>
+            </a:r>
+          </a:p>
+        </p:txBody>
+      </p:sp>
+      <p:sp>
+        <p:nvSpPr>
+          <p:cNvPr id="16" name="Rectangle 15">
+            <a:extLst>
+              <a:ext uri="{FF2B5EF4-FFF2-40B4-BE49-F238E27FC236}">
+                <a16:creationId xmlns:a16="http://schemas.microsoft.com/office/drawing/2014/main" id="{7A956836-3F85-4D43-8190-1FA36BCC65FD}"/>
+              </a:ext>
+            </a:extLst>
+          </p:cNvPr>
+          <p:cNvSpPr/>
+          <p:nvPr/>
+        </p:nvSpPr>
+        <p:spPr>
+          <a:xfrm>
+            <a:off x="7387067" y="4619134"/>
+            <a:ext cx="1307864" cy="1602555"/>
+          </a:xfrm>
+          <a:prstGeom prst="rect">
+            <a:avLst/>
+          </a:prstGeom>
+        </p:spPr>
+        <p:style>
+          <a:lnRef idx="2">
+            <a:schemeClr val="accent1">
+              <a:shade val="50000"/>
+            </a:schemeClr>
+          </a:lnRef>
+          <a:fillRef idx="1">
+            <a:schemeClr val="accent1"/>
+          </a:fillRef>
+          <a:effectRef idx="0">
+            <a:schemeClr val="accent1"/>
+          </a:effectRef>
+          <a:fontRef idx="minor">
+            <a:schemeClr val="lt1"/>
+          </a:fontRef>
+        </p:style>
+        <p:txBody>
+          <a:bodyPr rtlCol="0" anchor="ctr"/>
+          <a:lstStyle/>
+          <a:p>
+            <a:pPr algn="ctr"/>
+            <a:r>
+              <a:rPr lang="sv-SE" dirty="0"/>
+              <a:t>Extrahera element stress värden</a:t>
+            </a:r>
+          </a:p>
+        </p:txBody>
+      </p:sp>
+      <p:sp>
+        <p:nvSpPr>
+          <p:cNvPr id="17" name="Rectangle 16">
+            <a:extLst>
+              <a:ext uri="{FF2B5EF4-FFF2-40B4-BE49-F238E27FC236}">
+                <a16:creationId xmlns:a16="http://schemas.microsoft.com/office/drawing/2014/main" id="{944224EB-C6B5-4054-B4D4-CE7903A75C13}"/>
+              </a:ext>
+            </a:extLst>
+          </p:cNvPr>
+          <p:cNvSpPr/>
+          <p:nvPr/>
+        </p:nvSpPr>
+        <p:spPr>
+          <a:xfrm>
+            <a:off x="8896579" y="4619134"/>
+            <a:ext cx="1309644" cy="1602555"/>
+          </a:xfrm>
+          <a:prstGeom prst="rect">
+            <a:avLst/>
+          </a:prstGeom>
+        </p:spPr>
+        <p:style>
+          <a:lnRef idx="2">
+            <a:schemeClr val="accent1">
+              <a:shade val="50000"/>
+            </a:schemeClr>
+          </a:lnRef>
+          <a:fillRef idx="1">
+            <a:schemeClr val="accent1"/>
+          </a:fillRef>
+          <a:effectRef idx="0">
+            <a:schemeClr val="accent1"/>
+          </a:effectRef>
+          <a:fontRef idx="minor">
+            <a:schemeClr val="lt1"/>
+          </a:fontRef>
+        </p:style>
+        <p:txBody>
+          <a:bodyPr rtlCol="0" anchor="ctr"/>
+          <a:lstStyle/>
+          <a:p>
+            <a:pPr algn="ctr"/>
+            <a:r>
+              <a:rPr lang="sv-SE" dirty="0"/>
+              <a:t>Beräkna volymsgenomsnitt värde </a:t>
+            </a:r>
+          </a:p>
+        </p:txBody>
+      </p:sp>
+      <p:cxnSp>
+        <p:nvCxnSpPr>
+          <p:cNvPr id="19" name="Straight Arrow Connector 18">
+            <a:extLst>
+              <a:ext uri="{FF2B5EF4-FFF2-40B4-BE49-F238E27FC236}">
+                <a16:creationId xmlns:a16="http://schemas.microsoft.com/office/drawing/2014/main" id="{A22EB909-B160-4947-842E-DD4B85E5E453}"/>
+              </a:ext>
+            </a:extLst>
+          </p:cNvPr>
+          <p:cNvCxnSpPr>
+            <a:stCxn id="9" idx="3"/>
+            <a:endCxn id="6" idx="1"/>
+          </p:cNvCxnSpPr>
+          <p:nvPr/>
+        </p:nvCxnSpPr>
+        <p:spPr>
+          <a:xfrm>
+            <a:off x="3355942" y="1920473"/>
+            <a:ext cx="439238" cy="0"/>
+          </a:xfrm>
+          <a:prstGeom prst="straightConnector1">
+            <a:avLst/>
+          </a:prstGeom>
+          <a:ln>
+            <a:tailEnd type="triangle"/>
+          </a:ln>
+        </p:spPr>
+        <p:style>
+          <a:lnRef idx="1">
+            <a:schemeClr val="accent1"/>
+          </a:lnRef>
+          <a:fillRef idx="0">
+            <a:schemeClr val="accent1"/>
+          </a:fillRef>
+          <a:effectRef idx="0">
+            <a:schemeClr val="accent1"/>
+          </a:effectRef>
+          <a:fontRef idx="minor">
+            <a:schemeClr val="tx1"/>
+          </a:fontRef>
+        </p:style>
+      </p:cxnSp>
+      <p:cxnSp>
+        <p:nvCxnSpPr>
+          <p:cNvPr id="21" name="Straight Arrow Connector 20">
+            <a:extLst>
+              <a:ext uri="{FF2B5EF4-FFF2-40B4-BE49-F238E27FC236}">
+                <a16:creationId xmlns:a16="http://schemas.microsoft.com/office/drawing/2014/main" id="{5C4855DE-4489-4528-9127-FE1FE61835B7}"/>
+              </a:ext>
+            </a:extLst>
+          </p:cNvPr>
+          <p:cNvCxnSpPr>
+            <a:stCxn id="6" idx="3"/>
+            <a:endCxn id="4" idx="1"/>
+          </p:cNvCxnSpPr>
+          <p:nvPr/>
+        </p:nvCxnSpPr>
+        <p:spPr>
+          <a:xfrm>
+            <a:off x="6576088" y="1920473"/>
+            <a:ext cx="663697" cy="1"/>
+          </a:xfrm>
+          <a:prstGeom prst="straightConnector1">
+            <a:avLst/>
+          </a:prstGeom>
+          <a:ln>
+            <a:tailEnd type="triangle"/>
+          </a:ln>
+        </p:spPr>
+        <p:style>
+          <a:lnRef idx="1">
+            <a:schemeClr val="accent1"/>
+          </a:lnRef>
+          <a:fillRef idx="0">
+            <a:schemeClr val="accent1"/>
+          </a:fillRef>
+          <a:effectRef idx="0">
+            <a:schemeClr val="accent1"/>
+          </a:effectRef>
+          <a:fontRef idx="minor">
+            <a:schemeClr val="tx1"/>
+          </a:fontRef>
+        </p:style>
+      </p:cxnSp>
+      <p:cxnSp>
+        <p:nvCxnSpPr>
+          <p:cNvPr id="23" name="Connector: Elbow 22">
+            <a:extLst>
+              <a:ext uri="{FF2B5EF4-FFF2-40B4-BE49-F238E27FC236}">
+                <a16:creationId xmlns:a16="http://schemas.microsoft.com/office/drawing/2014/main" id="{F7D42B93-C7E0-4738-BD82-31FE8F60157A}"/>
+              </a:ext>
+            </a:extLst>
+          </p:cNvPr>
+          <p:cNvCxnSpPr>
+            <a:stCxn id="4" idx="3"/>
+            <a:endCxn id="11" idx="0"/>
+          </p:cNvCxnSpPr>
+          <p:nvPr/>
+        </p:nvCxnSpPr>
+        <p:spPr>
+          <a:xfrm flipH="1">
+            <a:off x="3230940" y="1920474"/>
+            <a:ext cx="6384400" cy="1060050"/>
+          </a:xfrm>
+          <a:prstGeom prst="bentConnector4">
+            <a:avLst>
+              <a:gd name="adj1" fmla="val -3581"/>
+              <a:gd name="adj2" fmla="val 72613"/>
+            </a:avLst>
+          </a:prstGeom>
+          <a:ln>
+            <a:tailEnd type="triangle"/>
+          </a:ln>
+        </p:spPr>
+        <p:style>
+          <a:lnRef idx="1">
+            <a:schemeClr val="accent1"/>
+          </a:lnRef>
+          <a:fillRef idx="0">
+            <a:schemeClr val="accent1"/>
+          </a:fillRef>
+          <a:effectRef idx="0">
+            <a:schemeClr val="accent1"/>
+          </a:effectRef>
+          <a:fontRef idx="minor">
+            <a:schemeClr val="tx1"/>
+          </a:fontRef>
+        </p:style>
+      </p:cxnSp>
+      <p:cxnSp>
+        <p:nvCxnSpPr>
+          <p:cNvPr id="25" name="Straight Arrow Connector 24">
+            <a:extLst>
+              <a:ext uri="{FF2B5EF4-FFF2-40B4-BE49-F238E27FC236}">
+                <a16:creationId xmlns:a16="http://schemas.microsoft.com/office/drawing/2014/main" id="{883D73A5-BB48-495A-8A33-AF0CB39CD5FE}"/>
+              </a:ext>
+            </a:extLst>
+          </p:cNvPr>
+          <p:cNvCxnSpPr>
+            <a:stCxn id="11" idx="6"/>
+            <a:endCxn id="14" idx="2"/>
+          </p:cNvCxnSpPr>
+          <p:nvPr/>
+        </p:nvCxnSpPr>
+        <p:spPr>
+          <a:xfrm>
+            <a:off x="4102919" y="3594300"/>
+            <a:ext cx="1635548" cy="1188"/>
+          </a:xfrm>
+          <a:prstGeom prst="straightConnector1">
+            <a:avLst/>
+          </a:prstGeom>
+          <a:ln>
+            <a:tailEnd type="triangle"/>
+          </a:ln>
+        </p:spPr>
+        <p:style>
+          <a:lnRef idx="1">
+            <a:schemeClr val="accent1"/>
+          </a:lnRef>
+          <a:fillRef idx="0">
+            <a:schemeClr val="accent1"/>
+          </a:fillRef>
+          <a:effectRef idx="0">
+            <a:schemeClr val="accent1"/>
+          </a:effectRef>
+          <a:fontRef idx="minor">
+            <a:schemeClr val="tx1"/>
+          </a:fontRef>
+        </p:style>
+      </p:cxnSp>
+      <p:cxnSp>
+        <p:nvCxnSpPr>
+          <p:cNvPr id="28" name="Straight Arrow Connector 27">
+            <a:extLst>
+              <a:ext uri="{FF2B5EF4-FFF2-40B4-BE49-F238E27FC236}">
+                <a16:creationId xmlns:a16="http://schemas.microsoft.com/office/drawing/2014/main" id="{6FFCB9D8-8E1B-4CC7-BABD-221A1590BF9B}"/>
+              </a:ext>
+            </a:extLst>
+          </p:cNvPr>
+          <p:cNvCxnSpPr>
+            <a:stCxn id="14" idx="6"/>
+            <a:endCxn id="15" idx="2"/>
+          </p:cNvCxnSpPr>
+          <p:nvPr/>
+        </p:nvCxnSpPr>
+        <p:spPr>
+          <a:xfrm>
+            <a:off x="7333375" y="3595488"/>
+            <a:ext cx="1348031" cy="0"/>
+          </a:xfrm>
+          <a:prstGeom prst="straightConnector1">
+            <a:avLst/>
+          </a:prstGeom>
+          <a:ln>
+            <a:tailEnd type="triangle"/>
+          </a:ln>
+        </p:spPr>
+        <p:style>
+          <a:lnRef idx="1">
+            <a:schemeClr val="accent1"/>
+          </a:lnRef>
+          <a:fillRef idx="0">
+            <a:schemeClr val="accent1"/>
+          </a:fillRef>
+          <a:effectRef idx="0">
+            <a:schemeClr val="accent1"/>
+          </a:effectRef>
+          <a:fontRef idx="minor">
+            <a:schemeClr val="tx1"/>
+          </a:fontRef>
+        </p:style>
+      </p:cxnSp>
+      <p:sp>
+        <p:nvSpPr>
+          <p:cNvPr id="30" name="Rectangle 29">
+            <a:extLst>
+              <a:ext uri="{FF2B5EF4-FFF2-40B4-BE49-F238E27FC236}">
+                <a16:creationId xmlns:a16="http://schemas.microsoft.com/office/drawing/2014/main" id="{26F1E63D-FDAB-432C-A58D-8A9D64D25231}"/>
+              </a:ext>
+            </a:extLst>
+          </p:cNvPr>
+          <p:cNvSpPr/>
+          <p:nvPr/>
+        </p:nvSpPr>
+        <p:spPr>
+          <a:xfrm>
+            <a:off x="10407872" y="4619134"/>
+            <a:ext cx="1394487" cy="1602555"/>
+          </a:xfrm>
+          <a:prstGeom prst="rect">
+            <a:avLst/>
+          </a:prstGeom>
+        </p:spPr>
+        <p:style>
+          <a:lnRef idx="2">
+            <a:schemeClr val="accent1">
+              <a:shade val="50000"/>
+            </a:schemeClr>
+          </a:lnRef>
+          <a:fillRef idx="1">
+            <a:schemeClr val="accent1"/>
+          </a:fillRef>
+          <a:effectRef idx="0">
+            <a:schemeClr val="accent1"/>
+          </a:effectRef>
+          <a:fontRef idx="minor">
+            <a:schemeClr val="lt1"/>
+          </a:fontRef>
+        </p:style>
+        <p:txBody>
+          <a:bodyPr rtlCol="0" anchor="ctr"/>
+          <a:lstStyle/>
+          <a:p>
+            <a:pPr algn="ctr"/>
+            <a:r>
+              <a:rPr lang="sv-SE" dirty="0"/>
+              <a:t>Beräkna D matris från spänningar och töjningar</a:t>
+            </a:r>
+          </a:p>
+        </p:txBody>
+      </p:sp>
+      <p:cxnSp>
+        <p:nvCxnSpPr>
+          <p:cNvPr id="32" name="Straight Arrow Connector 31">
+            <a:extLst>
+              <a:ext uri="{FF2B5EF4-FFF2-40B4-BE49-F238E27FC236}">
+                <a16:creationId xmlns:a16="http://schemas.microsoft.com/office/drawing/2014/main" id="{9C4564BD-10D3-43B9-9577-A262DDBC59BD}"/>
+              </a:ext>
+            </a:extLst>
+          </p:cNvPr>
+          <p:cNvCxnSpPr>
+            <a:cxnSpLocks/>
+            <a:stCxn id="11" idx="3"/>
+            <a:endCxn id="7" idx="0"/>
+          </p:cNvCxnSpPr>
+          <p:nvPr/>
+        </p:nvCxnSpPr>
+        <p:spPr>
+          <a:xfrm flipH="1">
+            <a:off x="1079369" y="4028305"/>
+            <a:ext cx="1534988" cy="409173"/>
+          </a:xfrm>
+          <a:prstGeom prst="straightConnector1">
+            <a:avLst/>
+          </a:prstGeom>
+          <a:ln>
+            <a:tailEnd type="triangle"/>
+          </a:ln>
+        </p:spPr>
+        <p:style>
+          <a:lnRef idx="1">
+            <a:schemeClr val="accent1"/>
+          </a:lnRef>
+          <a:fillRef idx="0">
+            <a:schemeClr val="accent1"/>
+          </a:fillRef>
+          <a:effectRef idx="0">
+            <a:schemeClr val="accent1"/>
+          </a:effectRef>
+          <a:fontRef idx="minor">
+            <a:schemeClr val="tx1"/>
+          </a:fontRef>
+        </p:style>
+      </p:cxnSp>
+      <p:cxnSp>
+        <p:nvCxnSpPr>
+          <p:cNvPr id="34" name="Straight Arrow Connector 33">
+            <a:extLst>
+              <a:ext uri="{FF2B5EF4-FFF2-40B4-BE49-F238E27FC236}">
+                <a16:creationId xmlns:a16="http://schemas.microsoft.com/office/drawing/2014/main" id="{703BAA24-C7A7-467D-BB93-75007E0764AA}"/>
+              </a:ext>
+            </a:extLst>
+          </p:cNvPr>
+          <p:cNvCxnSpPr>
+            <a:stCxn id="7" idx="3"/>
+            <a:endCxn id="8" idx="1"/>
+          </p:cNvCxnSpPr>
+          <p:nvPr/>
+        </p:nvCxnSpPr>
+        <p:spPr>
+          <a:xfrm flipV="1">
+            <a:off x="2158738" y="5407726"/>
+            <a:ext cx="312601" cy="1"/>
+          </a:xfrm>
+          <a:prstGeom prst="straightConnector1">
+            <a:avLst/>
+          </a:prstGeom>
+          <a:ln>
+            <a:tailEnd type="triangle"/>
+          </a:ln>
+        </p:spPr>
+        <p:style>
+          <a:lnRef idx="1">
+            <a:schemeClr val="accent1"/>
+          </a:lnRef>
+          <a:fillRef idx="0">
+            <a:schemeClr val="accent1"/>
+          </a:fillRef>
+          <a:effectRef idx="0">
+            <a:schemeClr val="accent1"/>
+          </a:effectRef>
+          <a:fontRef idx="minor">
+            <a:schemeClr val="tx1"/>
+          </a:fontRef>
+        </p:style>
+      </p:cxnSp>
+      <p:cxnSp>
+        <p:nvCxnSpPr>
+          <p:cNvPr id="36" name="Straight Arrow Connector 35">
+            <a:extLst>
+              <a:ext uri="{FF2B5EF4-FFF2-40B4-BE49-F238E27FC236}">
+                <a16:creationId xmlns:a16="http://schemas.microsoft.com/office/drawing/2014/main" id="{51C82C02-A9AD-4169-B38C-7CA235C55CF6}"/>
+              </a:ext>
+            </a:extLst>
+          </p:cNvPr>
+          <p:cNvCxnSpPr>
+            <a:stCxn id="8" idx="3"/>
+            <a:endCxn id="13" idx="1"/>
+          </p:cNvCxnSpPr>
+          <p:nvPr/>
+        </p:nvCxnSpPr>
+        <p:spPr>
+          <a:xfrm flipV="1">
+            <a:off x="4762054" y="5407725"/>
+            <a:ext cx="360137" cy="1"/>
+          </a:xfrm>
+          <a:prstGeom prst="straightConnector1">
+            <a:avLst/>
+          </a:prstGeom>
+          <a:ln>
+            <a:tailEnd type="triangle"/>
+          </a:ln>
+        </p:spPr>
+        <p:style>
+          <a:lnRef idx="1">
+            <a:schemeClr val="accent1"/>
+          </a:lnRef>
+          <a:fillRef idx="0">
+            <a:schemeClr val="accent1"/>
+          </a:fillRef>
+          <a:effectRef idx="0">
+            <a:schemeClr val="accent1"/>
+          </a:effectRef>
+          <a:fontRef idx="minor">
+            <a:schemeClr val="tx1"/>
+          </a:fontRef>
+        </p:style>
+      </p:cxnSp>
+      <p:cxnSp>
+        <p:nvCxnSpPr>
+          <p:cNvPr id="41" name="Straight Arrow Connector 40">
+            <a:extLst>
+              <a:ext uri="{FF2B5EF4-FFF2-40B4-BE49-F238E27FC236}">
+                <a16:creationId xmlns:a16="http://schemas.microsoft.com/office/drawing/2014/main" id="{125DA906-2502-444B-8AA7-FCDCFE6BED7B}"/>
+              </a:ext>
+            </a:extLst>
+          </p:cNvPr>
+          <p:cNvCxnSpPr>
+            <a:stCxn id="13" idx="0"/>
+            <a:endCxn id="11" idx="5"/>
+          </p:cNvCxnSpPr>
+          <p:nvPr/>
+        </p:nvCxnSpPr>
+        <p:spPr>
+          <a:xfrm flipH="1" flipV="1">
+            <a:off x="3847522" y="4028305"/>
+            <a:ext cx="2217350" cy="409171"/>
+          </a:xfrm>
+          <a:prstGeom prst="straightConnector1">
+            <a:avLst/>
+          </a:prstGeom>
+          <a:ln>
+            <a:tailEnd type="triangle"/>
+          </a:ln>
+        </p:spPr>
+        <p:style>
+          <a:lnRef idx="1">
+            <a:schemeClr val="accent1"/>
+          </a:lnRef>
+          <a:fillRef idx="0">
+            <a:schemeClr val="accent1"/>
+          </a:fillRef>
+          <a:effectRef idx="0">
+            <a:schemeClr val="accent1"/>
+          </a:effectRef>
+          <a:fontRef idx="minor">
+            <a:schemeClr val="tx1"/>
+          </a:fontRef>
+        </p:style>
+      </p:cxnSp>
+      <p:cxnSp>
+        <p:nvCxnSpPr>
+          <p:cNvPr id="48" name="Straight Arrow Connector 47">
+            <a:extLst>
+              <a:ext uri="{FF2B5EF4-FFF2-40B4-BE49-F238E27FC236}">
+                <a16:creationId xmlns:a16="http://schemas.microsoft.com/office/drawing/2014/main" id="{198F292D-7ADA-45B9-88CB-FCB287DB881E}"/>
+              </a:ext>
+            </a:extLst>
+          </p:cNvPr>
+          <p:cNvCxnSpPr>
+            <a:stCxn id="15" idx="3"/>
+            <a:endCxn id="16" idx="0"/>
+          </p:cNvCxnSpPr>
+          <p:nvPr/>
+        </p:nvCxnSpPr>
+        <p:spPr>
+          <a:xfrm flipH="1">
+            <a:off x="8040999" y="4190866"/>
+            <a:ext cx="956547" cy="428268"/>
+          </a:xfrm>
+          <a:prstGeom prst="straightConnector1">
+            <a:avLst/>
+          </a:prstGeom>
+          <a:ln>
+            <a:tailEnd type="triangle"/>
+          </a:ln>
+        </p:spPr>
+        <p:style>
+          <a:lnRef idx="1">
+            <a:schemeClr val="accent1"/>
+          </a:lnRef>
+          <a:fillRef idx="0">
+            <a:schemeClr val="accent1"/>
+          </a:fillRef>
+          <a:effectRef idx="0">
+            <a:schemeClr val="accent1"/>
+          </a:effectRef>
+          <a:fontRef idx="minor">
+            <a:schemeClr val="tx1"/>
+          </a:fontRef>
+        </p:style>
+      </p:cxnSp>
+      <p:cxnSp>
+        <p:nvCxnSpPr>
+          <p:cNvPr id="50" name="Straight Arrow Connector 49">
+            <a:extLst>
+              <a:ext uri="{FF2B5EF4-FFF2-40B4-BE49-F238E27FC236}">
+                <a16:creationId xmlns:a16="http://schemas.microsoft.com/office/drawing/2014/main" id="{4C21F42E-41E4-43B0-B4B2-CB0682C71A20}"/>
+              </a:ext>
+            </a:extLst>
+          </p:cNvPr>
+          <p:cNvCxnSpPr>
+            <a:stCxn id="16" idx="3"/>
+            <a:endCxn id="17" idx="1"/>
+          </p:cNvCxnSpPr>
+          <p:nvPr/>
+        </p:nvCxnSpPr>
+        <p:spPr>
+          <a:xfrm>
+            <a:off x="8694931" y="5420412"/>
+            <a:ext cx="201648" cy="0"/>
+          </a:xfrm>
+          <a:prstGeom prst="straightConnector1">
+            <a:avLst/>
+          </a:prstGeom>
+          <a:ln>
+            <a:tailEnd type="triangle"/>
+          </a:ln>
+        </p:spPr>
+        <p:style>
+          <a:lnRef idx="1">
+            <a:schemeClr val="accent1"/>
+          </a:lnRef>
+          <a:fillRef idx="0">
+            <a:schemeClr val="accent1"/>
+          </a:fillRef>
+          <a:effectRef idx="0">
+            <a:schemeClr val="accent1"/>
+          </a:effectRef>
+          <a:fontRef idx="minor">
+            <a:schemeClr val="tx1"/>
+          </a:fontRef>
+        </p:style>
+      </p:cxnSp>
+      <p:cxnSp>
+        <p:nvCxnSpPr>
+          <p:cNvPr id="52" name="Straight Arrow Connector 51">
+            <a:extLst>
+              <a:ext uri="{FF2B5EF4-FFF2-40B4-BE49-F238E27FC236}">
+                <a16:creationId xmlns:a16="http://schemas.microsoft.com/office/drawing/2014/main" id="{58472CCC-6874-481A-9C0C-12FAAD839993}"/>
+              </a:ext>
+            </a:extLst>
+          </p:cNvPr>
+          <p:cNvCxnSpPr>
+            <a:stCxn id="17" idx="3"/>
+            <a:endCxn id="30" idx="1"/>
+          </p:cNvCxnSpPr>
+          <p:nvPr/>
+        </p:nvCxnSpPr>
+        <p:spPr>
+          <a:xfrm>
+            <a:off x="10206223" y="5420412"/>
+            <a:ext cx="201649" cy="0"/>
+          </a:xfrm>
+          <a:prstGeom prst="straightConnector1">
+            <a:avLst/>
+          </a:prstGeom>
+          <a:ln>
+            <a:tailEnd type="triangle"/>
+          </a:ln>
+        </p:spPr>
+        <p:style>
+          <a:lnRef idx="1">
+            <a:schemeClr val="accent1"/>
+          </a:lnRef>
+          <a:fillRef idx="0">
+            <a:schemeClr val="accent1"/>
+          </a:fillRef>
+          <a:effectRef idx="0">
+            <a:schemeClr val="accent1"/>
+          </a:effectRef>
+          <a:fontRef idx="minor">
+            <a:schemeClr val="tx1"/>
+          </a:fontRef>
+        </p:style>
+      </p:cxnSp>
+      <p:cxnSp>
+        <p:nvCxnSpPr>
+          <p:cNvPr id="54" name="Straight Arrow Connector 53">
+            <a:extLst>
+              <a:ext uri="{FF2B5EF4-FFF2-40B4-BE49-F238E27FC236}">
+                <a16:creationId xmlns:a16="http://schemas.microsoft.com/office/drawing/2014/main" id="{52AA0539-53DC-4EBB-A5A1-DE8F35CAEEED}"/>
+              </a:ext>
+            </a:extLst>
+          </p:cNvPr>
+          <p:cNvCxnSpPr>
+            <a:stCxn id="30" idx="0"/>
+            <a:endCxn id="15" idx="5"/>
+          </p:cNvCxnSpPr>
+          <p:nvPr/>
+        </p:nvCxnSpPr>
+        <p:spPr>
+          <a:xfrm flipH="1" flipV="1">
+            <a:off x="10524004" y="4190866"/>
+            <a:ext cx="581112" cy="428268"/>
+          </a:xfrm>
+          <a:prstGeom prst="straightConnector1">
+            <a:avLst/>
+          </a:prstGeom>
+          <a:ln>
+            <a:tailEnd type="triangle"/>
+          </a:ln>
+        </p:spPr>
+        <p:style>
+          <a:lnRef idx="1">
+            <a:schemeClr val="accent1"/>
+          </a:lnRef>
+          <a:fillRef idx="0">
+            <a:schemeClr val="accent1"/>
+          </a:fillRef>
+          <a:effectRef idx="0">
+            <a:schemeClr val="accent1"/>
+          </a:effectRef>
+          <a:fontRef idx="minor">
+            <a:schemeClr val="tx1"/>
+          </a:fontRef>
+        </p:style>
+      </p:cxnSp>
+    </p:spTree>
+    <p:extLst>
+      <p:ext uri="{BB962C8B-B14F-4D97-AF65-F5344CB8AC3E}">
+        <p14:creationId xmlns:p14="http://schemas.microsoft.com/office/powerpoint/2010/main" val="2139098072"/>
+      </p:ext>
+    </p:extLst>
+  </p:cSld>
+  <p:clrMapOvr>
+    <a:masterClrMapping/>
+  </p:clrMapOvr>
+</p:sld>
+</file>
+
+<file path=ppt/slides/slide8.xml><?xml version="1.0" encoding="utf-8"?>
 <p:sld xmlns:a="http://schemas.openxmlformats.org/drawingml/2006/main" xmlns:r="http://schemas.openxmlformats.org/officeDocument/2006/relationships" xmlns:p="http://schemas.openxmlformats.org/presentationml/2006/main">
   <p:cSld>
     <p:spTree>
@@ -8299,7 +12414,7 @@
         <p:spPr>
           <a:xfrm>
             <a:off x="348915" y="3429001"/>
-            <a:ext cx="4596063" cy="1395663"/>
+            <a:ext cx="4128817" cy="1395663"/>
           </a:xfrm>
           <a:prstGeom prst="rect">
             <a:avLst/>
@@ -8347,8 +12462,8 @@
         </p:nvSpPr>
         <p:spPr>
           <a:xfrm>
-            <a:off x="348915" y="4824664"/>
-            <a:ext cx="4596063" cy="1395663"/>
+            <a:off x="348916" y="4824664"/>
+            <a:ext cx="4128816" cy="1395663"/>
           </a:xfrm>
           <a:prstGeom prst="rect">
             <a:avLst/>
@@ -8476,7 +12591,7 @@
         </p:nvCxnSpPr>
         <p:spPr>
           <a:xfrm>
-            <a:off x="5221704" y="6220327"/>
+            <a:off x="4843703" y="6130321"/>
             <a:ext cx="1359569" cy="0"/>
           </a:xfrm>
           <a:prstGeom prst="straightConnector1">
@@ -8510,12 +12625,14 @@
               </a:ext>
             </a:extLst>
           </p:cNvPr>
-          <p:cNvCxnSpPr/>
+          <p:cNvCxnSpPr>
+            <a:cxnSpLocks/>
+          </p:cNvCxnSpPr>
           <p:nvPr/>
         </p:nvCxnSpPr>
         <p:spPr>
           <a:xfrm flipV="1">
-            <a:off x="5221704" y="5193995"/>
+            <a:off x="4843703" y="5103989"/>
             <a:ext cx="0" cy="1026332"/>
           </a:xfrm>
           <a:prstGeom prst="straightConnector1">
@@ -8554,7 +12671,7 @@
         </p:nvSpPr>
         <p:spPr>
           <a:xfrm>
-            <a:off x="6184230" y="5935762"/>
+            <a:off x="5806229" y="5845756"/>
             <a:ext cx="866273" cy="369332"/>
           </a:xfrm>
           <a:prstGeom prst="rect">
@@ -8589,7 +12706,7 @@
         </p:nvSpPr>
         <p:spPr>
           <a:xfrm>
-            <a:off x="5185610" y="5201562"/>
+            <a:off x="4807609" y="5111556"/>
             <a:ext cx="715878" cy="369332"/>
           </a:xfrm>
           <a:prstGeom prst="rect">
@@ -8610,8 +12727,8 @@
           </a:p>
         </p:txBody>
       </p:sp>
-      <mc:AlternateContent xmlns:mc="http://schemas.openxmlformats.org/markup-compatibility/2006">
-        <mc:Choice xmlns:a14="http://schemas.microsoft.com/office/drawing/2010/main" Requires="a14">
+      <mc:AlternateContent xmlns:mc="http://schemas.openxmlformats.org/markup-compatibility/2006" xmlns:a14="http://schemas.microsoft.com/office/drawing/2010/main">
+        <mc:Choice Requires="a14">
           <p:sp>
             <p:nvSpPr>
               <p:cNvPr id="16" name="TextBox 15">
@@ -8707,7 +12824,7 @@
             </p:txBody>
           </p:sp>
         </mc:Choice>
-        <mc:Fallback>
+        <mc:Fallback xmlns="">
           <p:sp>
             <p:nvSpPr>
               <p:cNvPr id="16" name="TextBox 15">
@@ -8752,8 +12869,8 @@
           </p:sp>
         </mc:Fallback>
       </mc:AlternateContent>
-      <mc:AlternateContent xmlns:mc="http://schemas.openxmlformats.org/markup-compatibility/2006">
-        <mc:Choice xmlns:a14="http://schemas.microsoft.com/office/drawing/2010/main" Requires="a14">
+      <mc:AlternateContent xmlns:mc="http://schemas.openxmlformats.org/markup-compatibility/2006" xmlns:a14="http://schemas.microsoft.com/office/drawing/2010/main">
+        <mc:Choice Requires="a14">
           <p:sp>
             <p:nvSpPr>
               <p:cNvPr id="17" name="TextBox 16">
@@ -8782,6 +12899,7 @@
               </a:bodyPr>
               <a:lstStyle/>
               <a:p>
+                <a:pPr/>
                 <a14:m>
                   <m:oMathPara xmlns:m="http://schemas.openxmlformats.org/officeDocument/2006/math">
                     <m:oMathParaPr>
@@ -8883,7 +13001,7 @@
             </p:txBody>
           </p:sp>
         </mc:Choice>
-        <mc:Fallback>
+        <mc:Fallback xmlns="">
           <p:sp>
             <p:nvSpPr>
               <p:cNvPr id="17" name="TextBox 16">
@@ -8928,8 +13046,8 @@
           </p:sp>
         </mc:Fallback>
       </mc:AlternateContent>
-      <mc:AlternateContent xmlns:mc="http://schemas.openxmlformats.org/markup-compatibility/2006">
-        <mc:Choice xmlns:a14="http://schemas.microsoft.com/office/drawing/2010/main" Requires="a14">
+      <mc:AlternateContent xmlns:mc="http://schemas.openxmlformats.org/markup-compatibility/2006" xmlns:a14="http://schemas.microsoft.com/office/drawing/2010/main">
+        <mc:Choice Requires="a14">
           <p:sp>
             <p:nvSpPr>
               <p:cNvPr id="18" name="TextBox 17">
@@ -8945,7 +13063,7 @@
             <p:spPr>
               <a:xfrm>
                 <a:off x="661737" y="1690688"/>
-                <a:ext cx="9938082" cy="396968"/>
+                <a:ext cx="9938082" cy="396775"/>
               </a:xfrm>
               <a:prstGeom prst="rect">
                 <a:avLst/>
@@ -9061,7 +13179,7 @@
                           <a:rPr lang="sv-SE" b="0" i="1" smtClean="0">
                             <a:latin typeface="Cambria Math" panose="02040503050406030204" pitchFamily="18" charset="0"/>
                           </a:rPr>
-                          <m:t>𝑧</m:t>
+                          <m:t>𝑥𝑦</m:t>
                         </m:r>
                       </m:sub>
                       <m:sup>
@@ -9100,7 +13218,7 @@
                           <a:rPr lang="sv-SE" b="0" i="1" smtClean="0">
                             <a:latin typeface="Cambria Math" panose="02040503050406030204" pitchFamily="18" charset="0"/>
                           </a:rPr>
-                          <m:t>𝑧</m:t>
+                          <m:t>𝑥𝑦</m:t>
                         </m:r>
                       </m:sub>
                       <m:sup>
@@ -9119,7 +13237,7 @@
             </p:txBody>
           </p:sp>
         </mc:Choice>
-        <mc:Fallback>
+        <mc:Fallback xmlns="">
           <p:sp>
             <p:nvSpPr>
               <p:cNvPr id="18" name="TextBox 17">
@@ -9137,7 +13255,7 @@
             <p:spPr>
               <a:xfrm>
                 <a:off x="661737" y="1690688"/>
-                <a:ext cx="9938082" cy="396968"/>
+                <a:ext cx="9938082" cy="396775"/>
               </a:xfrm>
               <a:prstGeom prst="rect">
                 <a:avLst/>
@@ -9164,8 +13282,8 @@
           </p:sp>
         </mc:Fallback>
       </mc:AlternateContent>
-      <mc:AlternateContent xmlns:mc="http://schemas.openxmlformats.org/markup-compatibility/2006">
-        <mc:Choice xmlns:a14="http://schemas.microsoft.com/office/drawing/2010/main" Requires="a14">
+      <mc:AlternateContent xmlns:mc="http://schemas.openxmlformats.org/markup-compatibility/2006" xmlns:a14="http://schemas.microsoft.com/office/drawing/2010/main">
+        <mc:Choice Requires="a14">
           <p:sp>
             <p:nvSpPr>
               <p:cNvPr id="19" name="TextBox 18">
@@ -9194,6 +13312,7 @@
               </a:bodyPr>
               <a:lstStyle/>
               <a:p>
+                <a:pPr/>
                 <a14:m>
                   <m:oMathPara xmlns:m="http://schemas.openxmlformats.org/officeDocument/2006/math">
                     <m:oMathParaPr>
@@ -9286,7 +13405,7 @@
             </p:txBody>
           </p:sp>
         </mc:Choice>
-        <mc:Fallback>
+        <mc:Fallback xmlns="">
           <p:sp>
             <p:nvSpPr>
               <p:cNvPr id="19" name="TextBox 18">
@@ -9331,6 +13450,41 @@
           </p:sp>
         </mc:Fallback>
       </mc:AlternateContent>
+      <p:sp>
+        <p:nvSpPr>
+          <p:cNvPr id="3" name="TextBox 2">
+            <a:extLst>
+              <a:ext uri="{FF2B5EF4-FFF2-40B4-BE49-F238E27FC236}">
+                <a16:creationId xmlns:a16="http://schemas.microsoft.com/office/drawing/2014/main" id="{98393550-FB5C-4CAB-B5C9-DE04C274D2A1}"/>
+              </a:ext>
+            </a:extLst>
+          </p:cNvPr>
+          <p:cNvSpPr txBox="1"/>
+          <p:nvPr/>
+        </p:nvSpPr>
+        <p:spPr>
+          <a:xfrm>
+            <a:off x="5831305" y="1612232"/>
+            <a:ext cx="4852737" cy="923330"/>
+          </a:xfrm>
+          <a:prstGeom prst="rect">
+            <a:avLst/>
+          </a:prstGeom>
+          <a:noFill/>
+        </p:spPr>
+        <p:txBody>
+          <a:bodyPr wrap="square" rtlCol="0">
+            <a:spAutoFit/>
+          </a:bodyPr>
+          <a:lstStyle/>
+          <a:p>
+            <a:r>
+              <a:rPr lang="sv-SE" dirty="0"/>
+              <a:t>Ingående material antas ej vara ortotropiska. Roterandet av koordinatsystem ger icke-ortotropiska material.</a:t>
+            </a:r>
+          </a:p>
+        </p:txBody>
+      </p:sp>
     </p:spTree>
     <p:extLst>
       <p:ext uri="{BB962C8B-B14F-4D97-AF65-F5344CB8AC3E}">
